--- a/manual/Manual.pptx
+++ b/manual/Manual.pptx
@@ -5,49 +5,42 @@
     <p:sldMasterId id="2147483648" r:id="rId1"/>
   </p:sldMasterIdLst>
   <p:notesMasterIdLst>
-    <p:notesMasterId r:id="rId15"/>
+    <p:notesMasterId r:id="rId12"/>
   </p:notesMasterIdLst>
   <p:handoutMasterIdLst>
-    <p:handoutMasterId r:id="rId16"/>
+    <p:handoutMasterId r:id="rId13"/>
   </p:handoutMasterIdLst>
   <p:sldIdLst>
     <p:sldId id="256" r:id="rId2"/>
     <p:sldId id="334" r:id="rId3"/>
-    <p:sldId id="340" r:id="rId4"/>
-    <p:sldId id="341" r:id="rId5"/>
-    <p:sldId id="342" r:id="rId6"/>
+    <p:sldId id="344" r:id="rId4"/>
+    <p:sldId id="340" r:id="rId5"/>
+    <p:sldId id="341" r:id="rId6"/>
     <p:sldId id="343" r:id="rId7"/>
-    <p:sldId id="344" r:id="rId8"/>
-    <p:sldId id="345" r:id="rId9"/>
-    <p:sldId id="339" r:id="rId10"/>
-    <p:sldId id="346" r:id="rId11"/>
-    <p:sldId id="347" r:id="rId12"/>
-    <p:sldId id="349" r:id="rId13"/>
-    <p:sldId id="350" r:id="rId14"/>
+    <p:sldId id="345" r:id="rId8"/>
+    <p:sldId id="339" r:id="rId9"/>
+    <p:sldId id="346" r:id="rId10"/>
+    <p:sldId id="347" r:id="rId11"/>
   </p:sldIdLst>
   <p:sldSz cx="12192000" cy="6858000"/>
   <p:notesSz cx="6858000" cy="9144000"/>
   <p:embeddedFontLst>
     <p:embeddedFont>
-      <p:font typeface="Cambria Math" panose="02040503050406030204" pitchFamily="18" charset="0"/>
-      <p:regular r:id="rId17"/>
-    </p:embeddedFont>
-    <p:embeddedFont>
       <p:font typeface="나눔스퀘어" panose="020B0600000101010101" pitchFamily="50" charset="-127"/>
-      <p:regular r:id="rId18"/>
+      <p:regular r:id="rId14"/>
     </p:embeddedFont>
     <p:embeddedFont>
       <p:font typeface="나눔스퀘어 Bold" panose="020B0600000101010101" pitchFamily="50" charset="-127"/>
-      <p:bold r:id="rId19"/>
+      <p:bold r:id="rId15"/>
     </p:embeddedFont>
     <p:embeddedFont>
       <p:font typeface="나눔스퀘어 ExtraBold" panose="020B0600000101010101" pitchFamily="50" charset="-127"/>
-      <p:bold r:id="rId20"/>
+      <p:bold r:id="rId16"/>
     </p:embeddedFont>
     <p:embeddedFont>
       <p:font typeface="맑은 고딕" panose="020B0503020000020004" pitchFamily="50" charset="-127"/>
-      <p:regular r:id="rId21"/>
-      <p:bold r:id="rId22"/>
+      <p:regular r:id="rId17"/>
+      <p:bold r:id="rId18"/>
     </p:embeddedFont>
   </p:embeddedFontLst>
   <p:defaultTextStyle>
@@ -250,7 +243,7 @@
           <a:p>
             <a:fld id="{83305C13-85E8-4253-B844-2B9B2AB2A624}" type="datetimeFigureOut">
               <a:rPr lang="ko-KR" altLang="en-US" smtClean="0"/>
-              <a:t>2024-03-28</a:t>
+              <a:t>2024-05-08</a:t>
             </a:fld>
             <a:endParaRPr lang="ko-KR" altLang="en-US"/>
           </a:p>
@@ -390,7 +383,7 @@
           <a:p>
             <a:fld id="{B3649AE7-B88E-4327-822E-9F535C79CB92}" type="datetimeFigureOut">
               <a:rPr lang="ko-KR" altLang="en-US" smtClean="0"/>
-              <a:t>2024-03-28</a:t>
+              <a:t>2024-05-08</a:t>
             </a:fld>
             <a:endParaRPr lang="ko-KR" altLang="en-US"/>
           </a:p>
@@ -704,80 +697,7 @@
             <a:pPr marL="228600" indent="-228600">
               <a:buAutoNum type="arabicPeriod"/>
             </a:pPr>
-            <a:r>
-              <a:rPr lang="en-US" altLang="ko-KR" dirty="0"/>
-              <a:t>git</a:t>
-            </a:r>
-            <a:r>
-              <a:rPr lang="ko-KR" altLang="en-US" dirty="0"/>
-              <a:t> </a:t>
-            </a:r>
-            <a:r>
-              <a:rPr lang="en-US" altLang="ko-KR" dirty="0"/>
-              <a:t>clone</a:t>
-            </a:r>
-            <a:r>
-              <a:rPr lang="ko-KR" altLang="en-US" dirty="0"/>
-              <a:t>하기</a:t>
-            </a:r>
             <a:endParaRPr lang="en-US" altLang="ko-KR" dirty="0"/>
-          </a:p>
-          <a:p>
-            <a:pPr marL="228600" indent="-228600">
-              <a:buAutoNum type="arabicPeriod"/>
-            </a:pPr>
-            <a:r>
-              <a:rPr lang="en-US" altLang="ko-KR" dirty="0"/>
-              <a:t>anaconda </a:t>
-            </a:r>
-            <a:r>
-              <a:rPr lang="ko-KR" altLang="en-US" dirty="0"/>
-              <a:t>설치</a:t>
-            </a:r>
-            <a:endParaRPr lang="en-US" altLang="ko-KR" dirty="0"/>
-          </a:p>
-          <a:p>
-            <a:pPr marL="228600" indent="-228600">
-              <a:buAutoNum type="arabicPeriod"/>
-            </a:pPr>
-            <a:r>
-              <a:rPr lang="ko-KR" altLang="en-US" dirty="0"/>
-              <a:t>가상환경 설정</a:t>
-            </a:r>
-            <a:endParaRPr lang="en-US" altLang="ko-KR" dirty="0"/>
-          </a:p>
-          <a:p>
-            <a:pPr marL="228600" indent="-228600">
-              <a:buAutoNum type="arabicPeriod"/>
-            </a:pPr>
-            <a:r>
-              <a:rPr lang="en-US" altLang="ko-KR" dirty="0" err="1"/>
-              <a:t>vscode</a:t>
-            </a:r>
-            <a:r>
-              <a:rPr lang="en-US" altLang="ko-KR" dirty="0"/>
-              <a:t> </a:t>
-            </a:r>
-            <a:r>
-              <a:rPr lang="ko-KR" altLang="en-US" dirty="0"/>
-              <a:t>또는 </a:t>
-            </a:r>
-            <a:r>
-              <a:rPr lang="en-US" altLang="ko-KR" dirty="0" err="1"/>
-              <a:t>pycharm</a:t>
-            </a:r>
-            <a:r>
-              <a:rPr lang="en-US" altLang="ko-KR" dirty="0"/>
-              <a:t> </a:t>
-            </a:r>
-            <a:r>
-              <a:rPr lang="ko-KR" altLang="en-US" dirty="0"/>
-              <a:t>설치</a:t>
-            </a:r>
-            <a:r>
-              <a:rPr lang="en-US" altLang="ko-KR" dirty="0"/>
-              <a:t>`</a:t>
-            </a:r>
           </a:p>
         </p:txBody>
       </p:sp>
@@ -891,259 +811,7 @@
     </p:spTree>
     <p:extLst>
       <p:ext uri="{BB962C8B-B14F-4D97-AF65-F5344CB8AC3E}">
-        <p14:creationId xmlns:p14="http://schemas.microsoft.com/office/powerpoint/2010/main" val="2534618194"/>
-      </p:ext>
-    </p:extLst>
-  </p:cSld>
-  <p:clrMapOvr>
-    <a:masterClrMapping/>
-  </p:clrMapOvr>
-</p:notes>
-</file>
-
-<file path=ppt/notesSlides/notesSlide11.xml><?xml version="1.0" encoding="utf-8"?>
-<p:notes xmlns:a="http://schemas.openxmlformats.org/drawingml/2006/main" xmlns:r="http://schemas.openxmlformats.org/officeDocument/2006/relationships" xmlns:p="http://schemas.openxmlformats.org/presentationml/2006/main">
-  <p:cSld>
-    <p:spTree>
-      <p:nvGrpSpPr>
-        <p:cNvPr id="1" name=""/>
-        <p:cNvGrpSpPr/>
-        <p:nvPr/>
-      </p:nvGrpSpPr>
-      <p:grpSpPr>
-        <a:xfrm>
-          <a:off x="0" y="0"/>
-          <a:ext cx="0" cy="0"/>
-          <a:chOff x="0" y="0"/>
-          <a:chExt cx="0" cy="0"/>
-        </a:xfrm>
-      </p:grpSpPr>
-      <p:sp>
-        <p:nvSpPr>
-          <p:cNvPr id="2" name="슬라이드 이미지 개체 틀 1"/>
-          <p:cNvSpPr>
-            <a:spLocks noGrp="1" noRot="1" noChangeAspect="1"/>
-          </p:cNvSpPr>
-          <p:nvPr>
-            <p:ph type="sldImg"/>
-          </p:nvPr>
-        </p:nvSpPr>
-        <p:spPr/>
-      </p:sp>
-      <p:sp>
-        <p:nvSpPr>
-          <p:cNvPr id="3" name="슬라이드 노트 개체 틀 2"/>
-          <p:cNvSpPr>
-            <a:spLocks noGrp="1"/>
-          </p:cNvSpPr>
-          <p:nvPr>
-            <p:ph type="body" idx="1"/>
-          </p:nvPr>
-        </p:nvSpPr>
-        <p:spPr/>
-        <p:txBody>
-          <a:bodyPr/>
-          <a:lstStyle/>
-          <a:p>
-            <a:endParaRPr lang="en-US" altLang="ko-KR" dirty="0"/>
-          </a:p>
-        </p:txBody>
-      </p:sp>
-      <p:sp>
-        <p:nvSpPr>
-          <p:cNvPr id="4" name="슬라이드 번호 개체 틀 3"/>
-          <p:cNvSpPr>
-            <a:spLocks noGrp="1"/>
-          </p:cNvSpPr>
-          <p:nvPr>
-            <p:ph type="sldNum" sz="quarter" idx="5"/>
-          </p:nvPr>
-        </p:nvSpPr>
-        <p:spPr/>
-        <p:txBody>
-          <a:bodyPr/>
-          <a:lstStyle/>
-          <a:p>
-            <a:fld id="{687F4DE4-F0F6-450A-AC5B-587401CDE67E}" type="slidenum">
-              <a:rPr lang="ko-KR" altLang="en-US" smtClean="0"/>
-              <a:t>11</a:t>
-            </a:fld>
-            <a:endParaRPr lang="ko-KR" altLang="en-US"/>
-          </a:p>
-        </p:txBody>
-      </p:sp>
-    </p:spTree>
-    <p:extLst>
-      <p:ext uri="{BB962C8B-B14F-4D97-AF65-F5344CB8AC3E}">
-        <p14:creationId xmlns:p14="http://schemas.microsoft.com/office/powerpoint/2010/main" val="3313916566"/>
-      </p:ext>
-    </p:extLst>
-  </p:cSld>
-  <p:clrMapOvr>
-    <a:masterClrMapping/>
-  </p:clrMapOvr>
-</p:notes>
-</file>
-
-<file path=ppt/notesSlides/notesSlide12.xml><?xml version="1.0" encoding="utf-8"?>
-<p:notes xmlns:a="http://schemas.openxmlformats.org/drawingml/2006/main" xmlns:r="http://schemas.openxmlformats.org/officeDocument/2006/relationships" xmlns:p="http://schemas.openxmlformats.org/presentationml/2006/main">
-  <p:cSld>
-    <p:spTree>
-      <p:nvGrpSpPr>
-        <p:cNvPr id="1" name=""/>
-        <p:cNvGrpSpPr/>
-        <p:nvPr/>
-      </p:nvGrpSpPr>
-      <p:grpSpPr>
-        <a:xfrm>
-          <a:off x="0" y="0"/>
-          <a:ext cx="0" cy="0"/>
-          <a:chOff x="0" y="0"/>
-          <a:chExt cx="0" cy="0"/>
-        </a:xfrm>
-      </p:grpSpPr>
-      <p:sp>
-        <p:nvSpPr>
-          <p:cNvPr id="2" name="슬라이드 이미지 개체 틀 1"/>
-          <p:cNvSpPr>
-            <a:spLocks noGrp="1" noRot="1" noChangeAspect="1"/>
-          </p:cNvSpPr>
-          <p:nvPr>
-            <p:ph type="sldImg"/>
-          </p:nvPr>
-        </p:nvSpPr>
-        <p:spPr/>
-      </p:sp>
-      <p:sp>
-        <p:nvSpPr>
-          <p:cNvPr id="3" name="슬라이드 노트 개체 틀 2"/>
-          <p:cNvSpPr>
-            <a:spLocks noGrp="1"/>
-          </p:cNvSpPr>
-          <p:nvPr>
-            <p:ph type="body" idx="1"/>
-          </p:nvPr>
-        </p:nvSpPr>
-        <p:spPr/>
-        <p:txBody>
-          <a:bodyPr/>
-          <a:lstStyle/>
-          <a:p>
-            <a:endParaRPr lang="en-US" altLang="ko-KR" dirty="0"/>
-          </a:p>
-        </p:txBody>
-      </p:sp>
-      <p:sp>
-        <p:nvSpPr>
-          <p:cNvPr id="4" name="슬라이드 번호 개체 틀 3"/>
-          <p:cNvSpPr>
-            <a:spLocks noGrp="1"/>
-          </p:cNvSpPr>
-          <p:nvPr>
-            <p:ph type="sldNum" sz="quarter" idx="5"/>
-          </p:nvPr>
-        </p:nvSpPr>
-        <p:spPr/>
-        <p:txBody>
-          <a:bodyPr/>
-          <a:lstStyle/>
-          <a:p>
-            <a:fld id="{687F4DE4-F0F6-450A-AC5B-587401CDE67E}" type="slidenum">
-              <a:rPr lang="ko-KR" altLang="en-US" smtClean="0"/>
-              <a:t>12</a:t>
-            </a:fld>
-            <a:endParaRPr lang="ko-KR" altLang="en-US"/>
-          </a:p>
-        </p:txBody>
-      </p:sp>
-    </p:spTree>
-    <p:extLst>
-      <p:ext uri="{BB962C8B-B14F-4D97-AF65-F5344CB8AC3E}">
-        <p14:creationId xmlns:p14="http://schemas.microsoft.com/office/powerpoint/2010/main" val="3728008986"/>
-      </p:ext>
-    </p:extLst>
-  </p:cSld>
-  <p:clrMapOvr>
-    <a:masterClrMapping/>
-  </p:clrMapOvr>
-</p:notes>
-</file>
-
-<file path=ppt/notesSlides/notesSlide13.xml><?xml version="1.0" encoding="utf-8"?>
-<p:notes xmlns:a="http://schemas.openxmlformats.org/drawingml/2006/main" xmlns:r="http://schemas.openxmlformats.org/officeDocument/2006/relationships" xmlns:p="http://schemas.openxmlformats.org/presentationml/2006/main">
-  <p:cSld>
-    <p:spTree>
-      <p:nvGrpSpPr>
-        <p:cNvPr id="1" name=""/>
-        <p:cNvGrpSpPr/>
-        <p:nvPr/>
-      </p:nvGrpSpPr>
-      <p:grpSpPr>
-        <a:xfrm>
-          <a:off x="0" y="0"/>
-          <a:ext cx="0" cy="0"/>
-          <a:chOff x="0" y="0"/>
-          <a:chExt cx="0" cy="0"/>
-        </a:xfrm>
-      </p:grpSpPr>
-      <p:sp>
-        <p:nvSpPr>
-          <p:cNvPr id="2" name="슬라이드 이미지 개체 틀 1"/>
-          <p:cNvSpPr>
-            <a:spLocks noGrp="1" noRot="1" noChangeAspect="1"/>
-          </p:cNvSpPr>
-          <p:nvPr>
-            <p:ph type="sldImg"/>
-          </p:nvPr>
-        </p:nvSpPr>
-        <p:spPr/>
-      </p:sp>
-      <p:sp>
-        <p:nvSpPr>
-          <p:cNvPr id="3" name="슬라이드 노트 개체 틀 2"/>
-          <p:cNvSpPr>
-            <a:spLocks noGrp="1"/>
-          </p:cNvSpPr>
-          <p:nvPr>
-            <p:ph type="body" idx="1"/>
-          </p:nvPr>
-        </p:nvSpPr>
-        <p:spPr/>
-        <p:txBody>
-          <a:bodyPr/>
-          <a:lstStyle/>
-          <a:p>
-            <a:endParaRPr lang="en-US" altLang="ko-KR" dirty="0"/>
-          </a:p>
-        </p:txBody>
-      </p:sp>
-      <p:sp>
-        <p:nvSpPr>
-          <p:cNvPr id="4" name="슬라이드 번호 개체 틀 3"/>
-          <p:cNvSpPr>
-            <a:spLocks noGrp="1"/>
-          </p:cNvSpPr>
-          <p:nvPr>
-            <p:ph type="sldNum" sz="quarter" idx="5"/>
-          </p:nvPr>
-        </p:nvSpPr>
-        <p:spPr/>
-        <p:txBody>
-          <a:bodyPr/>
-          <a:lstStyle/>
-          <a:p>
-            <a:fld id="{687F4DE4-F0F6-450A-AC5B-587401CDE67E}" type="slidenum">
-              <a:rPr lang="ko-KR" altLang="en-US" smtClean="0"/>
-              <a:t>13</a:t>
-            </a:fld>
-            <a:endParaRPr lang="ko-KR" altLang="en-US"/>
-          </a:p>
-        </p:txBody>
-      </p:sp>
-    </p:spTree>
-    <p:extLst>
-      <p:ext uri="{BB962C8B-B14F-4D97-AF65-F5344CB8AC3E}">
-        <p14:creationId xmlns:p14="http://schemas.microsoft.com/office/powerpoint/2010/main" val="3958168560"/>
+        <p14:creationId xmlns:p14="http://schemas.microsoft.com/office/powerpoint/2010/main" val="2764488233"/>
       </p:ext>
     </p:extLst>
   </p:cSld>
@@ -1311,7 +979,7 @@
     </p:spTree>
     <p:extLst>
       <p:ext uri="{BB962C8B-B14F-4D97-AF65-F5344CB8AC3E}">
-        <p14:creationId xmlns:p14="http://schemas.microsoft.com/office/powerpoint/2010/main" val="1630195975"/>
+        <p14:creationId xmlns:p14="http://schemas.microsoft.com/office/powerpoint/2010/main" val="852893406"/>
       </p:ext>
     </p:extLst>
   </p:cSld>
@@ -1395,7 +1063,7 @@
     </p:spTree>
     <p:extLst>
       <p:ext uri="{BB962C8B-B14F-4D97-AF65-F5344CB8AC3E}">
-        <p14:creationId xmlns:p14="http://schemas.microsoft.com/office/powerpoint/2010/main" val="3222219429"/>
+        <p14:creationId xmlns:p14="http://schemas.microsoft.com/office/powerpoint/2010/main" val="1630195975"/>
       </p:ext>
     </p:extLst>
   </p:cSld>
@@ -1479,7 +1147,7 @@
     </p:spTree>
     <p:extLst>
       <p:ext uri="{BB962C8B-B14F-4D97-AF65-F5344CB8AC3E}">
-        <p14:creationId xmlns:p14="http://schemas.microsoft.com/office/powerpoint/2010/main" val="2556601589"/>
+        <p14:creationId xmlns:p14="http://schemas.microsoft.com/office/powerpoint/2010/main" val="3222219429"/>
       </p:ext>
     </p:extLst>
   </p:cSld>
@@ -1647,7 +1315,7 @@
     </p:spTree>
     <p:extLst>
       <p:ext uri="{BB962C8B-B14F-4D97-AF65-F5344CB8AC3E}">
-        <p14:creationId xmlns:p14="http://schemas.microsoft.com/office/powerpoint/2010/main" val="439055109"/>
+        <p14:creationId xmlns:p14="http://schemas.microsoft.com/office/powerpoint/2010/main" val="3175939075"/>
       </p:ext>
     </p:extLst>
   </p:cSld>
@@ -1731,7 +1399,7 @@
     </p:spTree>
     <p:extLst>
       <p:ext uri="{BB962C8B-B14F-4D97-AF65-F5344CB8AC3E}">
-        <p14:creationId xmlns:p14="http://schemas.microsoft.com/office/powerpoint/2010/main" val="1023693446"/>
+        <p14:creationId xmlns:p14="http://schemas.microsoft.com/office/powerpoint/2010/main" val="901473657"/>
       </p:ext>
     </p:extLst>
   </p:cSld>
@@ -1815,7 +1483,7 @@
     </p:spTree>
     <p:extLst>
       <p:ext uri="{BB962C8B-B14F-4D97-AF65-F5344CB8AC3E}">
-        <p14:creationId xmlns:p14="http://schemas.microsoft.com/office/powerpoint/2010/main" val="901473657"/>
+        <p14:creationId xmlns:p14="http://schemas.microsoft.com/office/powerpoint/2010/main" val="2349247130"/>
       </p:ext>
     </p:extLst>
   </p:cSld>
@@ -1972,7 +1640,7 @@
           <a:p>
             <a:fld id="{9C20F624-6A04-429E-A666-C96C4A4F4840}" type="datetimeFigureOut">
               <a:rPr lang="ko-KR" altLang="en-US" smtClean="0"/>
-              <a:t>2024-03-28</a:t>
+              <a:t>2024-05-08</a:t>
             </a:fld>
             <a:endParaRPr lang="ko-KR" altLang="en-US"/>
           </a:p>
@@ -2248,7 +1916,7 @@
           <a:p>
             <a:fld id="{9C20F624-6A04-429E-A666-C96C4A4F4840}" type="datetimeFigureOut">
               <a:rPr lang="ko-KR" altLang="en-US" smtClean="0"/>
-              <a:t>2024-03-28</a:t>
+              <a:t>2024-05-08</a:t>
             </a:fld>
             <a:endParaRPr lang="ko-KR" altLang="en-US"/>
           </a:p>
@@ -2456,7 +2124,7 @@
           <a:p>
             <a:fld id="{9C20F624-6A04-429E-A666-C96C4A4F4840}" type="datetimeFigureOut">
               <a:rPr lang="ko-KR" altLang="en-US" smtClean="0"/>
-              <a:t>2024-03-28</a:t>
+              <a:t>2024-05-08</a:t>
             </a:fld>
             <a:endParaRPr lang="ko-KR" altLang="en-US"/>
           </a:p>
@@ -2654,7 +2322,7 @@
           <a:p>
             <a:fld id="{9C20F624-6A04-429E-A666-C96C4A4F4840}" type="datetimeFigureOut">
               <a:rPr lang="ko-KR" altLang="en-US" smtClean="0"/>
-              <a:t>2024-03-28</a:t>
+              <a:t>2024-05-08</a:t>
             </a:fld>
             <a:endParaRPr lang="ko-KR" altLang="en-US"/>
           </a:p>
@@ -2970,7 +2638,7 @@
           <a:p>
             <a:fld id="{9C20F624-6A04-429E-A666-C96C4A4F4840}" type="datetimeFigureOut">
               <a:rPr lang="ko-KR" altLang="en-US" smtClean="0"/>
-              <a:t>2024-03-28</a:t>
+              <a:t>2024-05-08</a:t>
             </a:fld>
             <a:endParaRPr lang="ko-KR" altLang="en-US"/>
           </a:p>
@@ -3235,7 +2903,7 @@
           <a:p>
             <a:fld id="{9C20F624-6A04-429E-A666-C96C4A4F4840}" type="datetimeFigureOut">
               <a:rPr lang="ko-KR" altLang="en-US" smtClean="0"/>
-              <a:t>2024-03-28</a:t>
+              <a:t>2024-05-08</a:t>
             </a:fld>
             <a:endParaRPr lang="ko-KR" altLang="en-US"/>
           </a:p>
@@ -3647,7 +3315,7 @@
           <a:p>
             <a:fld id="{9C20F624-6A04-429E-A666-C96C4A4F4840}" type="datetimeFigureOut">
               <a:rPr lang="ko-KR" altLang="en-US" smtClean="0"/>
-              <a:t>2024-03-28</a:t>
+              <a:t>2024-05-08</a:t>
             </a:fld>
             <a:endParaRPr lang="ko-KR" altLang="en-US"/>
           </a:p>
@@ -3788,7 +3456,7 @@
           <a:p>
             <a:fld id="{9C20F624-6A04-429E-A666-C96C4A4F4840}" type="datetimeFigureOut">
               <a:rPr lang="ko-KR" altLang="en-US" smtClean="0"/>
-              <a:t>2024-03-28</a:t>
+              <a:t>2024-05-08</a:t>
             </a:fld>
             <a:endParaRPr lang="ko-KR" altLang="en-US"/>
           </a:p>
@@ -3901,7 +3569,7 @@
           <a:p>
             <a:fld id="{9C20F624-6A04-429E-A666-C96C4A4F4840}" type="datetimeFigureOut">
               <a:rPr lang="ko-KR" altLang="en-US" smtClean="0"/>
-              <a:t>2024-03-28</a:t>
+              <a:t>2024-05-08</a:t>
             </a:fld>
             <a:endParaRPr lang="ko-KR" altLang="en-US"/>
           </a:p>
@@ -4212,7 +3880,7 @@
           <a:p>
             <a:fld id="{9C20F624-6A04-429E-A666-C96C4A4F4840}" type="datetimeFigureOut">
               <a:rPr lang="ko-KR" altLang="en-US" smtClean="0"/>
-              <a:t>2024-03-28</a:t>
+              <a:t>2024-05-08</a:t>
             </a:fld>
             <a:endParaRPr lang="ko-KR" altLang="en-US"/>
           </a:p>
@@ -4500,7 +4168,7 @@
           <a:p>
             <a:fld id="{9C20F624-6A04-429E-A666-C96C4A4F4840}" type="datetimeFigureOut">
               <a:rPr lang="ko-KR" altLang="en-US" smtClean="0"/>
-              <a:t>2024-03-28</a:t>
+              <a:t>2024-05-08</a:t>
             </a:fld>
             <a:endParaRPr lang="ko-KR" altLang="en-US"/>
           </a:p>
@@ -4741,7 +4409,7 @@
           <a:p>
             <a:fld id="{9C20F624-6A04-429E-A666-C96C4A4F4840}" type="datetimeFigureOut">
               <a:rPr lang="ko-KR" altLang="en-US" smtClean="0"/>
-              <a:t>2024-03-28</a:t>
+              <a:t>2024-05-08</a:t>
             </a:fld>
             <a:endParaRPr lang="ko-KR" altLang="en-US"/>
           </a:p>
@@ -5196,14 +4864,14 @@
                 <a:latin typeface="나눔스퀘어 ExtraBold" panose="020B0600000101010101" pitchFamily="50" charset="-127"/>
                 <a:ea typeface="나눔스퀘어 ExtraBold" panose="020B0600000101010101" pitchFamily="50" charset="-127"/>
               </a:rPr>
-              <a:t>Pybullet</a:t>
+              <a:t>PyBullet</a:t>
             </a:r>
             <a:r>
               <a:rPr lang="en-US" altLang="ko-KR" sz="4800" dirty="0">
                 <a:latin typeface="나눔스퀘어 ExtraBold" panose="020B0600000101010101" pitchFamily="50" charset="-127"/>
                 <a:ea typeface="나눔스퀘어 ExtraBold" panose="020B0600000101010101" pitchFamily="50" charset="-127"/>
               </a:rPr>
-              <a:t> Simulator Manual</a:t>
+              <a:t> Framework Guide</a:t>
             </a:r>
             <a:endParaRPr lang="ko-KR" altLang="en-US" sz="4800" dirty="0">
               <a:latin typeface="나눔스퀘어 ExtraBold" panose="020B0600000101010101" pitchFamily="50" charset="-127"/>
@@ -5303,10 +4971,21 @@
                 <a:spcPct val="100000"/>
               </a:lnSpc>
             </a:pPr>
-            <a:endParaRPr lang="en-US" altLang="ko-KR" sz="1600" dirty="0">
-              <a:latin typeface="나눔스퀘어" panose="020B0600000101010101" pitchFamily="50" charset="-127"/>
-              <a:ea typeface="나눔스퀘어" panose="020B0600000101010101" pitchFamily="50" charset="-127"/>
-            </a:endParaRPr>
+            <a:r>
+              <a:rPr lang="en-US" altLang="ko-KR" sz="1600" dirty="0">
+                <a:latin typeface="나눔스퀘어" panose="020B0600000101010101" pitchFamily="50" charset="-127"/>
+                <a:ea typeface="나눔스퀘어" panose="020B0600000101010101" pitchFamily="50" charset="-127"/>
+                <a:hlinkClick r:id="rId4"/>
+              </a:rPr>
+              <a:t>hsjung02@postech.ac.kr</a:t>
+            </a:r>
+            <a:r>
+              <a:rPr lang="en-US" altLang="ko-KR" sz="1600" dirty="0">
+                <a:latin typeface="나눔스퀘어" panose="020B0600000101010101" pitchFamily="50" charset="-127"/>
+                <a:ea typeface="나눔스퀘어" panose="020B0600000101010101" pitchFamily="50" charset="-127"/>
+              </a:rPr>
+              <a:t> </a:t>
+            </a:r>
           </a:p>
         </p:txBody>
       </p:sp>
@@ -5432,7 +5111,7 @@
                 <a:latin typeface="나눔스퀘어 ExtraBold" panose="020B0600000101010101" pitchFamily="50" charset="-127"/>
                 <a:ea typeface="나눔스퀘어 ExtraBold" panose="020B0600000101010101" pitchFamily="50" charset="-127"/>
               </a:rPr>
-              <a:t>2. Code Implementation</a:t>
+              <a:t>3. Source Code Manual</a:t>
             </a:r>
           </a:p>
         </p:txBody>
@@ -5473,28 +5152,58 @@
                 <a:latin typeface="나눔스퀘어 ExtraBold" panose="020B0600000101010101" pitchFamily="50" charset="-127"/>
                 <a:ea typeface="나눔스퀘어 ExtraBold" panose="020B0600000101010101" pitchFamily="50" charset="-127"/>
               </a:rPr>
-              <a:t>1) </a:t>
-            </a:r>
-            <a:r>
-              <a:rPr lang="en-US" altLang="ko-KR" dirty="0" err="1">
-                <a:solidFill>
-                  <a:prstClr val="black"/>
-                </a:solidFill>
-                <a:latin typeface="나눔스퀘어 ExtraBold" panose="020B0600000101010101" pitchFamily="50" charset="-127"/>
-                <a:ea typeface="나눔스퀘어 ExtraBold" panose="020B0600000101010101" pitchFamily="50" charset="-127"/>
+              <a:t>Build docs (.html) file via sphinx</a:t>
+            </a:r>
+          </a:p>
+        </p:txBody>
+      </p:sp>
+      <p:sp>
+        <p:nvSpPr>
+          <p:cNvPr id="9" name="직사각형 8">
+            <a:extLst>
+              <a:ext uri="{FF2B5EF4-FFF2-40B4-BE49-F238E27FC236}">
+                <a16:creationId xmlns:a16="http://schemas.microsoft.com/office/drawing/2014/main" id="{4E05F183-D635-412A-B602-EAC388CBD16C}"/>
+              </a:ext>
+            </a:extLst>
+          </p:cNvPr>
+          <p:cNvSpPr/>
+          <p:nvPr/>
+        </p:nvSpPr>
+        <p:spPr>
+          <a:xfrm>
+            <a:off x="383828" y="1596446"/>
+            <a:ext cx="10782187" cy="384401"/>
+          </a:xfrm>
+          <a:prstGeom prst="rect">
+            <a:avLst/>
+          </a:prstGeom>
+          <a:ln w="38100">
+            <a:noFill/>
+            <a:prstDash val="sysDash"/>
+          </a:ln>
+        </p:spPr>
+        <p:txBody>
+          <a:bodyPr wrap="square">
+            <a:spAutoFit/>
+          </a:bodyPr>
+          <a:lstStyle/>
+          <a:p>
+            <a:pPr>
+              <a:lnSpc>
+                <a:spcPct val="150000"/>
+              </a:lnSpc>
+            </a:pPr>
+            <a:r>
+              <a:rPr lang="en-US" altLang="ko-KR" sz="1400" dirty="0">
+                <a:latin typeface="나눔스퀘어" panose="020B0600000101010101" pitchFamily="50" charset="-127"/>
+                <a:ea typeface="나눔스퀘어" panose="020B0600000101010101" pitchFamily="50" charset="-127"/>
               </a:rPr>
-              <a:t>Jupyter</a:t>
-            </a:r>
-            <a:r>
-              <a:rPr lang="en-US" altLang="ko-KR" dirty="0">
-                <a:solidFill>
-                  <a:prstClr val="black"/>
-                </a:solidFill>
-                <a:latin typeface="나눔스퀘어 ExtraBold" panose="020B0600000101010101" pitchFamily="50" charset="-127"/>
-                <a:ea typeface="나눔스퀘어 ExtraBold" panose="020B0600000101010101" pitchFamily="50" charset="-127"/>
-              </a:rPr>
-              <a:t> notebook</a:t>
-            </a:r>
+              <a:t>② Then, you can open the source code manual in “docs/build/html/index.html”</a:t>
+            </a:r>
+            <a:endParaRPr lang="en-US" altLang="ko-KR" sz="1400" i="1" dirty="0">
+              <a:latin typeface="나눔스퀘어" panose="020B0600000101010101" pitchFamily="50" charset="-127"/>
+              <a:ea typeface="나눔스퀘어" panose="020B0600000101010101" pitchFamily="50" charset="-127"/>
+            </a:endParaRPr>
           </a:p>
         </p:txBody>
       </p:sp>
@@ -5503,7 +5212,7 @@
           <p:cNvPr id="3" name="그림 2">
             <a:extLst>
               <a:ext uri="{FF2B5EF4-FFF2-40B4-BE49-F238E27FC236}">
-                <a16:creationId xmlns:a16="http://schemas.microsoft.com/office/drawing/2014/main" id="{F9E02892-F690-4830-ACA7-DA9731240D86}"/>
+                <a16:creationId xmlns:a16="http://schemas.microsoft.com/office/drawing/2014/main" id="{8AFE1F48-E1B5-4CB4-BCCF-EEA4CFBFBDDA}"/>
               </a:ext>
             </a:extLst>
           </p:cNvPr>
@@ -5520,1670 +5229,8 @@
         </p:blipFill>
         <p:spPr>
           <a:xfrm>
-            <a:off x="199202" y="1701131"/>
-            <a:ext cx="11793596" cy="4791744"/>
-          </a:xfrm>
-          <a:prstGeom prst="rect">
-            <a:avLst/>
-          </a:prstGeom>
-        </p:spPr>
-      </p:pic>
-      <p:sp>
-        <p:nvSpPr>
-          <p:cNvPr id="12" name="직사각형 11">
-            <a:extLst>
-              <a:ext uri="{FF2B5EF4-FFF2-40B4-BE49-F238E27FC236}">
-                <a16:creationId xmlns:a16="http://schemas.microsoft.com/office/drawing/2014/main" id="{6309D893-CA48-4CDA-80F6-E2CFFEA0B452}"/>
-              </a:ext>
-            </a:extLst>
-          </p:cNvPr>
-          <p:cNvSpPr/>
-          <p:nvPr/>
-        </p:nvSpPr>
-        <p:spPr>
-          <a:xfrm>
-            <a:off x="7140401" y="2076718"/>
-            <a:ext cx="1549747" cy="384401"/>
-          </a:xfrm>
-          <a:prstGeom prst="rect">
-            <a:avLst/>
-          </a:prstGeom>
-          <a:ln w="38100">
-            <a:noFill/>
-            <a:prstDash val="sysDash"/>
-          </a:ln>
-        </p:spPr>
-        <p:txBody>
-          <a:bodyPr wrap="square">
-            <a:spAutoFit/>
-          </a:bodyPr>
-          <a:lstStyle/>
-          <a:p>
-            <a:pPr>
-              <a:lnSpc>
-                <a:spcPct val="150000"/>
-              </a:lnSpc>
-            </a:pPr>
-            <a:r>
-              <a:rPr lang="en-US" altLang="ko-KR" sz="1400" dirty="0">
-                <a:solidFill>
-                  <a:srgbClr val="FF0000"/>
-                </a:solidFill>
-                <a:latin typeface="나눔스퀘어 Bold" panose="020B0600000101010101" pitchFamily="50" charset="-127"/>
-                <a:ea typeface="나눔스퀘어 Bold" panose="020B0600000101010101" pitchFamily="50" charset="-127"/>
-              </a:rPr>
-              <a:t>Import libraries</a:t>
-            </a:r>
-          </a:p>
-        </p:txBody>
-      </p:sp>
-      <p:sp>
-        <p:nvSpPr>
-          <p:cNvPr id="13" name="직사각형 12">
-            <a:extLst>
-              <a:ext uri="{FF2B5EF4-FFF2-40B4-BE49-F238E27FC236}">
-                <a16:creationId xmlns:a16="http://schemas.microsoft.com/office/drawing/2014/main" id="{F4A9667F-1776-47A8-890F-DAADF398DFC3}"/>
-              </a:ext>
-            </a:extLst>
-          </p:cNvPr>
-          <p:cNvSpPr/>
-          <p:nvPr/>
-        </p:nvSpPr>
-        <p:spPr>
-          <a:xfrm>
-            <a:off x="7140401" y="3610243"/>
-            <a:ext cx="4616798" cy="384401"/>
-          </a:xfrm>
-          <a:prstGeom prst="rect">
-            <a:avLst/>
-          </a:prstGeom>
-          <a:ln w="38100">
-            <a:noFill/>
-            <a:prstDash val="sysDash"/>
-          </a:ln>
-        </p:spPr>
-        <p:txBody>
-          <a:bodyPr wrap="square">
-            <a:spAutoFit/>
-          </a:bodyPr>
-          <a:lstStyle/>
-          <a:p>
-            <a:pPr>
-              <a:lnSpc>
-                <a:spcPct val="150000"/>
-              </a:lnSpc>
-            </a:pPr>
-            <a:r>
-              <a:rPr lang="en-US" altLang="ko-KR" sz="1400" dirty="0">
-                <a:solidFill>
-                  <a:srgbClr val="FF0000"/>
-                </a:solidFill>
-                <a:latin typeface="나눔스퀘어 Bold" panose="020B0600000101010101" pitchFamily="50" charset="-127"/>
-                <a:ea typeface="나눔스퀘어 Bold" panose="020B0600000101010101" pitchFamily="50" charset="-127"/>
-              </a:rPr>
-              <a:t>Create </a:t>
-            </a:r>
-            <a:r>
-              <a:rPr lang="en-US" altLang="ko-KR" sz="1400" dirty="0" err="1">
-                <a:solidFill>
-                  <a:srgbClr val="FF0000"/>
-                </a:solidFill>
-                <a:latin typeface="나눔스퀘어 Bold" panose="020B0600000101010101" pitchFamily="50" charset="-127"/>
-                <a:ea typeface="나눔스퀘어 Bold" panose="020B0600000101010101" pitchFamily="50" charset="-127"/>
-              </a:rPr>
-              <a:t>pybullet</a:t>
-            </a:r>
-            <a:r>
-              <a:rPr lang="en-US" altLang="ko-KR" sz="1400" dirty="0">
-                <a:solidFill>
-                  <a:srgbClr val="FF0000"/>
-                </a:solidFill>
-                <a:latin typeface="나눔스퀘어 Bold" panose="020B0600000101010101" pitchFamily="50" charset="-127"/>
-                <a:ea typeface="나눔스퀘어 Bold" panose="020B0600000101010101" pitchFamily="50" charset="-127"/>
-              </a:rPr>
-              <a:t> instance and start simulation</a:t>
-            </a:r>
-          </a:p>
-        </p:txBody>
-      </p:sp>
-      <p:sp>
-        <p:nvSpPr>
-          <p:cNvPr id="14" name="직사각형 13">
-            <a:extLst>
-              <a:ext uri="{FF2B5EF4-FFF2-40B4-BE49-F238E27FC236}">
-                <a16:creationId xmlns:a16="http://schemas.microsoft.com/office/drawing/2014/main" id="{B039991E-1742-41BD-B88C-A9A6F5A00F7B}"/>
-              </a:ext>
-            </a:extLst>
-          </p:cNvPr>
-          <p:cNvSpPr/>
-          <p:nvPr/>
-        </p:nvSpPr>
-        <p:spPr>
-          <a:xfrm>
-            <a:off x="7140401" y="4859358"/>
-            <a:ext cx="4616798" cy="384401"/>
-          </a:xfrm>
-          <a:prstGeom prst="rect">
-            <a:avLst/>
-          </a:prstGeom>
-          <a:ln w="38100">
-            <a:noFill/>
-            <a:prstDash val="sysDash"/>
-          </a:ln>
-        </p:spPr>
-        <p:txBody>
-          <a:bodyPr wrap="square">
-            <a:spAutoFit/>
-          </a:bodyPr>
-          <a:lstStyle/>
-          <a:p>
-            <a:pPr>
-              <a:lnSpc>
-                <a:spcPct val="150000"/>
-              </a:lnSpc>
-            </a:pPr>
-            <a:r>
-              <a:rPr lang="en-US" altLang="ko-KR" sz="1400" dirty="0">
-                <a:solidFill>
-                  <a:srgbClr val="FF0000"/>
-                </a:solidFill>
-                <a:latin typeface="나눔스퀘어 Bold" panose="020B0600000101010101" pitchFamily="50" charset="-127"/>
-                <a:ea typeface="나눔스퀘어 Bold" panose="020B0600000101010101" pitchFamily="50" charset="-127"/>
-              </a:rPr>
-              <a:t>Move robot with random joint states</a:t>
-            </a:r>
-          </a:p>
-        </p:txBody>
-      </p:sp>
-      <p:sp>
-        <p:nvSpPr>
-          <p:cNvPr id="15" name="직사각형 14">
-            <a:extLst>
-              <a:ext uri="{FF2B5EF4-FFF2-40B4-BE49-F238E27FC236}">
-                <a16:creationId xmlns:a16="http://schemas.microsoft.com/office/drawing/2014/main" id="{104B8FF1-39B8-4B23-9F9A-24BA0EB3DBB0}"/>
-              </a:ext>
-            </a:extLst>
-          </p:cNvPr>
-          <p:cNvSpPr/>
-          <p:nvPr/>
-        </p:nvSpPr>
-        <p:spPr>
-          <a:xfrm>
-            <a:off x="7140401" y="5964858"/>
-            <a:ext cx="4616798" cy="384401"/>
-          </a:xfrm>
-          <a:prstGeom prst="rect">
-            <a:avLst/>
-          </a:prstGeom>
-          <a:ln w="38100">
-            <a:noFill/>
-            <a:prstDash val="sysDash"/>
-          </a:ln>
-        </p:spPr>
-        <p:txBody>
-          <a:bodyPr wrap="square">
-            <a:spAutoFit/>
-          </a:bodyPr>
-          <a:lstStyle/>
-          <a:p>
-            <a:pPr>
-              <a:lnSpc>
-                <a:spcPct val="150000"/>
-              </a:lnSpc>
-            </a:pPr>
-            <a:r>
-              <a:rPr lang="en-US" altLang="ko-KR" sz="1400" dirty="0">
-                <a:solidFill>
-                  <a:srgbClr val="FF0000"/>
-                </a:solidFill>
-                <a:latin typeface="나눔스퀘어 Bold" panose="020B0600000101010101" pitchFamily="50" charset="-127"/>
-                <a:ea typeface="나눔스퀘어 Bold" panose="020B0600000101010101" pitchFamily="50" charset="-127"/>
-              </a:rPr>
-              <a:t>Close </a:t>
-            </a:r>
-            <a:r>
-              <a:rPr lang="en-US" altLang="ko-KR" sz="1400" dirty="0" err="1">
-                <a:solidFill>
-                  <a:srgbClr val="FF0000"/>
-                </a:solidFill>
-                <a:latin typeface="나눔스퀘어 Bold" panose="020B0600000101010101" pitchFamily="50" charset="-127"/>
-                <a:ea typeface="나눔스퀘어 Bold" panose="020B0600000101010101" pitchFamily="50" charset="-127"/>
-              </a:rPr>
-              <a:t>pybullet</a:t>
-            </a:r>
-            <a:endParaRPr lang="en-US" altLang="ko-KR" sz="1400" dirty="0">
-              <a:solidFill>
-                <a:srgbClr val="FF0000"/>
-              </a:solidFill>
-              <a:latin typeface="나눔스퀘어 Bold" panose="020B0600000101010101" pitchFamily="50" charset="-127"/>
-              <a:ea typeface="나눔스퀘어 Bold" panose="020B0600000101010101" pitchFamily="50" charset="-127"/>
-            </a:endParaRPr>
-          </a:p>
-        </p:txBody>
-      </p:sp>
-    </p:spTree>
-    <p:extLst>
-      <p:ext uri="{BB962C8B-B14F-4D97-AF65-F5344CB8AC3E}">
-        <p14:creationId xmlns:p14="http://schemas.microsoft.com/office/powerpoint/2010/main" val="210183704"/>
-      </p:ext>
-    </p:extLst>
-  </p:cSld>
-  <p:clrMapOvr>
-    <a:masterClrMapping/>
-  </p:clrMapOvr>
-</p:sld>
-</file>
-
-<file path=ppt/slides/slide11.xml><?xml version="1.0" encoding="utf-8"?>
-<p:sld xmlns:a="http://schemas.openxmlformats.org/drawingml/2006/main" xmlns:r="http://schemas.openxmlformats.org/officeDocument/2006/relationships" xmlns:p="http://schemas.openxmlformats.org/presentationml/2006/main">
-  <p:cSld>
-    <p:spTree>
-      <p:nvGrpSpPr>
-        <p:cNvPr id="1" name=""/>
-        <p:cNvGrpSpPr/>
-        <p:nvPr/>
-      </p:nvGrpSpPr>
-      <p:grpSpPr>
-        <a:xfrm>
-          <a:off x="0" y="0"/>
-          <a:ext cx="0" cy="0"/>
-          <a:chOff x="0" y="0"/>
-          <a:chExt cx="0" cy="0"/>
-        </a:xfrm>
-      </p:grpSpPr>
-      <p:sp>
-        <p:nvSpPr>
-          <p:cNvPr id="4" name="슬라이드 번호 개체 틀 1">
-            <a:extLst>
-              <a:ext uri="{FF2B5EF4-FFF2-40B4-BE49-F238E27FC236}">
-                <a16:creationId xmlns:a16="http://schemas.microsoft.com/office/drawing/2014/main" id="{308BD0A2-55C4-4B35-BD52-0CFE1A5CE106}"/>
-              </a:ext>
-            </a:extLst>
-          </p:cNvPr>
-          <p:cNvSpPr>
-            <a:spLocks noGrp="1"/>
-          </p:cNvSpPr>
-          <p:nvPr>
-            <p:ph type="sldNum" sz="quarter" idx="12"/>
-          </p:nvPr>
-        </p:nvSpPr>
-        <p:spPr>
-          <a:xfrm>
-            <a:off x="9448800" y="6492875"/>
-            <a:ext cx="2743200" cy="365125"/>
-          </a:xfrm>
-        </p:spPr>
-        <p:txBody>
-          <a:bodyPr/>
-          <a:lstStyle/>
-          <a:p>
-            <a:fld id="{9946D8A4-261D-4F24-BBEA-490A8FB4DFB9}" type="slidenum">
-              <a:rPr lang="ko-KR" altLang="en-US" smtClean="0"/>
-              <a:t>11</a:t>
-            </a:fld>
-            <a:endParaRPr lang="ko-KR" altLang="en-US" dirty="0"/>
-          </a:p>
-        </p:txBody>
-      </p:sp>
-      <p:sp>
-        <p:nvSpPr>
-          <p:cNvPr id="5" name="제목 4">
-            <a:extLst>
-              <a:ext uri="{FF2B5EF4-FFF2-40B4-BE49-F238E27FC236}">
-                <a16:creationId xmlns:a16="http://schemas.microsoft.com/office/drawing/2014/main" id="{F68C0275-0DEB-4547-9809-C3379B27B83F}"/>
-              </a:ext>
-            </a:extLst>
-          </p:cNvPr>
-          <p:cNvSpPr txBox="1">
-            <a:spLocks/>
-          </p:cNvSpPr>
-          <p:nvPr/>
-        </p:nvSpPr>
-        <p:spPr>
-          <a:xfrm>
-            <a:off x="383828" y="347238"/>
-            <a:ext cx="11560522" cy="830392"/>
-          </a:xfrm>
-          <a:prstGeom prst="rect">
-            <a:avLst/>
-          </a:prstGeom>
-        </p:spPr>
-        <p:txBody>
-          <a:bodyPr>
-            <a:noAutofit/>
-          </a:bodyPr>
-          <a:lstStyle>
-            <a:lvl1pPr algn="l" defTabSz="914400" rtl="0" eaLnBrk="1" latinLnBrk="1" hangingPunct="1">
-              <a:lnSpc>
-                <a:spcPct val="90000"/>
-              </a:lnSpc>
-              <a:spcBef>
-                <a:spcPct val="0"/>
-              </a:spcBef>
-              <a:buNone/>
-              <a:defRPr sz="4400" kern="1200">
-                <a:solidFill>
-                  <a:schemeClr val="tx1"/>
-                </a:solidFill>
-                <a:latin typeface="+mj-lt"/>
-                <a:ea typeface="+mj-ea"/>
-                <a:cs typeface="+mj-cs"/>
-              </a:defRPr>
-            </a:lvl1pPr>
-          </a:lstStyle>
-          <a:p>
-            <a:pPr lvl="0">
-              <a:defRPr/>
-            </a:pPr>
-            <a:r>
-              <a:rPr lang="en-US" altLang="ko-KR" dirty="0">
-                <a:solidFill>
-                  <a:prstClr val="black"/>
-                </a:solidFill>
-                <a:latin typeface="나눔스퀘어 ExtraBold" panose="020B0600000101010101" pitchFamily="50" charset="-127"/>
-                <a:ea typeface="나눔스퀘어 ExtraBold" panose="020B0600000101010101" pitchFamily="50" charset="-127"/>
-              </a:rPr>
-              <a:t>2. Code Implementation</a:t>
-            </a:r>
-          </a:p>
-        </p:txBody>
-      </p:sp>
-      <p:sp>
-        <p:nvSpPr>
-          <p:cNvPr id="7" name="TextBox 6">
-            <a:extLst>
-              <a:ext uri="{FF2B5EF4-FFF2-40B4-BE49-F238E27FC236}">
-                <a16:creationId xmlns:a16="http://schemas.microsoft.com/office/drawing/2014/main" id="{98965B6C-4EAD-4AC7-A3C1-FA39152BDFDC}"/>
-              </a:ext>
-            </a:extLst>
-          </p:cNvPr>
-          <p:cNvSpPr txBox="1"/>
-          <p:nvPr/>
-        </p:nvSpPr>
-        <p:spPr>
-          <a:xfrm>
-            <a:off x="383828" y="1183885"/>
-            <a:ext cx="11022934" cy="369332"/>
-          </a:xfrm>
-          <a:prstGeom prst="rect">
-            <a:avLst/>
-          </a:prstGeom>
-          <a:noFill/>
-        </p:spPr>
-        <p:txBody>
-          <a:bodyPr wrap="square">
-            <a:spAutoFit/>
-          </a:bodyPr>
-          <a:lstStyle/>
-          <a:p>
-            <a:r>
-              <a:rPr lang="en-US" altLang="ko-KR" dirty="0">
-                <a:solidFill>
-                  <a:prstClr val="black"/>
-                </a:solidFill>
-                <a:latin typeface="나눔스퀘어 ExtraBold" panose="020B0600000101010101" pitchFamily="50" charset="-127"/>
-                <a:ea typeface="나눔스퀘어 ExtraBold" panose="020B0600000101010101" pitchFamily="50" charset="-127"/>
-              </a:rPr>
-              <a:t>2) </a:t>
-            </a:r>
-            <a:r>
-              <a:rPr lang="en-US" altLang="ko-KR" dirty="0" err="1">
-                <a:solidFill>
-                  <a:prstClr val="black"/>
-                </a:solidFill>
-                <a:latin typeface="나눔스퀘어 ExtraBold" panose="020B0600000101010101" pitchFamily="50" charset="-127"/>
-                <a:ea typeface="나눔스퀘어 ExtraBold" panose="020B0600000101010101" pitchFamily="50" charset="-127"/>
-              </a:rPr>
-              <a:t>Pycharm</a:t>
-            </a:r>
-            <a:endParaRPr lang="en-US" altLang="ko-KR" dirty="0">
-              <a:solidFill>
-                <a:prstClr val="black"/>
-              </a:solidFill>
-              <a:latin typeface="나눔스퀘어 ExtraBold" panose="020B0600000101010101" pitchFamily="50" charset="-127"/>
-              <a:ea typeface="나눔스퀘어 ExtraBold" panose="020B0600000101010101" pitchFamily="50" charset="-127"/>
-            </a:endParaRPr>
-          </a:p>
-        </p:txBody>
-      </p:sp>
-      <p:sp>
-        <p:nvSpPr>
-          <p:cNvPr id="10" name="직사각형 9">
-            <a:extLst>
-              <a:ext uri="{FF2B5EF4-FFF2-40B4-BE49-F238E27FC236}">
-                <a16:creationId xmlns:a16="http://schemas.microsoft.com/office/drawing/2014/main" id="{3930935F-7F62-418B-B971-2BBFB4F67052}"/>
-              </a:ext>
-            </a:extLst>
-          </p:cNvPr>
-          <p:cNvSpPr/>
-          <p:nvPr/>
-        </p:nvSpPr>
-        <p:spPr>
-          <a:xfrm>
-            <a:off x="383828" y="1596446"/>
-            <a:ext cx="10782187" cy="384401"/>
-          </a:xfrm>
-          <a:prstGeom prst="rect">
-            <a:avLst/>
-          </a:prstGeom>
-          <a:ln w="38100">
-            <a:noFill/>
-            <a:prstDash val="sysDash"/>
-          </a:ln>
-        </p:spPr>
-        <p:txBody>
-          <a:bodyPr wrap="square">
-            <a:spAutoFit/>
-          </a:bodyPr>
-          <a:lstStyle/>
-          <a:p>
-            <a:pPr>
-              <a:lnSpc>
-                <a:spcPct val="150000"/>
-              </a:lnSpc>
-            </a:pPr>
-            <a:r>
-              <a:rPr lang="en-US" altLang="ko-KR" sz="1400" dirty="0">
-                <a:latin typeface="나눔스퀘어" panose="020B0600000101010101" pitchFamily="50" charset="-127"/>
-                <a:ea typeface="나눔스퀘어" panose="020B0600000101010101" pitchFamily="50" charset="-127"/>
-              </a:rPr>
-              <a:t>Some base codes are defined in PybulletCore.py.</a:t>
-            </a:r>
-          </a:p>
-        </p:txBody>
-      </p:sp>
-      <p:sp>
-        <p:nvSpPr>
-          <p:cNvPr id="6" name="Rectangle 2">
-            <a:extLst>
-              <a:ext uri="{FF2B5EF4-FFF2-40B4-BE49-F238E27FC236}">
-                <a16:creationId xmlns:a16="http://schemas.microsoft.com/office/drawing/2014/main" id="{AFABFB43-91E8-4CAF-A3C0-7F3EB504A926}"/>
-              </a:ext>
-            </a:extLst>
-          </p:cNvPr>
-          <p:cNvSpPr>
-            <a:spLocks noChangeArrowheads="1"/>
-          </p:cNvSpPr>
-          <p:nvPr/>
-        </p:nvSpPr>
-        <p:spPr bwMode="auto">
-          <a:xfrm>
-            <a:off x="383828" y="2436912"/>
-            <a:ext cx="7038975" cy="307777"/>
-          </a:xfrm>
-          <a:prstGeom prst="rect">
-            <a:avLst/>
-          </a:prstGeom>
-          <a:solidFill>
-            <a:srgbClr val="131314"/>
-          </a:solidFill>
-          <a:ln>
-            <a:noFill/>
-          </a:ln>
-          <a:effectLst/>
-          <a:extLst>
-            <a:ext uri="{91240B29-F687-4F45-9708-019B960494DF}">
-              <a14:hiddenLine xmlns:a14="http://schemas.microsoft.com/office/drawing/2010/main" w="9525">
-                <a:solidFill>
-                  <a:schemeClr val="tx1"/>
-                </a:solidFill>
-                <a:miter lim="800000"/>
-                <a:headEnd/>
-                <a:tailEnd/>
-              </a14:hiddenLine>
-            </a:ext>
-            <a:ext uri="{AF507438-7753-43E0-B8FC-AC1667EBCBE1}">
-              <a14:hiddenEffects xmlns:a14="http://schemas.microsoft.com/office/drawing/2010/main">
-                <a:effectLst>
-                  <a:outerShdw dist="35921" dir="2700000" algn="ctr" rotWithShape="0">
-                    <a:schemeClr val="bg2"/>
-                  </a:outerShdw>
-                </a:effectLst>
-              </a14:hiddenEffects>
-            </a:ext>
-          </a:extLst>
-        </p:spPr>
-        <p:txBody>
-          <a:bodyPr vert="horz" wrap="square" lIns="91440" tIns="45720" rIns="91440" bIns="45720" numCol="1" anchor="ctr" anchorCtr="0" compatLnSpc="1">
-            <a:prstTxWarp prst="textNoShape">
-              <a:avLst/>
-            </a:prstTxWarp>
-            <a:spAutoFit/>
-          </a:bodyPr>
-          <a:lstStyle/>
-          <a:p>
-            <a:pPr marL="0" marR="0" lvl="0" indent="0" algn="l" defTabSz="914400" rtl="0" eaLnBrk="0" fontAlgn="base" latinLnBrk="0" hangingPunct="0">
-              <a:lnSpc>
-                <a:spcPct val="100000"/>
-              </a:lnSpc>
-              <a:spcBef>
-                <a:spcPct val="0"/>
-              </a:spcBef>
-              <a:spcAft>
-                <a:spcPct val="0"/>
-              </a:spcAft>
-              <a:buClrTx/>
-              <a:buSzTx/>
-              <a:buFontTx/>
-              <a:buNone/>
-              <a:tabLst/>
-            </a:pPr>
-            <a:r>
-              <a:rPr kumimoji="0" lang="ko-KR" altLang="ko-KR" sz="1400" b="0" i="0" u="none" strike="noStrike" cap="none" normalizeH="0" baseline="0" dirty="0" err="1">
-                <a:ln>
-                  <a:noFill/>
-                </a:ln>
-                <a:solidFill>
-                  <a:srgbClr val="ED864A"/>
-                </a:solidFill>
-                <a:effectLst/>
-                <a:latin typeface="나눔스퀘어 ExtraBold" panose="020B0600000101010101" pitchFamily="50" charset="-127"/>
-                <a:ea typeface="나눔스퀘어 ExtraBold" panose="020B0600000101010101" pitchFamily="50" charset="-127"/>
-              </a:rPr>
-              <a:t>def</a:t>
-            </a:r>
-            <a:r>
-              <a:rPr kumimoji="0" lang="ko-KR" altLang="ko-KR" sz="1400" b="0" i="0" u="none" strike="noStrike" cap="none" normalizeH="0" baseline="0" dirty="0">
-                <a:ln>
-                  <a:noFill/>
-                </a:ln>
-                <a:solidFill>
-                  <a:srgbClr val="ED864A"/>
-                </a:solidFill>
-                <a:effectLst/>
-                <a:latin typeface="나눔스퀘어 ExtraBold" panose="020B0600000101010101" pitchFamily="50" charset="-127"/>
-                <a:ea typeface="나눔스퀘어 ExtraBold" panose="020B0600000101010101" pitchFamily="50" charset="-127"/>
-              </a:rPr>
-              <a:t> </a:t>
-            </a:r>
-            <a:r>
-              <a:rPr kumimoji="0" lang="ko-KR" altLang="ko-KR" sz="1400" b="0" i="0" u="none" strike="noStrike" cap="none" normalizeH="0" baseline="0" dirty="0" err="1">
-                <a:ln>
-                  <a:noFill/>
-                </a:ln>
-                <a:solidFill>
-                  <a:srgbClr val="FFCF40"/>
-                </a:solidFill>
-                <a:effectLst/>
-                <a:latin typeface="나눔스퀘어 ExtraBold" panose="020B0600000101010101" pitchFamily="50" charset="-127"/>
-                <a:ea typeface="나눔스퀘어 ExtraBold" panose="020B0600000101010101" pitchFamily="50" charset="-127"/>
-              </a:rPr>
-              <a:t>connect_pybullet</a:t>
-            </a:r>
-            <a:r>
-              <a:rPr kumimoji="0" lang="ko-KR" altLang="ko-KR" sz="1400" b="0" i="0" u="none" strike="noStrike" cap="none" normalizeH="0" baseline="0" dirty="0">
-                <a:ln>
-                  <a:noFill/>
-                </a:ln>
-                <a:solidFill>
-                  <a:srgbClr val="EBEBEB"/>
-                </a:solidFill>
-                <a:effectLst/>
-                <a:latin typeface="나눔스퀘어 ExtraBold" panose="020B0600000101010101" pitchFamily="50" charset="-127"/>
-                <a:ea typeface="나눔스퀘어 ExtraBold" panose="020B0600000101010101" pitchFamily="50" charset="-127"/>
-              </a:rPr>
-              <a:t>(</a:t>
-            </a:r>
-            <a:r>
-              <a:rPr kumimoji="0" lang="ko-KR" altLang="ko-KR" sz="1400" b="0" i="0" u="none" strike="noStrike" cap="none" normalizeH="0" baseline="0" dirty="0" err="1">
-                <a:ln>
-                  <a:noFill/>
-                </a:ln>
-                <a:solidFill>
-                  <a:srgbClr val="94558D"/>
-                </a:solidFill>
-                <a:effectLst/>
-                <a:latin typeface="나눔스퀘어 ExtraBold" panose="020B0600000101010101" pitchFamily="50" charset="-127"/>
-                <a:ea typeface="나눔스퀘어 ExtraBold" panose="020B0600000101010101" pitchFamily="50" charset="-127"/>
-              </a:rPr>
-              <a:t>self</a:t>
-            </a:r>
-            <a:r>
-              <a:rPr kumimoji="0" lang="ko-KR" altLang="ko-KR" sz="1400" b="1" i="0" u="none" strike="noStrike" cap="none" normalizeH="0" baseline="0" dirty="0">
-                <a:ln>
-                  <a:noFill/>
-                </a:ln>
-                <a:solidFill>
-                  <a:srgbClr val="ED864A"/>
-                </a:solidFill>
-                <a:effectLst/>
-                <a:latin typeface="나눔스퀘어 ExtraBold" panose="020B0600000101010101" pitchFamily="50" charset="-127"/>
-                <a:ea typeface="나눔스퀘어 ExtraBold" panose="020B0600000101010101" pitchFamily="50" charset="-127"/>
-              </a:rPr>
-              <a:t>, </a:t>
-            </a:r>
-            <a:r>
-              <a:rPr kumimoji="0" lang="ko-KR" altLang="ko-KR" sz="1400" b="0" i="0" u="none" strike="noStrike" cap="none" normalizeH="0" baseline="0" dirty="0" err="1">
-                <a:ln>
-                  <a:noFill/>
-                </a:ln>
-                <a:solidFill>
-                  <a:srgbClr val="FFFFFF"/>
-                </a:solidFill>
-                <a:effectLst/>
-                <a:latin typeface="나눔스퀘어 ExtraBold" panose="020B0600000101010101" pitchFamily="50" charset="-127"/>
-                <a:ea typeface="나눔스퀘어 ExtraBold" panose="020B0600000101010101" pitchFamily="50" charset="-127"/>
-              </a:rPr>
-              <a:t>robot_name</a:t>
-            </a:r>
-            <a:r>
-              <a:rPr kumimoji="0" lang="ko-KR" altLang="ko-KR" sz="1400" b="0" i="0" u="none" strike="noStrike" cap="none" normalizeH="0" baseline="0" dirty="0">
-                <a:ln>
-                  <a:noFill/>
-                </a:ln>
-                <a:solidFill>
-                  <a:srgbClr val="FFFFFF"/>
-                </a:solidFill>
-                <a:effectLst/>
-                <a:latin typeface="나눔스퀘어 ExtraBold" panose="020B0600000101010101" pitchFamily="50" charset="-127"/>
-                <a:ea typeface="나눔스퀘어 ExtraBold" panose="020B0600000101010101" pitchFamily="50" charset="-127"/>
-              </a:rPr>
-              <a:t> </a:t>
-            </a:r>
-            <a:r>
-              <a:rPr kumimoji="0" lang="ko-KR" altLang="ko-KR" sz="1400" b="0" i="0" u="none" strike="noStrike" cap="none" normalizeH="0" baseline="0" dirty="0">
-                <a:ln>
-                  <a:noFill/>
-                </a:ln>
-                <a:solidFill>
-                  <a:srgbClr val="EBEBEB"/>
-                </a:solidFill>
-                <a:effectLst/>
-                <a:latin typeface="나눔스퀘어 ExtraBold" panose="020B0600000101010101" pitchFamily="50" charset="-127"/>
-                <a:ea typeface="나눔스퀘어 ExtraBold" panose="020B0600000101010101" pitchFamily="50" charset="-127"/>
-              </a:rPr>
-              <a:t>= </a:t>
-            </a:r>
-            <a:r>
-              <a:rPr kumimoji="0" lang="ko-KR" altLang="ko-KR" sz="1400" b="0" i="0" u="none" strike="noStrike" cap="none" normalizeH="0" baseline="0" dirty="0">
-                <a:ln>
-                  <a:noFill/>
-                </a:ln>
-                <a:solidFill>
-                  <a:srgbClr val="54B33E"/>
-                </a:solidFill>
-                <a:effectLst/>
-                <a:latin typeface="나눔스퀘어 ExtraBold" panose="020B0600000101010101" pitchFamily="50" charset="-127"/>
-                <a:ea typeface="나눔스퀘어 ExtraBold" panose="020B0600000101010101" pitchFamily="50" charset="-127"/>
-              </a:rPr>
-              <a:t>'IndyRP2'</a:t>
-            </a:r>
-            <a:r>
-              <a:rPr kumimoji="0" lang="ko-KR" altLang="ko-KR" sz="1400" b="1" i="0" u="none" strike="noStrike" cap="none" normalizeH="0" baseline="0" dirty="0">
-                <a:ln>
-                  <a:noFill/>
-                </a:ln>
-                <a:solidFill>
-                  <a:srgbClr val="ED864A"/>
-                </a:solidFill>
-                <a:effectLst/>
-                <a:latin typeface="나눔스퀘어 ExtraBold" panose="020B0600000101010101" pitchFamily="50" charset="-127"/>
-                <a:ea typeface="나눔스퀘어 ExtraBold" panose="020B0600000101010101" pitchFamily="50" charset="-127"/>
-              </a:rPr>
-              <a:t>, </a:t>
-            </a:r>
-            <a:r>
-              <a:rPr kumimoji="0" lang="ko-KR" altLang="ko-KR" sz="1400" b="0" i="0" u="none" strike="noStrike" cap="none" normalizeH="0" baseline="0" dirty="0" err="1">
-                <a:ln>
-                  <a:noFill/>
-                </a:ln>
-                <a:solidFill>
-                  <a:srgbClr val="FFFFFF"/>
-                </a:solidFill>
-                <a:effectLst/>
-                <a:latin typeface="나눔스퀘어 ExtraBold" panose="020B0600000101010101" pitchFamily="50" charset="-127"/>
-                <a:ea typeface="나눔스퀘어 ExtraBold" panose="020B0600000101010101" pitchFamily="50" charset="-127"/>
-              </a:rPr>
-              <a:t>joint_limit</a:t>
-            </a:r>
-            <a:r>
-              <a:rPr kumimoji="0" lang="ko-KR" altLang="ko-KR" sz="1400" b="0" i="0" u="none" strike="noStrike" cap="none" normalizeH="0" baseline="0" dirty="0">
-                <a:ln>
-                  <a:noFill/>
-                </a:ln>
-                <a:solidFill>
-                  <a:srgbClr val="FFFFFF"/>
-                </a:solidFill>
-                <a:effectLst/>
-                <a:latin typeface="나눔스퀘어 ExtraBold" panose="020B0600000101010101" pitchFamily="50" charset="-127"/>
-                <a:ea typeface="나눔스퀘어 ExtraBold" panose="020B0600000101010101" pitchFamily="50" charset="-127"/>
-              </a:rPr>
-              <a:t> </a:t>
-            </a:r>
-            <a:r>
-              <a:rPr kumimoji="0" lang="ko-KR" altLang="ko-KR" sz="1400" b="0" i="0" u="none" strike="noStrike" cap="none" normalizeH="0" baseline="0" dirty="0">
-                <a:ln>
-                  <a:noFill/>
-                </a:ln>
-                <a:solidFill>
-                  <a:srgbClr val="EBEBEB"/>
-                </a:solidFill>
-                <a:effectLst/>
-                <a:latin typeface="나눔스퀘어 ExtraBold" panose="020B0600000101010101" pitchFamily="50" charset="-127"/>
-                <a:ea typeface="나눔스퀘어 ExtraBold" panose="020B0600000101010101" pitchFamily="50" charset="-127"/>
-              </a:rPr>
-              <a:t>= </a:t>
-            </a:r>
-            <a:r>
-              <a:rPr kumimoji="0" lang="ko-KR" altLang="ko-KR" sz="1400" b="0" i="0" u="none" strike="noStrike" cap="none" normalizeH="0" baseline="0" dirty="0" err="1">
-                <a:ln>
-                  <a:noFill/>
-                </a:ln>
-                <a:solidFill>
-                  <a:srgbClr val="ED864A"/>
-                </a:solidFill>
-                <a:effectLst/>
-                <a:latin typeface="나눔스퀘어 ExtraBold" panose="020B0600000101010101" pitchFamily="50" charset="-127"/>
-                <a:ea typeface="나눔스퀘어 ExtraBold" panose="020B0600000101010101" pitchFamily="50" charset="-127"/>
-              </a:rPr>
-              <a:t>True</a:t>
-            </a:r>
-            <a:r>
-              <a:rPr kumimoji="0" lang="ko-KR" altLang="ko-KR" sz="1400" b="0" i="0" u="none" strike="noStrike" cap="none" normalizeH="0" baseline="0" dirty="0">
-                <a:ln>
-                  <a:noFill/>
-                </a:ln>
-                <a:solidFill>
-                  <a:srgbClr val="EBEBEB"/>
-                </a:solidFill>
-                <a:effectLst/>
-                <a:latin typeface="나눔스퀘어 ExtraBold" panose="020B0600000101010101" pitchFamily="50" charset="-127"/>
-                <a:ea typeface="나눔스퀘어 ExtraBold" panose="020B0600000101010101" pitchFamily="50" charset="-127"/>
-              </a:rPr>
-              <a:t>)</a:t>
-            </a:r>
-            <a:endParaRPr kumimoji="0" lang="ko-KR" altLang="ko-KR" sz="3600" b="0" i="0" u="none" strike="noStrike" cap="none" normalizeH="0" baseline="0" dirty="0">
-              <a:ln>
-                <a:noFill/>
-              </a:ln>
-              <a:solidFill>
-                <a:schemeClr val="tx1"/>
-              </a:solidFill>
-              <a:effectLst/>
-              <a:latin typeface="나눔스퀘어 ExtraBold" panose="020B0600000101010101" pitchFamily="50" charset="-127"/>
-              <a:ea typeface="나눔스퀘어 ExtraBold" panose="020B0600000101010101" pitchFamily="50" charset="-127"/>
-            </a:endParaRPr>
-          </a:p>
-        </p:txBody>
-      </p:sp>
-      <p:sp>
-        <p:nvSpPr>
-          <p:cNvPr id="19" name="Rectangle 8">
-            <a:extLst>
-              <a:ext uri="{FF2B5EF4-FFF2-40B4-BE49-F238E27FC236}">
-                <a16:creationId xmlns:a16="http://schemas.microsoft.com/office/drawing/2014/main" id="{53FEDB47-F08B-4058-B740-78695DECF26D}"/>
-              </a:ext>
-            </a:extLst>
-          </p:cNvPr>
-          <p:cNvSpPr>
-            <a:spLocks noChangeArrowheads="1"/>
-          </p:cNvSpPr>
-          <p:nvPr/>
-        </p:nvSpPr>
-        <p:spPr bwMode="auto">
-          <a:xfrm>
-            <a:off x="383828" y="3491005"/>
-            <a:ext cx="7038975" cy="307777"/>
-          </a:xfrm>
-          <a:prstGeom prst="rect">
-            <a:avLst/>
-          </a:prstGeom>
-          <a:solidFill>
-            <a:srgbClr val="131314"/>
-          </a:solidFill>
-          <a:ln>
-            <a:noFill/>
-          </a:ln>
-          <a:effectLst/>
-          <a:extLst>
-            <a:ext uri="{91240B29-F687-4F45-9708-019B960494DF}">
-              <a14:hiddenLine xmlns:a14="http://schemas.microsoft.com/office/drawing/2010/main" w="9525">
-                <a:solidFill>
-                  <a:schemeClr val="tx1"/>
-                </a:solidFill>
-                <a:miter lim="800000"/>
-                <a:headEnd/>
-                <a:tailEnd/>
-              </a14:hiddenLine>
-            </a:ext>
-            <a:ext uri="{AF507438-7753-43E0-B8FC-AC1667EBCBE1}">
-              <a14:hiddenEffects xmlns:a14="http://schemas.microsoft.com/office/drawing/2010/main">
-                <a:effectLst>
-                  <a:outerShdw dist="35921" dir="2700000" algn="ctr" rotWithShape="0">
-                    <a:schemeClr val="bg2"/>
-                  </a:outerShdw>
-                </a:effectLst>
-              </a14:hiddenEffects>
-            </a:ext>
-          </a:extLst>
-        </p:spPr>
-        <p:txBody>
-          <a:bodyPr vert="horz" wrap="square" lIns="91440" tIns="45720" rIns="91440" bIns="45720" numCol="1" anchor="ctr" anchorCtr="0" compatLnSpc="1">
-            <a:prstTxWarp prst="textNoShape">
-              <a:avLst/>
-            </a:prstTxWarp>
-            <a:spAutoFit/>
-          </a:bodyPr>
-          <a:lstStyle/>
-          <a:p>
-            <a:pPr marL="0" marR="0" lvl="0" indent="0" algn="l" defTabSz="914400" rtl="0" eaLnBrk="0" fontAlgn="base" latinLnBrk="0" hangingPunct="0">
-              <a:lnSpc>
-                <a:spcPct val="100000"/>
-              </a:lnSpc>
-              <a:spcBef>
-                <a:spcPct val="0"/>
-              </a:spcBef>
-              <a:spcAft>
-                <a:spcPct val="0"/>
-              </a:spcAft>
-              <a:buClrTx/>
-              <a:buSzTx/>
-              <a:buFontTx/>
-              <a:buNone/>
-              <a:tabLst/>
-            </a:pPr>
-            <a:r>
-              <a:rPr kumimoji="0" lang="ko-KR" altLang="ko-KR" sz="1400" b="0" i="0" u="none" strike="noStrike" cap="none" normalizeH="0" baseline="0" dirty="0" err="1">
-                <a:ln>
-                  <a:noFill/>
-                </a:ln>
-                <a:solidFill>
-                  <a:srgbClr val="ED864A"/>
-                </a:solidFill>
-                <a:effectLst/>
-                <a:latin typeface="나눔스퀘어 ExtraBold" panose="020B0600000101010101" pitchFamily="50" charset="-127"/>
-                <a:ea typeface="나눔스퀘어 ExtraBold" panose="020B0600000101010101" pitchFamily="50" charset="-127"/>
-              </a:rPr>
-              <a:t>def</a:t>
-            </a:r>
-            <a:r>
-              <a:rPr kumimoji="0" lang="ko-KR" altLang="ko-KR" sz="1400" b="0" i="0" u="none" strike="noStrike" cap="none" normalizeH="0" baseline="0" dirty="0">
-                <a:ln>
-                  <a:noFill/>
-                </a:ln>
-                <a:solidFill>
-                  <a:srgbClr val="ED864A"/>
-                </a:solidFill>
-                <a:effectLst/>
-                <a:latin typeface="나눔스퀘어 ExtraBold" panose="020B0600000101010101" pitchFamily="50" charset="-127"/>
-                <a:ea typeface="나눔스퀘어 ExtraBold" panose="020B0600000101010101" pitchFamily="50" charset="-127"/>
-              </a:rPr>
-              <a:t> </a:t>
-            </a:r>
-            <a:r>
-              <a:rPr kumimoji="0" lang="ko-KR" altLang="ko-KR" sz="1400" b="0" i="0" u="none" strike="noStrike" cap="none" normalizeH="0" baseline="0" dirty="0" err="1">
-                <a:ln>
-                  <a:noFill/>
-                </a:ln>
-                <a:solidFill>
-                  <a:srgbClr val="FFCF40"/>
-                </a:solidFill>
-                <a:effectLst/>
-                <a:latin typeface="나눔스퀘어 ExtraBold" panose="020B0600000101010101" pitchFamily="50" charset="-127"/>
-                <a:ea typeface="나눔스퀘어 ExtraBold" panose="020B0600000101010101" pitchFamily="50" charset="-127"/>
-              </a:rPr>
-              <a:t>disconnect_pybullet</a:t>
-            </a:r>
-            <a:r>
-              <a:rPr kumimoji="0" lang="ko-KR" altLang="ko-KR" sz="1400" b="0" i="0" u="none" strike="noStrike" cap="none" normalizeH="0" baseline="0" dirty="0">
-                <a:ln>
-                  <a:noFill/>
-                </a:ln>
-                <a:solidFill>
-                  <a:srgbClr val="EBEBEB"/>
-                </a:solidFill>
-                <a:effectLst/>
-                <a:latin typeface="나눔스퀘어 ExtraBold" panose="020B0600000101010101" pitchFamily="50" charset="-127"/>
-                <a:ea typeface="나눔스퀘어 ExtraBold" panose="020B0600000101010101" pitchFamily="50" charset="-127"/>
-              </a:rPr>
-              <a:t>(</a:t>
-            </a:r>
-            <a:r>
-              <a:rPr kumimoji="0" lang="ko-KR" altLang="ko-KR" sz="1400" b="0" i="0" u="none" strike="noStrike" cap="none" normalizeH="0" baseline="0" dirty="0" err="1">
-                <a:ln>
-                  <a:noFill/>
-                </a:ln>
-                <a:solidFill>
-                  <a:srgbClr val="94558D"/>
-                </a:solidFill>
-                <a:effectLst/>
-                <a:latin typeface="나눔스퀘어 ExtraBold" panose="020B0600000101010101" pitchFamily="50" charset="-127"/>
-                <a:ea typeface="나눔스퀘어 ExtraBold" panose="020B0600000101010101" pitchFamily="50" charset="-127"/>
-              </a:rPr>
-              <a:t>self</a:t>
-            </a:r>
-            <a:r>
-              <a:rPr kumimoji="0" lang="ko-KR" altLang="ko-KR" sz="1400" b="0" i="0" u="none" strike="noStrike" cap="none" normalizeH="0" baseline="0" dirty="0">
-                <a:ln>
-                  <a:noFill/>
-                </a:ln>
-                <a:solidFill>
-                  <a:srgbClr val="EBEBEB"/>
-                </a:solidFill>
-                <a:effectLst/>
-                <a:latin typeface="나눔스퀘어 ExtraBold" panose="020B0600000101010101" pitchFamily="50" charset="-127"/>
-                <a:ea typeface="나눔스퀘어 ExtraBold" panose="020B0600000101010101" pitchFamily="50" charset="-127"/>
-              </a:rPr>
-              <a:t>)</a:t>
-            </a:r>
-            <a:endParaRPr kumimoji="0" lang="ko-KR" altLang="ko-KR" sz="3600" b="0" i="0" u="none" strike="noStrike" cap="none" normalizeH="0" baseline="0" dirty="0">
-              <a:ln>
-                <a:noFill/>
-              </a:ln>
-              <a:solidFill>
-                <a:schemeClr val="tx1"/>
-              </a:solidFill>
-              <a:effectLst/>
-              <a:latin typeface="나눔스퀘어 ExtraBold" panose="020B0600000101010101" pitchFamily="50" charset="-127"/>
-              <a:ea typeface="나눔스퀘어 ExtraBold" panose="020B0600000101010101" pitchFamily="50" charset="-127"/>
-            </a:endParaRPr>
-          </a:p>
-        </p:txBody>
-      </p:sp>
-      <p:sp>
-        <p:nvSpPr>
-          <p:cNvPr id="20" name="Rectangle 9">
-            <a:extLst>
-              <a:ext uri="{FF2B5EF4-FFF2-40B4-BE49-F238E27FC236}">
-                <a16:creationId xmlns:a16="http://schemas.microsoft.com/office/drawing/2014/main" id="{841ED86E-67CA-444A-9CDC-3F7461244958}"/>
-              </a:ext>
-            </a:extLst>
-          </p:cNvPr>
-          <p:cNvSpPr>
-            <a:spLocks noChangeArrowheads="1"/>
-          </p:cNvSpPr>
-          <p:nvPr/>
-        </p:nvSpPr>
-        <p:spPr bwMode="auto">
-          <a:xfrm>
-            <a:off x="383828" y="4545098"/>
-            <a:ext cx="7038975" cy="307777"/>
-          </a:xfrm>
-          <a:prstGeom prst="rect">
-            <a:avLst/>
-          </a:prstGeom>
-          <a:solidFill>
-            <a:srgbClr val="131314"/>
-          </a:solidFill>
-          <a:ln>
-            <a:noFill/>
-          </a:ln>
-          <a:effectLst/>
-          <a:extLst>
-            <a:ext uri="{91240B29-F687-4F45-9708-019B960494DF}">
-              <a14:hiddenLine xmlns:a14="http://schemas.microsoft.com/office/drawing/2010/main" w="9525">
-                <a:solidFill>
-                  <a:schemeClr val="tx1"/>
-                </a:solidFill>
-                <a:miter lim="800000"/>
-                <a:headEnd/>
-                <a:tailEnd/>
-              </a14:hiddenLine>
-            </a:ext>
-            <a:ext uri="{AF507438-7753-43E0-B8FC-AC1667EBCBE1}">
-              <a14:hiddenEffects xmlns:a14="http://schemas.microsoft.com/office/drawing/2010/main">
-                <a:effectLst>
-                  <a:outerShdw dist="35921" dir="2700000" algn="ctr" rotWithShape="0">
-                    <a:schemeClr val="bg2"/>
-                  </a:outerShdw>
-                </a:effectLst>
-              </a14:hiddenEffects>
-            </a:ext>
-          </a:extLst>
-        </p:spPr>
-        <p:txBody>
-          <a:bodyPr vert="horz" wrap="square" lIns="91440" tIns="45720" rIns="91440" bIns="45720" numCol="1" anchor="ctr" anchorCtr="0" compatLnSpc="1">
-            <a:prstTxWarp prst="textNoShape">
-              <a:avLst/>
-            </a:prstTxWarp>
-            <a:spAutoFit/>
-          </a:bodyPr>
-          <a:lstStyle/>
-          <a:p>
-            <a:pPr marL="0" marR="0" lvl="0" indent="0" algn="l" defTabSz="914400" rtl="0" eaLnBrk="0" fontAlgn="base" latinLnBrk="0" hangingPunct="0">
-              <a:lnSpc>
-                <a:spcPct val="100000"/>
-              </a:lnSpc>
-              <a:spcBef>
-                <a:spcPct val="0"/>
-              </a:spcBef>
-              <a:spcAft>
-                <a:spcPct val="0"/>
-              </a:spcAft>
-              <a:buClrTx/>
-              <a:buSzTx/>
-              <a:buFontTx/>
-              <a:buNone/>
-              <a:tabLst/>
-            </a:pPr>
-            <a:r>
-              <a:rPr kumimoji="0" lang="ko-KR" altLang="ko-KR" sz="1400" b="0" i="0" u="none" strike="noStrike" cap="none" normalizeH="0" baseline="0" dirty="0" err="1">
-                <a:ln>
-                  <a:noFill/>
-                </a:ln>
-                <a:solidFill>
-                  <a:srgbClr val="ED864A"/>
-                </a:solidFill>
-                <a:effectLst/>
-                <a:latin typeface="나눔스퀘어 ExtraBold" panose="020B0600000101010101" pitchFamily="50" charset="-127"/>
-                <a:ea typeface="나눔스퀘어 ExtraBold" panose="020B0600000101010101" pitchFamily="50" charset="-127"/>
-              </a:rPr>
-              <a:t>def</a:t>
-            </a:r>
-            <a:r>
-              <a:rPr kumimoji="0" lang="ko-KR" altLang="ko-KR" sz="1400" b="0" i="0" u="none" strike="noStrike" cap="none" normalizeH="0" baseline="0" dirty="0">
-                <a:ln>
-                  <a:noFill/>
-                </a:ln>
-                <a:solidFill>
-                  <a:srgbClr val="ED864A"/>
-                </a:solidFill>
-                <a:effectLst/>
-                <a:latin typeface="나눔스퀘어 ExtraBold" panose="020B0600000101010101" pitchFamily="50" charset="-127"/>
-                <a:ea typeface="나눔스퀘어 ExtraBold" panose="020B0600000101010101" pitchFamily="50" charset="-127"/>
-              </a:rPr>
-              <a:t> </a:t>
-            </a:r>
-            <a:r>
-              <a:rPr kumimoji="0" lang="ko-KR" altLang="ko-KR" sz="1400" b="0" i="0" u="none" strike="noStrike" cap="none" normalizeH="0" baseline="0" dirty="0">
-                <a:ln>
-                  <a:noFill/>
-                </a:ln>
-                <a:solidFill>
-                  <a:srgbClr val="FFCF40"/>
-                </a:solidFill>
-                <a:effectLst/>
-                <a:latin typeface="나눔스퀘어 ExtraBold" panose="020B0600000101010101" pitchFamily="50" charset="-127"/>
-                <a:ea typeface="나눔스퀘어 ExtraBold" panose="020B0600000101010101" pitchFamily="50" charset="-127"/>
-              </a:rPr>
-              <a:t>_</a:t>
-            </a:r>
-            <a:r>
-              <a:rPr kumimoji="0" lang="ko-KR" altLang="ko-KR" sz="1400" b="0" i="0" u="none" strike="noStrike" cap="none" normalizeH="0" baseline="0" dirty="0" err="1">
-                <a:ln>
-                  <a:noFill/>
-                </a:ln>
-                <a:solidFill>
-                  <a:srgbClr val="FFCF40"/>
-                </a:solidFill>
-                <a:effectLst/>
-                <a:latin typeface="나눔스퀘어 ExtraBold" panose="020B0600000101010101" pitchFamily="50" charset="-127"/>
-                <a:ea typeface="나눔스퀘어 ExtraBold" panose="020B0600000101010101" pitchFamily="50" charset="-127"/>
-              </a:rPr>
-              <a:t>SetRobotJoint</a:t>
-            </a:r>
-            <a:r>
-              <a:rPr kumimoji="0" lang="ko-KR" altLang="ko-KR" sz="1400" b="0" i="0" u="none" strike="noStrike" cap="none" normalizeH="0" baseline="0" dirty="0">
-                <a:ln>
-                  <a:noFill/>
-                </a:ln>
-                <a:solidFill>
-                  <a:srgbClr val="EBEBEB"/>
-                </a:solidFill>
-                <a:effectLst/>
-                <a:latin typeface="나눔스퀘어 ExtraBold" panose="020B0600000101010101" pitchFamily="50" charset="-127"/>
-                <a:ea typeface="나눔스퀘어 ExtraBold" panose="020B0600000101010101" pitchFamily="50" charset="-127"/>
-              </a:rPr>
-              <a:t>(</a:t>
-            </a:r>
-            <a:r>
-              <a:rPr kumimoji="0" lang="ko-KR" altLang="ko-KR" sz="1400" b="0" i="0" u="none" strike="noStrike" cap="none" normalizeH="0" baseline="0" dirty="0" err="1">
-                <a:ln>
-                  <a:noFill/>
-                </a:ln>
-                <a:solidFill>
-                  <a:srgbClr val="94558D"/>
-                </a:solidFill>
-                <a:effectLst/>
-                <a:latin typeface="나눔스퀘어 ExtraBold" panose="020B0600000101010101" pitchFamily="50" charset="-127"/>
-                <a:ea typeface="나눔스퀘어 ExtraBold" panose="020B0600000101010101" pitchFamily="50" charset="-127"/>
-              </a:rPr>
-              <a:t>self</a:t>
-            </a:r>
-            <a:r>
-              <a:rPr kumimoji="0" lang="ko-KR" altLang="ko-KR" sz="1400" b="0" i="0" u="none" strike="noStrike" cap="none" normalizeH="0" baseline="0" dirty="0">
-                <a:ln>
-                  <a:noFill/>
-                </a:ln>
-                <a:solidFill>
-                  <a:srgbClr val="EBEBEB"/>
-                </a:solidFill>
-                <a:effectLst/>
-                <a:latin typeface="나눔스퀘어 ExtraBold" panose="020B0600000101010101" pitchFamily="50" charset="-127"/>
-                <a:ea typeface="나눔스퀘어 ExtraBold" panose="020B0600000101010101" pitchFamily="50" charset="-127"/>
-              </a:rPr>
-              <a:t>)</a:t>
-            </a:r>
-            <a:endParaRPr kumimoji="0" lang="ko-KR" altLang="ko-KR" sz="3600" b="0" i="0" u="none" strike="noStrike" cap="none" normalizeH="0" baseline="0" dirty="0">
-              <a:ln>
-                <a:noFill/>
-              </a:ln>
-              <a:solidFill>
-                <a:schemeClr val="tx1"/>
-              </a:solidFill>
-              <a:effectLst/>
-              <a:latin typeface="나눔스퀘어 ExtraBold" panose="020B0600000101010101" pitchFamily="50" charset="-127"/>
-              <a:ea typeface="나눔스퀘어 ExtraBold" panose="020B0600000101010101" pitchFamily="50" charset="-127"/>
-            </a:endParaRPr>
-          </a:p>
-        </p:txBody>
-      </p:sp>
-      <p:sp>
-        <p:nvSpPr>
-          <p:cNvPr id="21" name="Rectangle 10">
-            <a:extLst>
-              <a:ext uri="{FF2B5EF4-FFF2-40B4-BE49-F238E27FC236}">
-                <a16:creationId xmlns:a16="http://schemas.microsoft.com/office/drawing/2014/main" id="{09BED13E-B527-4E31-AEDC-2FC4352422ED}"/>
-              </a:ext>
-            </a:extLst>
-          </p:cNvPr>
-          <p:cNvSpPr>
-            <a:spLocks noChangeArrowheads="1"/>
-          </p:cNvSpPr>
-          <p:nvPr/>
-        </p:nvSpPr>
-        <p:spPr bwMode="auto">
-          <a:xfrm>
-            <a:off x="383828" y="5599191"/>
-            <a:ext cx="7038975" cy="307777"/>
-          </a:xfrm>
-          <a:prstGeom prst="rect">
-            <a:avLst/>
-          </a:prstGeom>
-          <a:solidFill>
-            <a:srgbClr val="131314"/>
-          </a:solidFill>
-          <a:ln>
-            <a:noFill/>
-          </a:ln>
-          <a:effectLst/>
-          <a:extLst>
-            <a:ext uri="{91240B29-F687-4F45-9708-019B960494DF}">
-              <a14:hiddenLine xmlns:a14="http://schemas.microsoft.com/office/drawing/2010/main" w="9525">
-                <a:solidFill>
-                  <a:schemeClr val="tx1"/>
-                </a:solidFill>
-                <a:miter lim="800000"/>
-                <a:headEnd/>
-                <a:tailEnd/>
-              </a14:hiddenLine>
-            </a:ext>
-            <a:ext uri="{AF507438-7753-43E0-B8FC-AC1667EBCBE1}">
-              <a14:hiddenEffects xmlns:a14="http://schemas.microsoft.com/office/drawing/2010/main">
-                <a:effectLst>
-                  <a:outerShdw dist="35921" dir="2700000" algn="ctr" rotWithShape="0">
-                    <a:schemeClr val="bg2"/>
-                  </a:outerShdw>
-                </a:effectLst>
-              </a14:hiddenEffects>
-            </a:ext>
-          </a:extLst>
-        </p:spPr>
-        <p:txBody>
-          <a:bodyPr vert="horz" wrap="square" lIns="91440" tIns="45720" rIns="91440" bIns="45720" numCol="1" anchor="ctr" anchorCtr="0" compatLnSpc="1">
-            <a:prstTxWarp prst="textNoShape">
-              <a:avLst/>
-            </a:prstTxWarp>
-            <a:spAutoFit/>
-          </a:bodyPr>
-          <a:lstStyle/>
-          <a:p>
-            <a:pPr marL="0" marR="0" lvl="0" indent="0" algn="l" defTabSz="914400" rtl="0" eaLnBrk="0" fontAlgn="base" latinLnBrk="0" hangingPunct="0">
-              <a:lnSpc>
-                <a:spcPct val="100000"/>
-              </a:lnSpc>
-              <a:spcBef>
-                <a:spcPct val="0"/>
-              </a:spcBef>
-              <a:spcAft>
-                <a:spcPct val="0"/>
-              </a:spcAft>
-              <a:buClrTx/>
-              <a:buSzTx/>
-              <a:buFontTx/>
-              <a:buNone/>
-              <a:tabLst/>
-            </a:pPr>
-            <a:r>
-              <a:rPr kumimoji="0" lang="ko-KR" altLang="ko-KR" sz="1400" b="0" i="0" u="none" strike="noStrike" cap="none" normalizeH="0" baseline="0" dirty="0" err="1">
-                <a:ln>
-                  <a:noFill/>
-                </a:ln>
-                <a:solidFill>
-                  <a:srgbClr val="ED864A"/>
-                </a:solidFill>
-                <a:effectLst/>
-                <a:latin typeface="나눔스퀘어 ExtraBold" panose="020B0600000101010101" pitchFamily="50" charset="-127"/>
-                <a:ea typeface="나눔스퀘어 ExtraBold" panose="020B0600000101010101" pitchFamily="50" charset="-127"/>
-              </a:rPr>
-              <a:t>def</a:t>
-            </a:r>
-            <a:r>
-              <a:rPr kumimoji="0" lang="ko-KR" altLang="ko-KR" sz="1400" b="0" i="0" u="none" strike="noStrike" cap="none" normalizeH="0" baseline="0" dirty="0">
-                <a:ln>
-                  <a:noFill/>
-                </a:ln>
-                <a:solidFill>
-                  <a:srgbClr val="ED864A"/>
-                </a:solidFill>
-                <a:effectLst/>
-                <a:latin typeface="나눔스퀘어 ExtraBold" panose="020B0600000101010101" pitchFamily="50" charset="-127"/>
-                <a:ea typeface="나눔스퀘어 ExtraBold" panose="020B0600000101010101" pitchFamily="50" charset="-127"/>
-              </a:rPr>
-              <a:t> </a:t>
-            </a:r>
-            <a:r>
-              <a:rPr kumimoji="0" lang="ko-KR" altLang="ko-KR" sz="1400" b="0" i="0" u="none" strike="noStrike" cap="none" normalizeH="0" baseline="0" dirty="0" err="1">
-                <a:ln>
-                  <a:noFill/>
-                </a:ln>
-                <a:solidFill>
-                  <a:srgbClr val="FFCF40"/>
-                </a:solidFill>
-                <a:effectLst/>
-                <a:latin typeface="나눔스퀘어 ExtraBold" panose="020B0600000101010101" pitchFamily="50" charset="-127"/>
-                <a:ea typeface="나눔스퀘어 ExtraBold" panose="020B0600000101010101" pitchFamily="50" charset="-127"/>
-              </a:rPr>
-              <a:t>MoveRobot</a:t>
-            </a:r>
-            <a:r>
-              <a:rPr kumimoji="0" lang="ko-KR" altLang="ko-KR" sz="1400" b="0" i="0" u="none" strike="noStrike" cap="none" normalizeH="0" baseline="0" dirty="0">
-                <a:ln>
-                  <a:noFill/>
-                </a:ln>
-                <a:solidFill>
-                  <a:srgbClr val="EBEBEB"/>
-                </a:solidFill>
-                <a:effectLst/>
-                <a:latin typeface="나눔스퀘어 ExtraBold" panose="020B0600000101010101" pitchFamily="50" charset="-127"/>
-                <a:ea typeface="나눔스퀘어 ExtraBold" panose="020B0600000101010101" pitchFamily="50" charset="-127"/>
-              </a:rPr>
-              <a:t>(</a:t>
-            </a:r>
-            <a:r>
-              <a:rPr kumimoji="0" lang="ko-KR" altLang="ko-KR" sz="1400" b="0" i="0" u="none" strike="noStrike" cap="none" normalizeH="0" baseline="0" dirty="0" err="1">
-                <a:ln>
-                  <a:noFill/>
-                </a:ln>
-                <a:solidFill>
-                  <a:srgbClr val="94558D"/>
-                </a:solidFill>
-                <a:effectLst/>
-                <a:latin typeface="나눔스퀘어 ExtraBold" panose="020B0600000101010101" pitchFamily="50" charset="-127"/>
-                <a:ea typeface="나눔스퀘어 ExtraBold" panose="020B0600000101010101" pitchFamily="50" charset="-127"/>
-              </a:rPr>
-              <a:t>self</a:t>
-            </a:r>
-            <a:r>
-              <a:rPr kumimoji="0" lang="ko-KR" altLang="ko-KR" sz="1400" b="1" i="0" u="none" strike="noStrike" cap="none" normalizeH="0" baseline="0" dirty="0">
-                <a:ln>
-                  <a:noFill/>
-                </a:ln>
-                <a:solidFill>
-                  <a:srgbClr val="ED864A"/>
-                </a:solidFill>
-                <a:effectLst/>
-                <a:latin typeface="나눔스퀘어 ExtraBold" panose="020B0600000101010101" pitchFamily="50" charset="-127"/>
-                <a:ea typeface="나눔스퀘어 ExtraBold" panose="020B0600000101010101" pitchFamily="50" charset="-127"/>
-              </a:rPr>
-              <a:t>, </a:t>
-            </a:r>
-            <a:r>
-              <a:rPr kumimoji="0" lang="ko-KR" altLang="ko-KR" sz="1400" b="0" i="0" u="none" strike="noStrike" cap="none" normalizeH="0" baseline="0" dirty="0" err="1">
-                <a:ln>
-                  <a:noFill/>
-                </a:ln>
-                <a:solidFill>
-                  <a:srgbClr val="FFFFFF"/>
-                </a:solidFill>
-                <a:effectLst/>
-                <a:latin typeface="나눔스퀘어 ExtraBold" panose="020B0600000101010101" pitchFamily="50" charset="-127"/>
-                <a:ea typeface="나눔스퀘어 ExtraBold" panose="020B0600000101010101" pitchFamily="50" charset="-127"/>
-              </a:rPr>
-              <a:t>angle</a:t>
-            </a:r>
-            <a:r>
-              <a:rPr kumimoji="0" lang="ko-KR" altLang="ko-KR" sz="1400" b="1" i="0" u="none" strike="noStrike" cap="none" normalizeH="0" baseline="0" dirty="0">
-                <a:ln>
-                  <a:noFill/>
-                </a:ln>
-                <a:solidFill>
-                  <a:srgbClr val="ED864A"/>
-                </a:solidFill>
-                <a:effectLst/>
-                <a:latin typeface="나눔스퀘어 ExtraBold" panose="020B0600000101010101" pitchFamily="50" charset="-127"/>
-                <a:ea typeface="나눔스퀘어 ExtraBold" panose="020B0600000101010101" pitchFamily="50" charset="-127"/>
-              </a:rPr>
-              <a:t>, </a:t>
-            </a:r>
-            <a:r>
-              <a:rPr kumimoji="0" lang="ko-KR" altLang="ko-KR" sz="1400" b="0" i="0" u="none" strike="noStrike" cap="none" normalizeH="0" baseline="0" dirty="0" err="1">
-                <a:ln>
-                  <a:noFill/>
-                </a:ln>
-                <a:solidFill>
-                  <a:srgbClr val="FFFFFF"/>
-                </a:solidFill>
-                <a:effectLst/>
-                <a:latin typeface="나눔스퀘어 ExtraBold" panose="020B0600000101010101" pitchFamily="50" charset="-127"/>
-                <a:ea typeface="나눔스퀘어 ExtraBold" panose="020B0600000101010101" pitchFamily="50" charset="-127"/>
-              </a:rPr>
-              <a:t>verbose</a:t>
-            </a:r>
-            <a:r>
-              <a:rPr kumimoji="0" lang="ko-KR" altLang="ko-KR" sz="1400" b="0" i="0" u="none" strike="noStrike" cap="none" normalizeH="0" baseline="0" dirty="0">
-                <a:ln>
-                  <a:noFill/>
-                </a:ln>
-                <a:solidFill>
-                  <a:srgbClr val="EBEBEB"/>
-                </a:solidFill>
-                <a:effectLst/>
-                <a:latin typeface="나눔스퀘어 ExtraBold" panose="020B0600000101010101" pitchFamily="50" charset="-127"/>
-                <a:ea typeface="나눔스퀘어 ExtraBold" panose="020B0600000101010101" pitchFamily="50" charset="-127"/>
-              </a:rPr>
-              <a:t>=</a:t>
-            </a:r>
-            <a:r>
-              <a:rPr kumimoji="0" lang="ko-KR" altLang="ko-KR" sz="1400" b="0" i="0" u="none" strike="noStrike" cap="none" normalizeH="0" baseline="0" dirty="0" err="1">
-                <a:ln>
-                  <a:noFill/>
-                </a:ln>
-                <a:solidFill>
-                  <a:srgbClr val="ED864A"/>
-                </a:solidFill>
-                <a:effectLst/>
-                <a:latin typeface="나눔스퀘어 ExtraBold" panose="020B0600000101010101" pitchFamily="50" charset="-127"/>
-                <a:ea typeface="나눔스퀘어 ExtraBold" panose="020B0600000101010101" pitchFamily="50" charset="-127"/>
-              </a:rPr>
-              <a:t>False</a:t>
-            </a:r>
-            <a:r>
-              <a:rPr kumimoji="0" lang="ko-KR" altLang="ko-KR" sz="1400" b="0" i="0" u="none" strike="noStrike" cap="none" normalizeH="0" baseline="0" dirty="0">
-                <a:ln>
-                  <a:noFill/>
-                </a:ln>
-                <a:solidFill>
-                  <a:srgbClr val="EBEBEB"/>
-                </a:solidFill>
-                <a:effectLst/>
-                <a:latin typeface="나눔스퀘어 ExtraBold" panose="020B0600000101010101" pitchFamily="50" charset="-127"/>
-                <a:ea typeface="나눔스퀘어 ExtraBold" panose="020B0600000101010101" pitchFamily="50" charset="-127"/>
-              </a:rPr>
-              <a:t>)</a:t>
-            </a:r>
-            <a:endParaRPr kumimoji="0" lang="ko-KR" altLang="ko-KR" sz="3600" b="0" i="0" u="none" strike="noStrike" cap="none" normalizeH="0" baseline="0" dirty="0">
-              <a:ln>
-                <a:noFill/>
-              </a:ln>
-              <a:solidFill>
-                <a:schemeClr val="tx1"/>
-              </a:solidFill>
-              <a:effectLst/>
-              <a:latin typeface="나눔스퀘어 ExtraBold" panose="020B0600000101010101" pitchFamily="50" charset="-127"/>
-              <a:ea typeface="나눔스퀘어 ExtraBold" panose="020B0600000101010101" pitchFamily="50" charset="-127"/>
-            </a:endParaRPr>
-          </a:p>
-        </p:txBody>
-      </p:sp>
-      <p:sp>
-        <p:nvSpPr>
-          <p:cNvPr id="22" name="직사각형 21">
-            <a:extLst>
-              <a:ext uri="{FF2B5EF4-FFF2-40B4-BE49-F238E27FC236}">
-                <a16:creationId xmlns:a16="http://schemas.microsoft.com/office/drawing/2014/main" id="{C6390FF4-34BF-4A15-A947-564C5881A0D6}"/>
-              </a:ext>
-            </a:extLst>
-          </p:cNvPr>
-          <p:cNvSpPr/>
-          <p:nvPr/>
-        </p:nvSpPr>
-        <p:spPr>
-          <a:xfrm>
-            <a:off x="383828" y="2770529"/>
-            <a:ext cx="10782187" cy="492443"/>
-          </a:xfrm>
-          <a:prstGeom prst="rect">
-            <a:avLst/>
-          </a:prstGeom>
-          <a:ln w="38100">
-            <a:noFill/>
-            <a:prstDash val="sysDash"/>
-          </a:ln>
-        </p:spPr>
-        <p:txBody>
-          <a:bodyPr wrap="square">
-            <a:spAutoFit/>
-          </a:bodyPr>
-          <a:lstStyle/>
-          <a:p>
-            <a:pPr marL="285750" indent="-285750">
-              <a:buFont typeface="Wingdings" panose="05000000000000000000" pitchFamily="2" charset="2"/>
-              <a:buChar char="Ø"/>
-            </a:pPr>
-            <a:r>
-              <a:rPr lang="en-US" altLang="ko-KR" sz="1300" dirty="0">
-                <a:latin typeface="나눔스퀘어" panose="020B0600000101010101" pitchFamily="50" charset="-127"/>
-                <a:ea typeface="나눔스퀘어" panose="020B0600000101010101" pitchFamily="50" charset="-127"/>
-              </a:rPr>
-              <a:t>Open </a:t>
-            </a:r>
-            <a:r>
-              <a:rPr lang="en-US" altLang="ko-KR" sz="1300" dirty="0" err="1">
-                <a:latin typeface="나눔스퀘어" panose="020B0600000101010101" pitchFamily="50" charset="-127"/>
-                <a:ea typeface="나눔스퀘어" panose="020B0600000101010101" pitchFamily="50" charset="-127"/>
-              </a:rPr>
-              <a:t>pybullet</a:t>
-            </a:r>
-            <a:r>
-              <a:rPr lang="en-US" altLang="ko-KR" sz="1300" dirty="0">
-                <a:latin typeface="나눔스퀘어" panose="020B0600000101010101" pitchFamily="50" charset="-127"/>
-                <a:ea typeface="나눔스퀘어" panose="020B0600000101010101" pitchFamily="50" charset="-127"/>
-              </a:rPr>
-              <a:t> GUI and load robot. </a:t>
-            </a:r>
-          </a:p>
-          <a:p>
-            <a:pPr marL="285750" indent="-285750">
-              <a:buFont typeface="Wingdings" panose="05000000000000000000" pitchFamily="2" charset="2"/>
-              <a:buChar char="Ø"/>
-            </a:pPr>
-            <a:r>
-              <a:rPr lang="en-US" altLang="ko-KR" sz="1300" dirty="0">
-                <a:latin typeface="나눔스퀘어" panose="020B0600000101010101" pitchFamily="50" charset="-127"/>
-                <a:ea typeface="나눔스퀘어" panose="020B0600000101010101" pitchFamily="50" charset="-127"/>
-              </a:rPr>
-              <a:t>Run simulation thread</a:t>
-            </a:r>
-          </a:p>
-        </p:txBody>
-      </p:sp>
-      <p:sp>
-        <p:nvSpPr>
-          <p:cNvPr id="26" name="직사각형 25">
-            <a:extLst>
-              <a:ext uri="{FF2B5EF4-FFF2-40B4-BE49-F238E27FC236}">
-                <a16:creationId xmlns:a16="http://schemas.microsoft.com/office/drawing/2014/main" id="{B3A121FB-D07B-4386-94EC-4A5CEB06F774}"/>
-              </a:ext>
-            </a:extLst>
-          </p:cNvPr>
-          <p:cNvSpPr/>
-          <p:nvPr/>
-        </p:nvSpPr>
-        <p:spPr>
-          <a:xfrm>
-            <a:off x="383828" y="3806432"/>
-            <a:ext cx="10782187" cy="292388"/>
-          </a:xfrm>
-          <a:prstGeom prst="rect">
-            <a:avLst/>
-          </a:prstGeom>
-          <a:ln w="38100">
-            <a:noFill/>
-            <a:prstDash val="sysDash"/>
-          </a:ln>
-        </p:spPr>
-        <p:txBody>
-          <a:bodyPr wrap="square">
-            <a:spAutoFit/>
-          </a:bodyPr>
-          <a:lstStyle/>
-          <a:p>
-            <a:pPr marL="285750" indent="-285750">
-              <a:buFont typeface="Wingdings" panose="05000000000000000000" pitchFamily="2" charset="2"/>
-              <a:buChar char="Ø"/>
-            </a:pPr>
-            <a:r>
-              <a:rPr lang="en-US" altLang="ko-KR" sz="1300" dirty="0">
-                <a:latin typeface="나눔스퀘어" panose="020B0600000101010101" pitchFamily="50" charset="-127"/>
-                <a:ea typeface="나눔스퀘어" panose="020B0600000101010101" pitchFamily="50" charset="-127"/>
-              </a:rPr>
-              <a:t>Close </a:t>
-            </a:r>
-            <a:r>
-              <a:rPr lang="en-US" altLang="ko-KR" sz="1300" dirty="0" err="1">
-                <a:latin typeface="나눔스퀘어" panose="020B0600000101010101" pitchFamily="50" charset="-127"/>
-                <a:ea typeface="나눔스퀘어" panose="020B0600000101010101" pitchFamily="50" charset="-127"/>
-              </a:rPr>
-              <a:t>pybullet</a:t>
-            </a:r>
-            <a:r>
-              <a:rPr lang="en-US" altLang="ko-KR" sz="1300" dirty="0">
-                <a:latin typeface="나눔스퀘어" panose="020B0600000101010101" pitchFamily="50" charset="-127"/>
-                <a:ea typeface="나눔스퀘어" panose="020B0600000101010101" pitchFamily="50" charset="-127"/>
-              </a:rPr>
-              <a:t> GUI</a:t>
-            </a:r>
-          </a:p>
-        </p:txBody>
-      </p:sp>
-      <p:sp>
-        <p:nvSpPr>
-          <p:cNvPr id="27" name="직사각형 26">
-            <a:extLst>
-              <a:ext uri="{FF2B5EF4-FFF2-40B4-BE49-F238E27FC236}">
-                <a16:creationId xmlns:a16="http://schemas.microsoft.com/office/drawing/2014/main" id="{4DCD4B55-89CC-4CFE-826C-3A2BE18779BD}"/>
-              </a:ext>
-            </a:extLst>
-          </p:cNvPr>
-          <p:cNvSpPr/>
-          <p:nvPr/>
-        </p:nvSpPr>
-        <p:spPr>
-          <a:xfrm>
-            <a:off x="383828" y="4842335"/>
-            <a:ext cx="10782187" cy="492443"/>
-          </a:xfrm>
-          <a:prstGeom prst="rect">
-            <a:avLst/>
-          </a:prstGeom>
-          <a:ln w="38100">
-            <a:noFill/>
-            <a:prstDash val="sysDash"/>
-          </a:ln>
-        </p:spPr>
-        <p:txBody>
-          <a:bodyPr wrap="square">
-            <a:spAutoFit/>
-          </a:bodyPr>
-          <a:lstStyle/>
-          <a:p>
-            <a:pPr marL="285750" indent="-285750">
-              <a:buFont typeface="Wingdings" panose="05000000000000000000" pitchFamily="2" charset="2"/>
-              <a:buChar char="Ø"/>
-            </a:pPr>
-            <a:r>
-              <a:rPr lang="en-US" altLang="ko-KR" sz="1300" dirty="0">
-                <a:latin typeface="나눔스퀘어" panose="020B0600000101010101" pitchFamily="50" charset="-127"/>
-                <a:ea typeface="나눔스퀘어" panose="020B0600000101010101" pitchFamily="50" charset="-127"/>
-              </a:rPr>
-              <a:t>This function is run in thread. </a:t>
-            </a:r>
-          </a:p>
-          <a:p>
-            <a:pPr marL="285750" indent="-285750">
-              <a:buFont typeface="Wingdings" panose="05000000000000000000" pitchFamily="2" charset="2"/>
-              <a:buChar char="Ø"/>
-            </a:pPr>
-            <a:r>
-              <a:rPr lang="en-US" altLang="ko-KR" sz="1300" dirty="0">
-                <a:latin typeface="나눔스퀘어" panose="020B0600000101010101" pitchFamily="50" charset="-127"/>
-                <a:ea typeface="나눔스퀘어" panose="020B0600000101010101" pitchFamily="50" charset="-127"/>
-              </a:rPr>
-              <a:t>The position controller makes the robot the desired joint angle. </a:t>
-            </a:r>
-          </a:p>
-        </p:txBody>
-      </p:sp>
-      <p:sp>
-        <p:nvSpPr>
-          <p:cNvPr id="28" name="직사각형 27">
-            <a:extLst>
-              <a:ext uri="{FF2B5EF4-FFF2-40B4-BE49-F238E27FC236}">
-                <a16:creationId xmlns:a16="http://schemas.microsoft.com/office/drawing/2014/main" id="{215AF3BA-3241-475A-AF00-28D25A4330D4}"/>
-              </a:ext>
-            </a:extLst>
-          </p:cNvPr>
-          <p:cNvSpPr/>
-          <p:nvPr/>
-        </p:nvSpPr>
-        <p:spPr>
-          <a:xfrm>
-            <a:off x="383828" y="5925159"/>
-            <a:ext cx="10782187" cy="292388"/>
-          </a:xfrm>
-          <a:prstGeom prst="rect">
-            <a:avLst/>
-          </a:prstGeom>
-          <a:ln w="38100">
-            <a:noFill/>
-            <a:prstDash val="sysDash"/>
-          </a:ln>
-        </p:spPr>
-        <p:txBody>
-          <a:bodyPr wrap="square">
-            <a:spAutoFit/>
-          </a:bodyPr>
-          <a:lstStyle/>
-          <a:p>
-            <a:pPr marL="285750" indent="-285750">
-              <a:buFont typeface="Wingdings" panose="05000000000000000000" pitchFamily="2" charset="2"/>
-              <a:buChar char="Ø"/>
-            </a:pPr>
-            <a:r>
-              <a:rPr lang="en-US" altLang="ko-KR" sz="1300" dirty="0">
-                <a:latin typeface="나눔스퀘어" panose="020B0600000101010101" pitchFamily="50" charset="-127"/>
-                <a:ea typeface="나눔스퀘어" panose="020B0600000101010101" pitchFamily="50" charset="-127"/>
-              </a:rPr>
-              <a:t>Change the desired joint angle.  </a:t>
-            </a:r>
-          </a:p>
-        </p:txBody>
-      </p:sp>
-      <p:pic>
-        <p:nvPicPr>
-          <p:cNvPr id="29" name="그림 28">
-            <a:extLst>
-              <a:ext uri="{FF2B5EF4-FFF2-40B4-BE49-F238E27FC236}">
-                <a16:creationId xmlns:a16="http://schemas.microsoft.com/office/drawing/2014/main" id="{2A4E9000-ECD4-412A-9F4B-7793042083B9}"/>
-              </a:ext>
-            </a:extLst>
-          </p:cNvPr>
-          <p:cNvPicPr>
-            <a:picLocks noChangeAspect="1"/>
-          </p:cNvPicPr>
-          <p:nvPr/>
-        </p:nvPicPr>
-        <p:blipFill>
-          <a:blip r:embed="rId3"/>
-          <a:stretch>
-            <a:fillRect/>
-          </a:stretch>
-        </p:blipFill>
-        <p:spPr>
-          <a:xfrm>
-            <a:off x="7855490" y="2489529"/>
-            <a:ext cx="4088860" cy="3126124"/>
+            <a:off x="728828" y="2118945"/>
+            <a:ext cx="4273419" cy="4598377"/>
           </a:xfrm>
           <a:prstGeom prst="rect">
             <a:avLst/>
@@ -7193,3719 +5240,7 @@
     </p:spTree>
     <p:extLst>
       <p:ext uri="{BB962C8B-B14F-4D97-AF65-F5344CB8AC3E}">
-        <p14:creationId xmlns:p14="http://schemas.microsoft.com/office/powerpoint/2010/main" val="2200603936"/>
-      </p:ext>
-    </p:extLst>
-  </p:cSld>
-  <p:clrMapOvr>
-    <a:masterClrMapping/>
-  </p:clrMapOvr>
-</p:sld>
-</file>
-
-<file path=ppt/slides/slide12.xml><?xml version="1.0" encoding="utf-8"?>
-<p:sld xmlns:a="http://schemas.openxmlformats.org/drawingml/2006/main" xmlns:r="http://schemas.openxmlformats.org/officeDocument/2006/relationships" xmlns:p="http://schemas.openxmlformats.org/presentationml/2006/main">
-  <p:cSld>
-    <p:spTree>
-      <p:nvGrpSpPr>
-        <p:cNvPr id="1" name=""/>
-        <p:cNvGrpSpPr/>
-        <p:nvPr/>
-      </p:nvGrpSpPr>
-      <p:grpSpPr>
-        <a:xfrm>
-          <a:off x="0" y="0"/>
-          <a:ext cx="0" cy="0"/>
-          <a:chOff x="0" y="0"/>
-          <a:chExt cx="0" cy="0"/>
-        </a:xfrm>
-      </p:grpSpPr>
-      <p:sp>
-        <p:nvSpPr>
-          <p:cNvPr id="4" name="슬라이드 번호 개체 틀 1">
-            <a:extLst>
-              <a:ext uri="{FF2B5EF4-FFF2-40B4-BE49-F238E27FC236}">
-                <a16:creationId xmlns:a16="http://schemas.microsoft.com/office/drawing/2014/main" id="{308BD0A2-55C4-4B35-BD52-0CFE1A5CE106}"/>
-              </a:ext>
-            </a:extLst>
-          </p:cNvPr>
-          <p:cNvSpPr>
-            <a:spLocks noGrp="1"/>
-          </p:cNvSpPr>
-          <p:nvPr>
-            <p:ph type="sldNum" sz="quarter" idx="12"/>
-          </p:nvPr>
-        </p:nvSpPr>
-        <p:spPr>
-          <a:xfrm>
-            <a:off x="9448800" y="6492875"/>
-            <a:ext cx="2743200" cy="365125"/>
-          </a:xfrm>
-        </p:spPr>
-        <p:txBody>
-          <a:bodyPr/>
-          <a:lstStyle/>
-          <a:p>
-            <a:fld id="{9946D8A4-261D-4F24-BBEA-490A8FB4DFB9}" type="slidenum">
-              <a:rPr lang="ko-KR" altLang="en-US" smtClean="0"/>
-              <a:t>12</a:t>
-            </a:fld>
-            <a:endParaRPr lang="ko-KR" altLang="en-US" dirty="0"/>
-          </a:p>
-        </p:txBody>
-      </p:sp>
-      <p:sp>
-        <p:nvSpPr>
-          <p:cNvPr id="5" name="제목 4">
-            <a:extLst>
-              <a:ext uri="{FF2B5EF4-FFF2-40B4-BE49-F238E27FC236}">
-                <a16:creationId xmlns:a16="http://schemas.microsoft.com/office/drawing/2014/main" id="{F68C0275-0DEB-4547-9809-C3379B27B83F}"/>
-              </a:ext>
-            </a:extLst>
-          </p:cNvPr>
-          <p:cNvSpPr txBox="1">
-            <a:spLocks/>
-          </p:cNvSpPr>
-          <p:nvPr/>
-        </p:nvSpPr>
-        <p:spPr>
-          <a:xfrm>
-            <a:off x="383828" y="347238"/>
-            <a:ext cx="11560522" cy="830392"/>
-          </a:xfrm>
-          <a:prstGeom prst="rect">
-            <a:avLst/>
-          </a:prstGeom>
-        </p:spPr>
-        <p:txBody>
-          <a:bodyPr>
-            <a:noAutofit/>
-          </a:bodyPr>
-          <a:lstStyle>
-            <a:lvl1pPr algn="l" defTabSz="914400" rtl="0" eaLnBrk="1" latinLnBrk="1" hangingPunct="1">
-              <a:lnSpc>
-                <a:spcPct val="90000"/>
-              </a:lnSpc>
-              <a:spcBef>
-                <a:spcPct val="0"/>
-              </a:spcBef>
-              <a:buNone/>
-              <a:defRPr sz="4400" kern="1200">
-                <a:solidFill>
-                  <a:schemeClr val="tx1"/>
-                </a:solidFill>
-                <a:latin typeface="+mj-lt"/>
-                <a:ea typeface="+mj-ea"/>
-                <a:cs typeface="+mj-cs"/>
-              </a:defRPr>
-            </a:lvl1pPr>
-          </a:lstStyle>
-          <a:p>
-            <a:pPr lvl="0">
-              <a:defRPr/>
-            </a:pPr>
-            <a:r>
-              <a:rPr lang="en-US" altLang="ko-KR" dirty="0">
-                <a:solidFill>
-                  <a:prstClr val="black"/>
-                </a:solidFill>
-                <a:latin typeface="나눔스퀘어 ExtraBold" panose="020B0600000101010101" pitchFamily="50" charset="-127"/>
-                <a:ea typeface="나눔스퀘어 ExtraBold" panose="020B0600000101010101" pitchFamily="50" charset="-127"/>
-              </a:rPr>
-              <a:t>2. Code Implementation</a:t>
-            </a:r>
-          </a:p>
-        </p:txBody>
-      </p:sp>
-      <p:sp>
-        <p:nvSpPr>
-          <p:cNvPr id="7" name="TextBox 6">
-            <a:extLst>
-              <a:ext uri="{FF2B5EF4-FFF2-40B4-BE49-F238E27FC236}">
-                <a16:creationId xmlns:a16="http://schemas.microsoft.com/office/drawing/2014/main" id="{98965B6C-4EAD-4AC7-A3C1-FA39152BDFDC}"/>
-              </a:ext>
-            </a:extLst>
-          </p:cNvPr>
-          <p:cNvSpPr txBox="1"/>
-          <p:nvPr/>
-        </p:nvSpPr>
-        <p:spPr>
-          <a:xfrm>
-            <a:off x="383828" y="1183885"/>
-            <a:ext cx="11022934" cy="369332"/>
-          </a:xfrm>
-          <a:prstGeom prst="rect">
-            <a:avLst/>
-          </a:prstGeom>
-          <a:noFill/>
-        </p:spPr>
-        <p:txBody>
-          <a:bodyPr wrap="square">
-            <a:spAutoFit/>
-          </a:bodyPr>
-          <a:lstStyle/>
-          <a:p>
-            <a:r>
-              <a:rPr lang="en-US" altLang="ko-KR" dirty="0">
-                <a:solidFill>
-                  <a:prstClr val="black"/>
-                </a:solidFill>
-                <a:latin typeface="나눔스퀘어 ExtraBold" panose="020B0600000101010101" pitchFamily="50" charset="-127"/>
-                <a:ea typeface="나눔스퀘어 ExtraBold" panose="020B0600000101010101" pitchFamily="50" charset="-127"/>
-              </a:rPr>
-              <a:t>3) To do list</a:t>
-            </a:r>
-          </a:p>
-        </p:txBody>
-      </p:sp>
-      <p:sp>
-        <p:nvSpPr>
-          <p:cNvPr id="10" name="직사각형 9">
-            <a:extLst>
-              <a:ext uri="{FF2B5EF4-FFF2-40B4-BE49-F238E27FC236}">
-                <a16:creationId xmlns:a16="http://schemas.microsoft.com/office/drawing/2014/main" id="{3930935F-7F62-418B-B971-2BBFB4F67052}"/>
-              </a:ext>
-            </a:extLst>
-          </p:cNvPr>
-          <p:cNvSpPr/>
-          <p:nvPr/>
-        </p:nvSpPr>
-        <p:spPr>
-          <a:xfrm>
-            <a:off x="383828" y="1760121"/>
-            <a:ext cx="10782187" cy="1353897"/>
-          </a:xfrm>
-          <a:prstGeom prst="rect">
-            <a:avLst/>
-          </a:prstGeom>
-          <a:ln w="38100">
-            <a:noFill/>
-            <a:prstDash val="sysDash"/>
-          </a:ln>
-        </p:spPr>
-        <p:txBody>
-          <a:bodyPr wrap="square">
-            <a:spAutoFit/>
-          </a:bodyPr>
-          <a:lstStyle/>
-          <a:p>
-            <a:pPr>
-              <a:lnSpc>
-                <a:spcPct val="150000"/>
-              </a:lnSpc>
-            </a:pPr>
-            <a:r>
-              <a:rPr lang="en-US" altLang="ko-KR" sz="1400" dirty="0">
-                <a:latin typeface="나눔스퀘어" panose="020B0600000101010101" pitchFamily="50" charset="-127"/>
-                <a:ea typeface="나눔스퀘어" panose="020B0600000101010101" pitchFamily="50" charset="-127"/>
-              </a:rPr>
-              <a:t>For a term project, you need to implement a basic robotics tools such as [Adjoint], [Jacobian], [Forward Kinematics] and etc.</a:t>
-            </a:r>
-          </a:p>
-          <a:p>
-            <a:pPr>
-              <a:lnSpc>
-                <a:spcPct val="150000"/>
-              </a:lnSpc>
-            </a:pPr>
-            <a:r>
-              <a:rPr lang="en-US" altLang="ko-KR" sz="1400" dirty="0">
-                <a:latin typeface="나눔스퀘어" panose="020B0600000101010101" pitchFamily="50" charset="-127"/>
-                <a:ea typeface="나눔스퀘어" panose="020B0600000101010101" pitchFamily="50" charset="-127"/>
-              </a:rPr>
-              <a:t>Maybe this material will help you to implement them. </a:t>
-            </a:r>
-          </a:p>
-          <a:p>
-            <a:pPr>
-              <a:lnSpc>
-                <a:spcPct val="150000"/>
-              </a:lnSpc>
-            </a:pPr>
-            <a:endParaRPr lang="en-US" altLang="ko-KR" sz="1400" dirty="0">
-              <a:latin typeface="나눔스퀘어" panose="020B0600000101010101" pitchFamily="50" charset="-127"/>
-              <a:ea typeface="나눔스퀘어" panose="020B0600000101010101" pitchFamily="50" charset="-127"/>
-            </a:endParaRPr>
-          </a:p>
-          <a:p>
-            <a:pPr algn="ctr">
-              <a:lnSpc>
-                <a:spcPct val="150000"/>
-              </a:lnSpc>
-            </a:pPr>
-            <a:r>
-              <a:rPr lang="en-US" altLang="ko-KR" sz="1400" dirty="0">
-                <a:latin typeface="나눔스퀘어" panose="020B0600000101010101" pitchFamily="50" charset="-127"/>
-                <a:ea typeface="나눔스퀘어" panose="020B0600000101010101" pitchFamily="50" charset="-127"/>
-                <a:hlinkClick r:id="rId3"/>
-              </a:rPr>
-              <a:t>https://github.com/NxRLab/ModernRobotics</a:t>
-            </a:r>
-            <a:r>
-              <a:rPr lang="en-US" altLang="ko-KR" sz="1400" dirty="0">
-                <a:latin typeface="나눔스퀘어" panose="020B0600000101010101" pitchFamily="50" charset="-127"/>
-                <a:ea typeface="나눔스퀘어" panose="020B0600000101010101" pitchFamily="50" charset="-127"/>
-              </a:rPr>
-              <a:t>   </a:t>
-            </a:r>
-          </a:p>
-        </p:txBody>
-      </p:sp>
-      <p:sp>
-        <p:nvSpPr>
-          <p:cNvPr id="15" name="직사각형 14">
-            <a:extLst>
-              <a:ext uri="{FF2B5EF4-FFF2-40B4-BE49-F238E27FC236}">
-                <a16:creationId xmlns:a16="http://schemas.microsoft.com/office/drawing/2014/main" id="{5D4F55DA-F628-4A19-B796-6EDF10FC1CF5}"/>
-              </a:ext>
-            </a:extLst>
-          </p:cNvPr>
-          <p:cNvSpPr/>
-          <p:nvPr/>
-        </p:nvSpPr>
-        <p:spPr>
-          <a:xfrm>
-            <a:off x="383828" y="3879538"/>
-            <a:ext cx="10782187" cy="1353897"/>
-          </a:xfrm>
-          <a:prstGeom prst="rect">
-            <a:avLst/>
-          </a:prstGeom>
-          <a:ln w="38100">
-            <a:noFill/>
-            <a:prstDash val="sysDash"/>
-          </a:ln>
-        </p:spPr>
-        <p:txBody>
-          <a:bodyPr wrap="square">
-            <a:spAutoFit/>
-          </a:bodyPr>
-          <a:lstStyle/>
-          <a:p>
-            <a:pPr>
-              <a:lnSpc>
-                <a:spcPct val="150000"/>
-              </a:lnSpc>
-            </a:pPr>
-            <a:r>
-              <a:rPr lang="en-US" altLang="ko-KR" sz="1400" dirty="0">
-                <a:latin typeface="나눔스퀘어" panose="020B0600000101010101" pitchFamily="50" charset="-127"/>
-                <a:ea typeface="나눔스퀘어" panose="020B0600000101010101" pitchFamily="50" charset="-127"/>
-              </a:rPr>
-              <a:t>Additionally, the following manual provides example code and functions for simulating </a:t>
-            </a:r>
-            <a:r>
-              <a:rPr lang="en-US" altLang="ko-KR" sz="1400" dirty="0" err="1">
-                <a:latin typeface="나눔스퀘어" panose="020B0600000101010101" pitchFamily="50" charset="-127"/>
-                <a:ea typeface="나눔스퀘어" panose="020B0600000101010101" pitchFamily="50" charset="-127"/>
-              </a:rPr>
-              <a:t>Pybullet</a:t>
-            </a:r>
-            <a:r>
-              <a:rPr lang="en-US" altLang="ko-KR" sz="1400" dirty="0">
-                <a:latin typeface="나눔스퀘어" panose="020B0600000101010101" pitchFamily="50" charset="-127"/>
-                <a:ea typeface="나눔스퀘어" panose="020B0600000101010101" pitchFamily="50" charset="-127"/>
-              </a:rPr>
-              <a:t>.</a:t>
-            </a:r>
-          </a:p>
-          <a:p>
-            <a:pPr>
-              <a:lnSpc>
-                <a:spcPct val="150000"/>
-              </a:lnSpc>
-            </a:pPr>
-            <a:endParaRPr lang="en-US" altLang="ko-KR" sz="1400" dirty="0">
-              <a:latin typeface="나눔스퀘어" panose="020B0600000101010101" pitchFamily="50" charset="-127"/>
-              <a:ea typeface="나눔스퀘어" panose="020B0600000101010101" pitchFamily="50" charset="-127"/>
-            </a:endParaRPr>
-          </a:p>
-          <a:p>
-            <a:pPr algn="ctr">
-              <a:lnSpc>
-                <a:spcPct val="150000"/>
-              </a:lnSpc>
-            </a:pPr>
-            <a:r>
-              <a:rPr lang="en-US" altLang="ko-KR" sz="1400" dirty="0">
-                <a:latin typeface="나눔스퀘어" panose="020B0600000101010101" pitchFamily="50" charset="-127"/>
-                <a:ea typeface="나눔스퀘어" panose="020B0600000101010101" pitchFamily="50" charset="-127"/>
-                <a:hlinkClick r:id="rId4"/>
-              </a:rPr>
-              <a:t>https://docs.google.com/document/d/10sXEhzFRSnvFcl3XxNGhnD4N2SedqwdAvK3dsihxVUA/edit#</a:t>
-            </a:r>
-            <a:r>
-              <a:rPr lang="en-US" altLang="ko-KR" sz="1400" dirty="0">
-                <a:latin typeface="나눔스퀘어" panose="020B0600000101010101" pitchFamily="50" charset="-127"/>
-                <a:ea typeface="나눔스퀘어" panose="020B0600000101010101" pitchFamily="50" charset="-127"/>
-              </a:rPr>
-              <a:t> </a:t>
-            </a:r>
-          </a:p>
-          <a:p>
-            <a:pPr algn="ctr">
-              <a:lnSpc>
-                <a:spcPct val="150000"/>
-              </a:lnSpc>
-            </a:pPr>
-            <a:r>
-              <a:rPr lang="en-US" altLang="ko-KR" sz="1400" dirty="0">
-                <a:latin typeface="나눔스퀘어" panose="020B0600000101010101" pitchFamily="50" charset="-127"/>
-                <a:ea typeface="나눔스퀘어" panose="020B0600000101010101" pitchFamily="50" charset="-127"/>
-                <a:hlinkClick r:id="rId5"/>
-              </a:rPr>
-              <a:t>https://github.com/bulletphysics/bullet3/tree/master/examples/pybullet/examples</a:t>
-            </a:r>
-            <a:r>
-              <a:rPr lang="en-US" altLang="ko-KR" sz="1400" dirty="0">
-                <a:latin typeface="나눔스퀘어" panose="020B0600000101010101" pitchFamily="50" charset="-127"/>
-                <a:ea typeface="나눔스퀘어" panose="020B0600000101010101" pitchFamily="50" charset="-127"/>
-              </a:rPr>
-              <a:t> </a:t>
-            </a:r>
-          </a:p>
-        </p:txBody>
-      </p:sp>
-    </p:spTree>
-    <p:extLst>
-      <p:ext uri="{BB962C8B-B14F-4D97-AF65-F5344CB8AC3E}">
-        <p14:creationId xmlns:p14="http://schemas.microsoft.com/office/powerpoint/2010/main" val="284287360"/>
-      </p:ext>
-    </p:extLst>
-  </p:cSld>
-  <p:clrMapOvr>
-    <a:masterClrMapping/>
-  </p:clrMapOvr>
-</p:sld>
-</file>
-
-<file path=ppt/slides/slide13.xml><?xml version="1.0" encoding="utf-8"?>
-<p:sld xmlns:a="http://schemas.openxmlformats.org/drawingml/2006/main" xmlns:r="http://schemas.openxmlformats.org/officeDocument/2006/relationships" xmlns:p="http://schemas.openxmlformats.org/presentationml/2006/main">
-  <p:cSld>
-    <p:spTree>
-      <p:nvGrpSpPr>
-        <p:cNvPr id="1" name=""/>
-        <p:cNvGrpSpPr/>
-        <p:nvPr/>
-      </p:nvGrpSpPr>
-      <p:grpSpPr>
-        <a:xfrm>
-          <a:off x="0" y="0"/>
-          <a:ext cx="0" cy="0"/>
-          <a:chOff x="0" y="0"/>
-          <a:chExt cx="0" cy="0"/>
-        </a:xfrm>
-      </p:grpSpPr>
-      <p:sp>
-        <p:nvSpPr>
-          <p:cNvPr id="4" name="슬라이드 번호 개체 틀 1">
-            <a:extLst>
-              <a:ext uri="{FF2B5EF4-FFF2-40B4-BE49-F238E27FC236}">
-                <a16:creationId xmlns:a16="http://schemas.microsoft.com/office/drawing/2014/main" id="{308BD0A2-55C4-4B35-BD52-0CFE1A5CE106}"/>
-              </a:ext>
-            </a:extLst>
-          </p:cNvPr>
-          <p:cNvSpPr>
-            <a:spLocks noGrp="1"/>
-          </p:cNvSpPr>
-          <p:nvPr>
-            <p:ph type="sldNum" sz="quarter" idx="12"/>
-          </p:nvPr>
-        </p:nvSpPr>
-        <p:spPr>
-          <a:xfrm>
-            <a:off x="9448800" y="6492875"/>
-            <a:ext cx="2743200" cy="365125"/>
-          </a:xfrm>
-        </p:spPr>
-        <p:txBody>
-          <a:bodyPr/>
-          <a:lstStyle/>
-          <a:p>
-            <a:fld id="{9946D8A4-261D-4F24-BBEA-490A8FB4DFB9}" type="slidenum">
-              <a:rPr lang="ko-KR" altLang="en-US" smtClean="0"/>
-              <a:t>13</a:t>
-            </a:fld>
-            <a:endParaRPr lang="ko-KR" altLang="en-US" dirty="0"/>
-          </a:p>
-        </p:txBody>
-      </p:sp>
-      <p:sp>
-        <p:nvSpPr>
-          <p:cNvPr id="5" name="제목 4">
-            <a:extLst>
-              <a:ext uri="{FF2B5EF4-FFF2-40B4-BE49-F238E27FC236}">
-                <a16:creationId xmlns:a16="http://schemas.microsoft.com/office/drawing/2014/main" id="{F68C0275-0DEB-4547-9809-C3379B27B83F}"/>
-              </a:ext>
-            </a:extLst>
-          </p:cNvPr>
-          <p:cNvSpPr txBox="1">
-            <a:spLocks/>
-          </p:cNvSpPr>
-          <p:nvPr/>
-        </p:nvSpPr>
-        <p:spPr>
-          <a:xfrm>
-            <a:off x="383828" y="347238"/>
-            <a:ext cx="11560522" cy="830392"/>
-          </a:xfrm>
-          <a:prstGeom prst="rect">
-            <a:avLst/>
-          </a:prstGeom>
-        </p:spPr>
-        <p:txBody>
-          <a:bodyPr>
-            <a:noAutofit/>
-          </a:bodyPr>
-          <a:lstStyle>
-            <a:lvl1pPr algn="l" defTabSz="914400" rtl="0" eaLnBrk="1" latinLnBrk="1" hangingPunct="1">
-              <a:lnSpc>
-                <a:spcPct val="90000"/>
-              </a:lnSpc>
-              <a:spcBef>
-                <a:spcPct val="0"/>
-              </a:spcBef>
-              <a:buNone/>
-              <a:defRPr sz="4400" kern="1200">
-                <a:solidFill>
-                  <a:schemeClr val="tx1"/>
-                </a:solidFill>
-                <a:latin typeface="+mj-lt"/>
-                <a:ea typeface="+mj-ea"/>
-                <a:cs typeface="+mj-cs"/>
-              </a:defRPr>
-            </a:lvl1pPr>
-          </a:lstStyle>
-          <a:p>
-            <a:pPr lvl="0">
-              <a:defRPr/>
-            </a:pPr>
-            <a:r>
-              <a:rPr lang="en-US" altLang="ko-KR" dirty="0">
-                <a:solidFill>
-                  <a:prstClr val="black"/>
-                </a:solidFill>
-                <a:latin typeface="나눔스퀘어 ExtraBold" panose="020B0600000101010101" pitchFamily="50" charset="-127"/>
-                <a:ea typeface="나눔스퀘어 ExtraBold" panose="020B0600000101010101" pitchFamily="50" charset="-127"/>
-              </a:rPr>
-              <a:t>3. IndyRP2</a:t>
-            </a:r>
-          </a:p>
-        </p:txBody>
-      </p:sp>
-      <p:sp>
-        <p:nvSpPr>
-          <p:cNvPr id="56" name="직사각형 55">
-            <a:extLst>
-              <a:ext uri="{FF2B5EF4-FFF2-40B4-BE49-F238E27FC236}">
-                <a16:creationId xmlns:a16="http://schemas.microsoft.com/office/drawing/2014/main" id="{8FDDD1F7-23D4-44E5-A104-6B8403E867E7}"/>
-              </a:ext>
-            </a:extLst>
-          </p:cNvPr>
-          <p:cNvSpPr/>
-          <p:nvPr/>
-        </p:nvSpPr>
-        <p:spPr>
-          <a:xfrm>
-            <a:off x="3240895" y="5801569"/>
-            <a:ext cx="5710209" cy="707566"/>
-          </a:xfrm>
-          <a:prstGeom prst="rect">
-            <a:avLst/>
-          </a:prstGeom>
-          <a:ln w="38100">
-            <a:noFill/>
-            <a:prstDash val="sysDash"/>
-          </a:ln>
-        </p:spPr>
-        <p:txBody>
-          <a:bodyPr wrap="square">
-            <a:spAutoFit/>
-          </a:bodyPr>
-          <a:lstStyle/>
-          <a:p>
-            <a:pPr>
-              <a:lnSpc>
-                <a:spcPct val="150000"/>
-              </a:lnSpc>
-            </a:pPr>
-            <a:r>
-              <a:rPr lang="en-US" altLang="ko-KR" sz="1400" dirty="0">
-                <a:latin typeface="나눔스퀘어" panose="020B0600000101010101" pitchFamily="50" charset="-127"/>
-                <a:ea typeface="나눔스퀘어" panose="020B0600000101010101" pitchFamily="50" charset="-127"/>
-              </a:rPr>
-              <a:t>To define screw of each joints, the robot’s parameters are needed. This information can be obtained using </a:t>
-            </a:r>
-            <a:r>
-              <a:rPr lang="en-US" altLang="ko-KR" sz="1400" dirty="0" err="1">
-                <a:latin typeface="나눔스퀘어" panose="020B0600000101010101" pitchFamily="50" charset="-127"/>
-                <a:ea typeface="나눔스퀘어" panose="020B0600000101010101" pitchFamily="50" charset="-127"/>
-              </a:rPr>
-              <a:t>p.getLinkStates</a:t>
-            </a:r>
-            <a:r>
-              <a:rPr lang="en-US" altLang="ko-KR" sz="1400" dirty="0">
-                <a:latin typeface="나눔스퀘어" panose="020B0600000101010101" pitchFamily="50" charset="-127"/>
-                <a:ea typeface="나눔스퀘어" panose="020B0600000101010101" pitchFamily="50" charset="-127"/>
-              </a:rPr>
-              <a:t>() function.</a:t>
-            </a:r>
-          </a:p>
-        </p:txBody>
-      </p:sp>
-      <p:grpSp>
-        <p:nvGrpSpPr>
-          <p:cNvPr id="8" name="그룹 7">
-            <a:extLst>
-              <a:ext uri="{FF2B5EF4-FFF2-40B4-BE49-F238E27FC236}">
-                <a16:creationId xmlns:a16="http://schemas.microsoft.com/office/drawing/2014/main" id="{27EE815B-13B9-475E-BFA7-706216A01BF3}"/>
-              </a:ext>
-            </a:extLst>
-          </p:cNvPr>
-          <p:cNvGrpSpPr/>
-          <p:nvPr/>
-        </p:nvGrpSpPr>
-        <p:grpSpPr>
-          <a:xfrm>
-            <a:off x="6338372" y="804438"/>
-            <a:ext cx="2718425" cy="4703698"/>
-            <a:chOff x="999905" y="852108"/>
-            <a:chExt cx="3143689" cy="5439534"/>
-          </a:xfrm>
-        </p:grpSpPr>
-        <p:pic>
-          <p:nvPicPr>
-            <p:cNvPr id="9" name="그림 8">
-              <a:extLst>
-                <a:ext uri="{FF2B5EF4-FFF2-40B4-BE49-F238E27FC236}">
-                  <a16:creationId xmlns:a16="http://schemas.microsoft.com/office/drawing/2014/main" id="{8E887FB6-011F-42E2-9801-8D6E3B0BA6AF}"/>
-                </a:ext>
-              </a:extLst>
-            </p:cNvPr>
-            <p:cNvPicPr>
-              <a:picLocks noChangeAspect="1"/>
-            </p:cNvPicPr>
-            <p:nvPr/>
-          </p:nvPicPr>
-          <p:blipFill>
-            <a:blip r:embed="rId3"/>
-            <a:stretch>
-              <a:fillRect/>
-            </a:stretch>
-          </p:blipFill>
-          <p:spPr>
-            <a:xfrm>
-              <a:off x="999905" y="852108"/>
-              <a:ext cx="3143689" cy="5439534"/>
-            </a:xfrm>
-            <a:prstGeom prst="rect">
-              <a:avLst/>
-            </a:prstGeom>
-          </p:spPr>
-        </p:pic>
-        <p:cxnSp>
-          <p:nvCxnSpPr>
-            <p:cNvPr id="11" name="직선 연결선 10">
-              <a:extLst>
-                <a:ext uri="{FF2B5EF4-FFF2-40B4-BE49-F238E27FC236}">
-                  <a16:creationId xmlns:a16="http://schemas.microsoft.com/office/drawing/2014/main" id="{46F0E9E4-30A3-41DC-B168-6130B1667B1F}"/>
-                </a:ext>
-              </a:extLst>
-            </p:cNvPr>
-            <p:cNvCxnSpPr>
-              <a:cxnSpLocks/>
-            </p:cNvCxnSpPr>
-            <p:nvPr/>
-          </p:nvCxnSpPr>
-          <p:spPr>
-            <a:xfrm>
-              <a:off x="2571749" y="4924425"/>
-              <a:ext cx="847726" cy="36969"/>
-            </a:xfrm>
-            <a:prstGeom prst="line">
-              <a:avLst/>
-            </a:prstGeom>
-            <a:ln w="38100">
-              <a:solidFill>
-                <a:srgbClr val="FF0000"/>
-              </a:solidFill>
-              <a:prstDash val="sysDot"/>
-            </a:ln>
-          </p:spPr>
-          <p:style>
-            <a:lnRef idx="1">
-              <a:schemeClr val="accent1"/>
-            </a:lnRef>
-            <a:fillRef idx="0">
-              <a:schemeClr val="accent1"/>
-            </a:fillRef>
-            <a:effectRef idx="0">
-              <a:schemeClr val="accent1"/>
-            </a:effectRef>
-            <a:fontRef idx="minor">
-              <a:schemeClr val="tx1"/>
-            </a:fontRef>
-          </p:style>
-        </p:cxnSp>
-        <p:cxnSp>
-          <p:nvCxnSpPr>
-            <p:cNvPr id="12" name="직선 연결선 11">
-              <a:extLst>
-                <a:ext uri="{FF2B5EF4-FFF2-40B4-BE49-F238E27FC236}">
-                  <a16:creationId xmlns:a16="http://schemas.microsoft.com/office/drawing/2014/main" id="{E55903C7-0F8A-4A5C-88FD-A7985AD46C1D}"/>
-                </a:ext>
-              </a:extLst>
-            </p:cNvPr>
-            <p:cNvCxnSpPr>
-              <a:cxnSpLocks/>
-            </p:cNvCxnSpPr>
-            <p:nvPr/>
-          </p:nvCxnSpPr>
-          <p:spPr>
-            <a:xfrm>
-              <a:off x="2571749" y="3429000"/>
-              <a:ext cx="847726" cy="36969"/>
-            </a:xfrm>
-            <a:prstGeom prst="line">
-              <a:avLst/>
-            </a:prstGeom>
-            <a:ln w="38100">
-              <a:solidFill>
-                <a:srgbClr val="FF0000"/>
-              </a:solidFill>
-              <a:prstDash val="sysDot"/>
-            </a:ln>
-          </p:spPr>
-          <p:style>
-            <a:lnRef idx="1">
-              <a:schemeClr val="accent1"/>
-            </a:lnRef>
-            <a:fillRef idx="0">
-              <a:schemeClr val="accent1"/>
-            </a:fillRef>
-            <a:effectRef idx="0">
-              <a:schemeClr val="accent1"/>
-            </a:effectRef>
-            <a:fontRef idx="minor">
-              <a:schemeClr val="tx1"/>
-            </a:fontRef>
-          </p:style>
-        </p:cxnSp>
-        <p:cxnSp>
-          <p:nvCxnSpPr>
-            <p:cNvPr id="13" name="직선 연결선 12">
-              <a:extLst>
-                <a:ext uri="{FF2B5EF4-FFF2-40B4-BE49-F238E27FC236}">
-                  <a16:creationId xmlns:a16="http://schemas.microsoft.com/office/drawing/2014/main" id="{D08BE436-DC81-4879-99E2-EB976FD28E68}"/>
-                </a:ext>
-              </a:extLst>
-            </p:cNvPr>
-            <p:cNvCxnSpPr>
-              <a:cxnSpLocks/>
-            </p:cNvCxnSpPr>
-            <p:nvPr/>
-          </p:nvCxnSpPr>
-          <p:spPr>
-            <a:xfrm>
-              <a:off x="2571749" y="2257425"/>
-              <a:ext cx="847726" cy="36969"/>
-            </a:xfrm>
-            <a:prstGeom prst="line">
-              <a:avLst/>
-            </a:prstGeom>
-            <a:ln w="38100">
-              <a:solidFill>
-                <a:srgbClr val="FF0000"/>
-              </a:solidFill>
-              <a:prstDash val="sysDot"/>
-            </a:ln>
-          </p:spPr>
-          <p:style>
-            <a:lnRef idx="1">
-              <a:schemeClr val="accent1"/>
-            </a:lnRef>
-            <a:fillRef idx="0">
-              <a:schemeClr val="accent1"/>
-            </a:fillRef>
-            <a:effectRef idx="0">
-              <a:schemeClr val="accent1"/>
-            </a:effectRef>
-            <a:fontRef idx="minor">
-              <a:schemeClr val="tx1"/>
-            </a:fontRef>
-          </p:style>
-        </p:cxnSp>
-        <p:cxnSp>
-          <p:nvCxnSpPr>
-            <p:cNvPr id="14" name="직선 연결선 13">
-              <a:extLst>
-                <a:ext uri="{FF2B5EF4-FFF2-40B4-BE49-F238E27FC236}">
-                  <a16:creationId xmlns:a16="http://schemas.microsoft.com/office/drawing/2014/main" id="{4B1FF950-8E86-43CF-B52F-273DE729BA1D}"/>
-                </a:ext>
-              </a:extLst>
-            </p:cNvPr>
-            <p:cNvCxnSpPr>
-              <a:cxnSpLocks/>
-            </p:cNvCxnSpPr>
-            <p:nvPr/>
-          </p:nvCxnSpPr>
-          <p:spPr>
-            <a:xfrm flipH="1" flipV="1">
-              <a:off x="2257425" y="1764520"/>
-              <a:ext cx="1162051" cy="50678"/>
-            </a:xfrm>
-            <a:prstGeom prst="line">
-              <a:avLst/>
-            </a:prstGeom>
-            <a:ln w="38100">
-              <a:solidFill>
-                <a:srgbClr val="FF0000"/>
-              </a:solidFill>
-              <a:prstDash val="sysDot"/>
-            </a:ln>
-          </p:spPr>
-          <p:style>
-            <a:lnRef idx="1">
-              <a:schemeClr val="accent1"/>
-            </a:lnRef>
-            <a:fillRef idx="0">
-              <a:schemeClr val="accent1"/>
-            </a:fillRef>
-            <a:effectRef idx="0">
-              <a:schemeClr val="accent1"/>
-            </a:effectRef>
-            <a:fontRef idx="minor">
-              <a:schemeClr val="tx1"/>
-            </a:fontRef>
-          </p:style>
-        </p:cxnSp>
-        <p:cxnSp>
-          <p:nvCxnSpPr>
-            <p:cNvPr id="16" name="직선 연결선 15">
-              <a:extLst>
-                <a:ext uri="{FF2B5EF4-FFF2-40B4-BE49-F238E27FC236}">
-                  <a16:creationId xmlns:a16="http://schemas.microsoft.com/office/drawing/2014/main" id="{CDD0B957-E53F-44CF-AD84-D1B2C5BB1255}"/>
-                </a:ext>
-              </a:extLst>
-            </p:cNvPr>
-            <p:cNvCxnSpPr>
-              <a:cxnSpLocks/>
-            </p:cNvCxnSpPr>
-            <p:nvPr/>
-          </p:nvCxnSpPr>
-          <p:spPr>
-            <a:xfrm>
-              <a:off x="2571749" y="1509713"/>
-              <a:ext cx="847726" cy="36969"/>
-            </a:xfrm>
-            <a:prstGeom prst="line">
-              <a:avLst/>
-            </a:prstGeom>
-            <a:ln w="38100">
-              <a:solidFill>
-                <a:srgbClr val="FF0000"/>
-              </a:solidFill>
-              <a:prstDash val="sysDot"/>
-            </a:ln>
-          </p:spPr>
-          <p:style>
-            <a:lnRef idx="1">
-              <a:schemeClr val="accent1"/>
-            </a:lnRef>
-            <a:fillRef idx="0">
-              <a:schemeClr val="accent1"/>
-            </a:fillRef>
-            <a:effectRef idx="0">
-              <a:schemeClr val="accent1"/>
-            </a:effectRef>
-            <a:fontRef idx="minor">
-              <a:schemeClr val="tx1"/>
-            </a:fontRef>
-          </p:style>
-        </p:cxnSp>
-        <p:cxnSp>
-          <p:nvCxnSpPr>
-            <p:cNvPr id="17" name="직선 연결선 16">
-              <a:extLst>
-                <a:ext uri="{FF2B5EF4-FFF2-40B4-BE49-F238E27FC236}">
-                  <a16:creationId xmlns:a16="http://schemas.microsoft.com/office/drawing/2014/main" id="{78DC9D01-6FBF-466F-BB2F-B552DB136E78}"/>
-                </a:ext>
-              </a:extLst>
-            </p:cNvPr>
-            <p:cNvCxnSpPr>
-              <a:cxnSpLocks/>
-            </p:cNvCxnSpPr>
-            <p:nvPr/>
-          </p:nvCxnSpPr>
-          <p:spPr>
-            <a:xfrm>
-              <a:off x="2771775" y="2575368"/>
-              <a:ext cx="647700" cy="28246"/>
-            </a:xfrm>
-            <a:prstGeom prst="line">
-              <a:avLst/>
-            </a:prstGeom>
-            <a:ln w="38100">
-              <a:solidFill>
-                <a:srgbClr val="FF0000"/>
-              </a:solidFill>
-              <a:prstDash val="sysDot"/>
-            </a:ln>
-          </p:spPr>
-          <p:style>
-            <a:lnRef idx="1">
-              <a:schemeClr val="accent1"/>
-            </a:lnRef>
-            <a:fillRef idx="0">
-              <a:schemeClr val="accent1"/>
-            </a:fillRef>
-            <a:effectRef idx="0">
-              <a:schemeClr val="accent1"/>
-            </a:effectRef>
-            <a:fontRef idx="minor">
-              <a:schemeClr val="tx1"/>
-            </a:fontRef>
-          </p:style>
-        </p:cxnSp>
-        <p:cxnSp>
-          <p:nvCxnSpPr>
-            <p:cNvPr id="18" name="직선 연결선 17">
-              <a:extLst>
-                <a:ext uri="{FF2B5EF4-FFF2-40B4-BE49-F238E27FC236}">
-                  <a16:creationId xmlns:a16="http://schemas.microsoft.com/office/drawing/2014/main" id="{27D0603C-D703-425F-B308-7F97EB3449C9}"/>
-                </a:ext>
-              </a:extLst>
-            </p:cNvPr>
-            <p:cNvCxnSpPr>
-              <a:cxnSpLocks/>
-            </p:cNvCxnSpPr>
-            <p:nvPr/>
-          </p:nvCxnSpPr>
-          <p:spPr>
-            <a:xfrm>
-              <a:off x="2257425" y="3643772"/>
-              <a:ext cx="1162050" cy="50677"/>
-            </a:xfrm>
-            <a:prstGeom prst="line">
-              <a:avLst/>
-            </a:prstGeom>
-            <a:ln w="38100">
-              <a:solidFill>
-                <a:srgbClr val="FF0000"/>
-              </a:solidFill>
-              <a:prstDash val="sysDot"/>
-            </a:ln>
-          </p:spPr>
-          <p:style>
-            <a:lnRef idx="1">
-              <a:schemeClr val="accent1"/>
-            </a:lnRef>
-            <a:fillRef idx="0">
-              <a:schemeClr val="accent1"/>
-            </a:fillRef>
-            <a:effectRef idx="0">
-              <a:schemeClr val="accent1"/>
-            </a:effectRef>
-            <a:fontRef idx="minor">
-              <a:schemeClr val="tx1"/>
-            </a:fontRef>
-          </p:style>
-        </p:cxnSp>
-        <p:cxnSp>
-          <p:nvCxnSpPr>
-            <p:cNvPr id="19" name="직선 연결선 18">
-              <a:extLst>
-                <a:ext uri="{FF2B5EF4-FFF2-40B4-BE49-F238E27FC236}">
-                  <a16:creationId xmlns:a16="http://schemas.microsoft.com/office/drawing/2014/main" id="{1DCAB1F3-59CD-4D6D-812F-1E2CB5A7F2C2}"/>
-                </a:ext>
-              </a:extLst>
-            </p:cNvPr>
-            <p:cNvCxnSpPr>
-              <a:cxnSpLocks/>
-            </p:cNvCxnSpPr>
-            <p:nvPr/>
-          </p:nvCxnSpPr>
-          <p:spPr>
-            <a:xfrm>
-              <a:off x="2995601" y="5695703"/>
-              <a:ext cx="423874" cy="18485"/>
-            </a:xfrm>
-            <a:prstGeom prst="line">
-              <a:avLst/>
-            </a:prstGeom>
-            <a:ln w="38100">
-              <a:solidFill>
-                <a:srgbClr val="FF0000"/>
-              </a:solidFill>
-              <a:prstDash val="sysDot"/>
-            </a:ln>
-          </p:spPr>
-          <p:style>
-            <a:lnRef idx="1">
-              <a:schemeClr val="accent1"/>
-            </a:lnRef>
-            <a:fillRef idx="0">
-              <a:schemeClr val="accent1"/>
-            </a:fillRef>
-            <a:effectRef idx="0">
-              <a:schemeClr val="accent1"/>
-            </a:effectRef>
-            <a:fontRef idx="minor">
-              <a:schemeClr val="tx1"/>
-            </a:fontRef>
-          </p:style>
-        </p:cxnSp>
-        <p:cxnSp>
-          <p:nvCxnSpPr>
-            <p:cNvPr id="20" name="직선 화살표 연결선 19">
-              <a:extLst>
-                <a:ext uri="{FF2B5EF4-FFF2-40B4-BE49-F238E27FC236}">
-                  <a16:creationId xmlns:a16="http://schemas.microsoft.com/office/drawing/2014/main" id="{76BFD228-28E4-400C-89D3-25843DB841A2}"/>
-                </a:ext>
-              </a:extLst>
-            </p:cNvPr>
-            <p:cNvCxnSpPr>
-              <a:cxnSpLocks/>
-            </p:cNvCxnSpPr>
-            <p:nvPr/>
-          </p:nvCxnSpPr>
-          <p:spPr>
-            <a:xfrm>
-              <a:off x="3438525" y="1546682"/>
-              <a:ext cx="0" cy="268516"/>
-            </a:xfrm>
-            <a:prstGeom prst="straightConnector1">
-              <a:avLst/>
-            </a:prstGeom>
-            <a:ln w="19050">
-              <a:solidFill>
-                <a:srgbClr val="FF0000"/>
-              </a:solidFill>
-              <a:headEnd type="arrow" w="med" len="med"/>
-              <a:tailEnd type="arrow" w="med" len="med"/>
-            </a:ln>
-          </p:spPr>
-          <p:style>
-            <a:lnRef idx="1">
-              <a:schemeClr val="accent1"/>
-            </a:lnRef>
-            <a:fillRef idx="0">
-              <a:schemeClr val="accent1"/>
-            </a:fillRef>
-            <a:effectRef idx="0">
-              <a:schemeClr val="accent1"/>
-            </a:effectRef>
-            <a:fontRef idx="minor">
-              <a:schemeClr val="tx1"/>
-            </a:fontRef>
-          </p:style>
-        </p:cxnSp>
-        <p:cxnSp>
-          <p:nvCxnSpPr>
-            <p:cNvPr id="21" name="직선 화살표 연결선 20">
-              <a:extLst>
-                <a:ext uri="{FF2B5EF4-FFF2-40B4-BE49-F238E27FC236}">
-                  <a16:creationId xmlns:a16="http://schemas.microsoft.com/office/drawing/2014/main" id="{B770E92F-6C77-4DF5-8473-DE1A8685FA68}"/>
-                </a:ext>
-              </a:extLst>
-            </p:cNvPr>
-            <p:cNvCxnSpPr>
-              <a:cxnSpLocks/>
-            </p:cNvCxnSpPr>
-            <p:nvPr/>
-          </p:nvCxnSpPr>
-          <p:spPr>
-            <a:xfrm>
-              <a:off x="3438525" y="1789859"/>
-              <a:ext cx="0" cy="504535"/>
-            </a:xfrm>
-            <a:prstGeom prst="straightConnector1">
-              <a:avLst/>
-            </a:prstGeom>
-            <a:ln w="19050">
-              <a:solidFill>
-                <a:srgbClr val="FF0000"/>
-              </a:solidFill>
-              <a:headEnd type="arrow" w="med" len="med"/>
-              <a:tailEnd type="arrow" w="med" len="med"/>
-            </a:ln>
-          </p:spPr>
-          <p:style>
-            <a:lnRef idx="1">
-              <a:schemeClr val="accent1"/>
-            </a:lnRef>
-            <a:fillRef idx="0">
-              <a:schemeClr val="accent1"/>
-            </a:fillRef>
-            <a:effectRef idx="0">
-              <a:schemeClr val="accent1"/>
-            </a:effectRef>
-            <a:fontRef idx="minor">
-              <a:schemeClr val="tx1"/>
-            </a:fontRef>
-          </p:style>
-        </p:cxnSp>
-        <p:cxnSp>
-          <p:nvCxnSpPr>
-            <p:cNvPr id="22" name="직선 화살표 연결선 21">
-              <a:extLst>
-                <a:ext uri="{FF2B5EF4-FFF2-40B4-BE49-F238E27FC236}">
-                  <a16:creationId xmlns:a16="http://schemas.microsoft.com/office/drawing/2014/main" id="{B0C1C7EA-DBC3-44E3-905B-09BAA8084054}"/>
-                </a:ext>
-              </a:extLst>
-            </p:cNvPr>
-            <p:cNvCxnSpPr>
-              <a:cxnSpLocks/>
-            </p:cNvCxnSpPr>
-            <p:nvPr/>
-          </p:nvCxnSpPr>
-          <p:spPr>
-            <a:xfrm>
-              <a:off x="3438525" y="2275909"/>
-              <a:ext cx="0" cy="327705"/>
-            </a:xfrm>
-            <a:prstGeom prst="straightConnector1">
-              <a:avLst/>
-            </a:prstGeom>
-            <a:ln w="19050">
-              <a:solidFill>
-                <a:srgbClr val="FF0000"/>
-              </a:solidFill>
-              <a:headEnd type="arrow" w="med" len="med"/>
-              <a:tailEnd type="arrow" w="med" len="med"/>
-            </a:ln>
-          </p:spPr>
-          <p:style>
-            <a:lnRef idx="1">
-              <a:schemeClr val="accent1"/>
-            </a:lnRef>
-            <a:fillRef idx="0">
-              <a:schemeClr val="accent1"/>
-            </a:fillRef>
-            <a:effectRef idx="0">
-              <a:schemeClr val="accent1"/>
-            </a:effectRef>
-            <a:fontRef idx="minor">
-              <a:schemeClr val="tx1"/>
-            </a:fontRef>
-          </p:style>
-        </p:cxnSp>
-        <p:cxnSp>
-          <p:nvCxnSpPr>
-            <p:cNvPr id="23" name="직선 화살표 연결선 22">
-              <a:extLst>
-                <a:ext uri="{FF2B5EF4-FFF2-40B4-BE49-F238E27FC236}">
-                  <a16:creationId xmlns:a16="http://schemas.microsoft.com/office/drawing/2014/main" id="{7C335699-EE5D-4443-823F-A65345CD7046}"/>
-                </a:ext>
-              </a:extLst>
-            </p:cNvPr>
-            <p:cNvCxnSpPr>
-              <a:cxnSpLocks/>
-            </p:cNvCxnSpPr>
-            <p:nvPr/>
-          </p:nvCxnSpPr>
-          <p:spPr>
-            <a:xfrm>
-              <a:off x="3438525" y="2603614"/>
-              <a:ext cx="0" cy="862355"/>
-            </a:xfrm>
-            <a:prstGeom prst="straightConnector1">
-              <a:avLst/>
-            </a:prstGeom>
-            <a:ln w="19050">
-              <a:solidFill>
-                <a:srgbClr val="FF0000"/>
-              </a:solidFill>
-              <a:headEnd type="arrow" w="med" len="med"/>
-              <a:tailEnd type="arrow" w="med" len="med"/>
-            </a:ln>
-          </p:spPr>
-          <p:style>
-            <a:lnRef idx="1">
-              <a:schemeClr val="accent1"/>
-            </a:lnRef>
-            <a:fillRef idx="0">
-              <a:schemeClr val="accent1"/>
-            </a:fillRef>
-            <a:effectRef idx="0">
-              <a:schemeClr val="accent1"/>
-            </a:effectRef>
-            <a:fontRef idx="minor">
-              <a:schemeClr val="tx1"/>
-            </a:fontRef>
-          </p:style>
-        </p:cxnSp>
-        <p:cxnSp>
-          <p:nvCxnSpPr>
-            <p:cNvPr id="24" name="직선 화살표 연결선 23">
-              <a:extLst>
-                <a:ext uri="{FF2B5EF4-FFF2-40B4-BE49-F238E27FC236}">
-                  <a16:creationId xmlns:a16="http://schemas.microsoft.com/office/drawing/2014/main" id="{35E315F6-0F59-4EA7-AB38-8020F15ED136}"/>
-                </a:ext>
-              </a:extLst>
-            </p:cNvPr>
-            <p:cNvCxnSpPr>
-              <a:cxnSpLocks/>
-            </p:cNvCxnSpPr>
-            <p:nvPr/>
-          </p:nvCxnSpPr>
-          <p:spPr>
-            <a:xfrm>
-              <a:off x="3438525" y="3465969"/>
-              <a:ext cx="0" cy="228480"/>
-            </a:xfrm>
-            <a:prstGeom prst="straightConnector1">
-              <a:avLst/>
-            </a:prstGeom>
-            <a:ln w="19050">
-              <a:solidFill>
-                <a:srgbClr val="FF0000"/>
-              </a:solidFill>
-              <a:headEnd type="arrow" w="med" len="med"/>
-              <a:tailEnd type="arrow" w="med" len="med"/>
-            </a:ln>
-          </p:spPr>
-          <p:style>
-            <a:lnRef idx="1">
-              <a:schemeClr val="accent1"/>
-            </a:lnRef>
-            <a:fillRef idx="0">
-              <a:schemeClr val="accent1"/>
-            </a:fillRef>
-            <a:effectRef idx="0">
-              <a:schemeClr val="accent1"/>
-            </a:effectRef>
-            <a:fontRef idx="minor">
-              <a:schemeClr val="tx1"/>
-            </a:fontRef>
-          </p:style>
-        </p:cxnSp>
-        <p:cxnSp>
-          <p:nvCxnSpPr>
-            <p:cNvPr id="25" name="직선 화살표 연결선 24">
-              <a:extLst>
-                <a:ext uri="{FF2B5EF4-FFF2-40B4-BE49-F238E27FC236}">
-                  <a16:creationId xmlns:a16="http://schemas.microsoft.com/office/drawing/2014/main" id="{95987513-9FE6-4EAD-88E8-D07D143E8092}"/>
-                </a:ext>
-              </a:extLst>
-            </p:cNvPr>
-            <p:cNvCxnSpPr>
-              <a:cxnSpLocks/>
-            </p:cNvCxnSpPr>
-            <p:nvPr/>
-          </p:nvCxnSpPr>
-          <p:spPr>
-            <a:xfrm>
-              <a:off x="3438525" y="3694449"/>
-              <a:ext cx="0" cy="1266945"/>
-            </a:xfrm>
-            <a:prstGeom prst="straightConnector1">
-              <a:avLst/>
-            </a:prstGeom>
-            <a:ln w="19050">
-              <a:solidFill>
-                <a:srgbClr val="FF0000"/>
-              </a:solidFill>
-              <a:headEnd type="arrow" w="med" len="med"/>
-              <a:tailEnd type="arrow" w="med" len="med"/>
-            </a:ln>
-          </p:spPr>
-          <p:style>
-            <a:lnRef idx="1">
-              <a:schemeClr val="accent1"/>
-            </a:lnRef>
-            <a:fillRef idx="0">
-              <a:schemeClr val="accent1"/>
-            </a:fillRef>
-            <a:effectRef idx="0">
-              <a:schemeClr val="accent1"/>
-            </a:effectRef>
-            <a:fontRef idx="minor">
-              <a:schemeClr val="tx1"/>
-            </a:fontRef>
-          </p:style>
-        </p:cxnSp>
-        <p:cxnSp>
-          <p:nvCxnSpPr>
-            <p:cNvPr id="26" name="직선 화살표 연결선 25">
-              <a:extLst>
-                <a:ext uri="{FF2B5EF4-FFF2-40B4-BE49-F238E27FC236}">
-                  <a16:creationId xmlns:a16="http://schemas.microsoft.com/office/drawing/2014/main" id="{2DDE07AC-6D34-402C-A1D1-56024431F716}"/>
-                </a:ext>
-              </a:extLst>
-            </p:cNvPr>
-            <p:cNvCxnSpPr>
-              <a:cxnSpLocks/>
-            </p:cNvCxnSpPr>
-            <p:nvPr/>
-          </p:nvCxnSpPr>
-          <p:spPr>
-            <a:xfrm>
-              <a:off x="3438525" y="4961394"/>
-              <a:ext cx="0" cy="752794"/>
-            </a:xfrm>
-            <a:prstGeom prst="straightConnector1">
-              <a:avLst/>
-            </a:prstGeom>
-            <a:ln w="19050">
-              <a:solidFill>
-                <a:srgbClr val="FF0000"/>
-              </a:solidFill>
-              <a:headEnd type="arrow" w="med" len="med"/>
-              <a:tailEnd type="arrow" w="med" len="med"/>
-            </a:ln>
-          </p:spPr>
-          <p:style>
-            <a:lnRef idx="1">
-              <a:schemeClr val="accent1"/>
-            </a:lnRef>
-            <a:fillRef idx="0">
-              <a:schemeClr val="accent1"/>
-            </a:fillRef>
-            <a:effectRef idx="0">
-              <a:schemeClr val="accent1"/>
-            </a:effectRef>
-            <a:fontRef idx="minor">
-              <a:schemeClr val="tx1"/>
-            </a:fontRef>
-          </p:style>
-        </p:cxnSp>
-        <mc:AlternateContent xmlns:mc="http://schemas.openxmlformats.org/markup-compatibility/2006" xmlns:a14="http://schemas.microsoft.com/office/drawing/2010/main">
-          <mc:Choice Requires="a14">
-            <p:sp>
-              <p:nvSpPr>
-                <p:cNvPr id="27" name="TextBox 26">
-                  <a:extLst>
-                    <a:ext uri="{FF2B5EF4-FFF2-40B4-BE49-F238E27FC236}">
-                      <a16:creationId xmlns:a16="http://schemas.microsoft.com/office/drawing/2014/main" id="{86FDFB90-97AE-4868-ABCE-9AEFF708783E}"/>
-                    </a:ext>
-                  </a:extLst>
-                </p:cNvPr>
-                <p:cNvSpPr txBox="1"/>
-                <p:nvPr/>
-              </p:nvSpPr>
-              <p:spPr>
-                <a:xfrm>
-                  <a:off x="3564460" y="5214680"/>
-                  <a:ext cx="276293" cy="246221"/>
-                </a:xfrm>
-                <a:prstGeom prst="rect">
-                  <a:avLst/>
-                </a:prstGeom>
-                <a:noFill/>
-              </p:spPr>
-              <p:txBody>
-                <a:bodyPr wrap="none" lIns="0" tIns="0" rIns="0" bIns="0" rtlCol="0">
-                  <a:spAutoFit/>
-                </a:bodyPr>
-                <a:lstStyle/>
-                <a:p>
-                  <a:pPr/>
-                  <a14:m>
-                    <m:oMathPara xmlns:m="http://schemas.openxmlformats.org/officeDocument/2006/math">
-                      <m:oMathParaPr>
-                        <m:jc m:val="centerGroup"/>
-                      </m:oMathParaPr>
-                      <m:oMath xmlns:m="http://schemas.openxmlformats.org/officeDocument/2006/math">
-                        <m:sSub>
-                          <m:sSubPr>
-                            <m:ctrlPr>
-                              <a:rPr lang="en-US" altLang="ko-KR" sz="1600" i="1" smtClean="0">
-                                <a:latin typeface="Cambria Math" panose="02040503050406030204" pitchFamily="18" charset="0"/>
-                              </a:rPr>
-                            </m:ctrlPr>
-                          </m:sSubPr>
-                          <m:e>
-                            <m:r>
-                              <a:rPr lang="en-US" altLang="ko-KR" sz="1600" b="0" i="1" smtClean="0">
-                                <a:latin typeface="Cambria Math" panose="02040503050406030204" pitchFamily="18" charset="0"/>
-                              </a:rPr>
-                              <m:t>h</m:t>
-                            </m:r>
-                          </m:e>
-                          <m:sub>
-                            <m:r>
-                              <a:rPr lang="en-US" altLang="ko-KR" sz="1600" b="0" i="1" smtClean="0">
-                                <a:latin typeface="Cambria Math" panose="02040503050406030204" pitchFamily="18" charset="0"/>
-                              </a:rPr>
-                              <m:t>1</m:t>
-                            </m:r>
-                          </m:sub>
-                        </m:sSub>
-                      </m:oMath>
-                    </m:oMathPara>
-                  </a14:m>
-                  <a:endParaRPr lang="ko-KR" altLang="en-US" sz="1600" dirty="0"/>
-                </a:p>
-              </p:txBody>
-            </p:sp>
-          </mc:Choice>
-          <mc:Fallback xmlns="">
-            <p:sp>
-              <p:nvSpPr>
-                <p:cNvPr id="51" name="TextBox 50">
-                  <a:extLst>
-                    <a:ext uri="{FF2B5EF4-FFF2-40B4-BE49-F238E27FC236}">
-                      <a16:creationId xmlns:a16="http://schemas.microsoft.com/office/drawing/2014/main" id="{D6236B7B-BDDE-4B5D-ACA4-9A3B247A2BED}"/>
-                    </a:ext>
-                  </a:extLst>
-                </p:cNvPr>
-                <p:cNvSpPr txBox="1">
-                  <a:spLocks noRot="1" noChangeAspect="1" noMove="1" noResize="1" noEditPoints="1" noAdjustHandles="1" noChangeArrowheads="1" noChangeShapeType="1" noTextEdit="1"/>
-                </p:cNvSpPr>
-                <p:nvPr/>
-              </p:nvSpPr>
-              <p:spPr>
-                <a:xfrm>
-                  <a:off x="3564460" y="5214680"/>
-                  <a:ext cx="276293" cy="246221"/>
-                </a:xfrm>
-                <a:prstGeom prst="rect">
-                  <a:avLst/>
-                </a:prstGeom>
-                <a:blipFill>
-                  <a:blip r:embed="rId17"/>
-                  <a:stretch>
-                    <a:fillRect l="-13333" b="-20000"/>
-                  </a:stretch>
-                </a:blipFill>
-              </p:spPr>
-              <p:txBody>
-                <a:bodyPr/>
-                <a:lstStyle/>
-                <a:p>
-                  <a:r>
-                    <a:rPr lang="ko-KR" altLang="en-US">
-                      <a:noFill/>
-                    </a:rPr>
-                    <a:t> </a:t>
-                  </a:r>
-                </a:p>
-              </p:txBody>
-            </p:sp>
-          </mc:Fallback>
-        </mc:AlternateContent>
-        <mc:AlternateContent xmlns:mc="http://schemas.openxmlformats.org/markup-compatibility/2006" xmlns:a14="http://schemas.microsoft.com/office/drawing/2010/main">
-          <mc:Choice Requires="a14">
-            <p:sp>
-              <p:nvSpPr>
-                <p:cNvPr id="28" name="TextBox 27">
-                  <a:extLst>
-                    <a:ext uri="{FF2B5EF4-FFF2-40B4-BE49-F238E27FC236}">
-                      <a16:creationId xmlns:a16="http://schemas.microsoft.com/office/drawing/2014/main" id="{673E9EAA-C0CB-4BB2-B30D-57E174645612}"/>
-                    </a:ext>
-                  </a:extLst>
-                </p:cNvPr>
-                <p:cNvSpPr txBox="1"/>
-                <p:nvPr/>
-              </p:nvSpPr>
-              <p:spPr>
-                <a:xfrm>
-                  <a:off x="3564460" y="4204810"/>
-                  <a:ext cx="281039" cy="246221"/>
-                </a:xfrm>
-                <a:prstGeom prst="rect">
-                  <a:avLst/>
-                </a:prstGeom>
-                <a:noFill/>
-              </p:spPr>
-              <p:txBody>
-                <a:bodyPr wrap="none" lIns="0" tIns="0" rIns="0" bIns="0" rtlCol="0">
-                  <a:spAutoFit/>
-                </a:bodyPr>
-                <a:lstStyle/>
-                <a:p>
-                  <a:pPr/>
-                  <a14:m>
-                    <m:oMathPara xmlns:m="http://schemas.openxmlformats.org/officeDocument/2006/math">
-                      <m:oMathParaPr>
-                        <m:jc m:val="centerGroup"/>
-                      </m:oMathParaPr>
-                      <m:oMath xmlns:m="http://schemas.openxmlformats.org/officeDocument/2006/math">
-                        <m:sSub>
-                          <m:sSubPr>
-                            <m:ctrlPr>
-                              <a:rPr lang="en-US" altLang="ko-KR" sz="1600" b="0" i="1" smtClean="0">
-                                <a:latin typeface="Cambria Math" panose="02040503050406030204" pitchFamily="18" charset="0"/>
-                              </a:rPr>
-                            </m:ctrlPr>
-                          </m:sSubPr>
-                          <m:e>
-                            <m:r>
-                              <a:rPr lang="en-US" altLang="ko-KR" sz="1600" i="1" smtClean="0">
-                                <a:latin typeface="Cambria Math" panose="02040503050406030204" pitchFamily="18" charset="0"/>
-                              </a:rPr>
-                              <m:t>h</m:t>
-                            </m:r>
-                          </m:e>
-                          <m:sub>
-                            <m:r>
-                              <a:rPr lang="en-US" altLang="ko-KR" sz="1600" b="0" i="1" smtClean="0">
-                                <a:latin typeface="Cambria Math" panose="02040503050406030204" pitchFamily="18" charset="0"/>
-                              </a:rPr>
-                              <m:t>2</m:t>
-                            </m:r>
-                          </m:sub>
-                        </m:sSub>
-                      </m:oMath>
-                    </m:oMathPara>
-                  </a14:m>
-                  <a:endParaRPr lang="ko-KR" altLang="en-US" sz="1600" dirty="0"/>
-                </a:p>
-              </p:txBody>
-            </p:sp>
-          </mc:Choice>
-          <mc:Fallback xmlns="">
-            <p:sp>
-              <p:nvSpPr>
-                <p:cNvPr id="52" name="TextBox 51">
-                  <a:extLst>
-                    <a:ext uri="{FF2B5EF4-FFF2-40B4-BE49-F238E27FC236}">
-                      <a16:creationId xmlns:a16="http://schemas.microsoft.com/office/drawing/2014/main" id="{DF6CEBC0-5B7A-4F05-BF0D-3E89A46302A7}"/>
-                    </a:ext>
-                  </a:extLst>
-                </p:cNvPr>
-                <p:cNvSpPr txBox="1">
-                  <a:spLocks noRot="1" noChangeAspect="1" noMove="1" noResize="1" noEditPoints="1" noAdjustHandles="1" noChangeArrowheads="1" noChangeShapeType="1" noTextEdit="1"/>
-                </p:cNvSpPr>
-                <p:nvPr/>
-              </p:nvSpPr>
-              <p:spPr>
-                <a:xfrm>
-                  <a:off x="3564460" y="4204810"/>
-                  <a:ext cx="281039" cy="246221"/>
-                </a:xfrm>
-                <a:prstGeom prst="rect">
-                  <a:avLst/>
-                </a:prstGeom>
-                <a:blipFill>
-                  <a:blip r:embed="rId18"/>
-                  <a:stretch>
-                    <a:fillRect l="-13043" b="-17073"/>
-                  </a:stretch>
-                </a:blipFill>
-              </p:spPr>
-              <p:txBody>
-                <a:bodyPr/>
-                <a:lstStyle/>
-                <a:p>
-                  <a:r>
-                    <a:rPr lang="ko-KR" altLang="en-US">
-                      <a:noFill/>
-                    </a:rPr>
-                    <a:t> </a:t>
-                  </a:r>
-                </a:p>
-              </p:txBody>
-            </p:sp>
-          </mc:Fallback>
-        </mc:AlternateContent>
-        <mc:AlternateContent xmlns:mc="http://schemas.openxmlformats.org/markup-compatibility/2006" xmlns:a14="http://schemas.microsoft.com/office/drawing/2010/main">
-          <mc:Choice Requires="a14">
-            <p:sp>
-              <p:nvSpPr>
-                <p:cNvPr id="29" name="TextBox 28">
-                  <a:extLst>
-                    <a:ext uri="{FF2B5EF4-FFF2-40B4-BE49-F238E27FC236}">
-                      <a16:creationId xmlns:a16="http://schemas.microsoft.com/office/drawing/2014/main" id="{8ADF1A4E-4B91-422F-9C7E-3354793386EC}"/>
-                    </a:ext>
-                  </a:extLst>
-                </p:cNvPr>
-                <p:cNvSpPr txBox="1"/>
-                <p:nvPr/>
-              </p:nvSpPr>
-              <p:spPr>
-                <a:xfrm>
-                  <a:off x="3564460" y="3460211"/>
-                  <a:ext cx="281038" cy="246221"/>
-                </a:xfrm>
-                <a:prstGeom prst="rect">
-                  <a:avLst/>
-                </a:prstGeom>
-                <a:noFill/>
-              </p:spPr>
-              <p:txBody>
-                <a:bodyPr wrap="none" lIns="0" tIns="0" rIns="0" bIns="0" rtlCol="0">
-                  <a:spAutoFit/>
-                </a:bodyPr>
-                <a:lstStyle/>
-                <a:p>
-                  <a:pPr/>
-                  <a14:m>
-                    <m:oMathPara xmlns:m="http://schemas.openxmlformats.org/officeDocument/2006/math">
-                      <m:oMathParaPr>
-                        <m:jc m:val="centerGroup"/>
-                      </m:oMathParaPr>
-                      <m:oMath xmlns:m="http://schemas.openxmlformats.org/officeDocument/2006/math">
-                        <m:sSub>
-                          <m:sSubPr>
-                            <m:ctrlPr>
-                              <a:rPr lang="en-US" altLang="ko-KR" sz="1600" i="1" smtClean="0">
-                                <a:latin typeface="Cambria Math" panose="02040503050406030204" pitchFamily="18" charset="0"/>
-                              </a:rPr>
-                            </m:ctrlPr>
-                          </m:sSubPr>
-                          <m:e>
-                            <m:r>
-                              <a:rPr lang="en-US" altLang="ko-KR" sz="1600" b="0" i="1" smtClean="0">
-                                <a:latin typeface="Cambria Math" panose="02040503050406030204" pitchFamily="18" charset="0"/>
-                              </a:rPr>
-                              <m:t>h</m:t>
-                            </m:r>
-                          </m:e>
-                          <m:sub>
-                            <m:r>
-                              <a:rPr lang="en-US" altLang="ko-KR" sz="1600" b="0" i="1" smtClean="0">
-                                <a:latin typeface="Cambria Math" panose="02040503050406030204" pitchFamily="18" charset="0"/>
-                              </a:rPr>
-                              <m:t>3</m:t>
-                            </m:r>
-                          </m:sub>
-                        </m:sSub>
-                      </m:oMath>
-                    </m:oMathPara>
-                  </a14:m>
-                  <a:endParaRPr lang="ko-KR" altLang="en-US" sz="1600" dirty="0"/>
-                </a:p>
-              </p:txBody>
-            </p:sp>
-          </mc:Choice>
-          <mc:Fallback xmlns="">
-            <p:sp>
-              <p:nvSpPr>
-                <p:cNvPr id="53" name="TextBox 52">
-                  <a:extLst>
-                    <a:ext uri="{FF2B5EF4-FFF2-40B4-BE49-F238E27FC236}">
-                      <a16:creationId xmlns:a16="http://schemas.microsoft.com/office/drawing/2014/main" id="{7A618BE0-FCE8-41E2-865C-DC7F7D813B64}"/>
-                    </a:ext>
-                  </a:extLst>
-                </p:cNvPr>
-                <p:cNvSpPr txBox="1">
-                  <a:spLocks noRot="1" noChangeAspect="1" noMove="1" noResize="1" noEditPoints="1" noAdjustHandles="1" noChangeArrowheads="1" noChangeShapeType="1" noTextEdit="1"/>
-                </p:cNvSpPr>
-                <p:nvPr/>
-              </p:nvSpPr>
-              <p:spPr>
-                <a:xfrm>
-                  <a:off x="3564460" y="3460211"/>
-                  <a:ext cx="281038" cy="246221"/>
-                </a:xfrm>
-                <a:prstGeom prst="rect">
-                  <a:avLst/>
-                </a:prstGeom>
-                <a:blipFill>
-                  <a:blip r:embed="rId19"/>
-                  <a:stretch>
-                    <a:fillRect l="-13043" b="-17073"/>
-                  </a:stretch>
-                </a:blipFill>
-              </p:spPr>
-              <p:txBody>
-                <a:bodyPr/>
-                <a:lstStyle/>
-                <a:p>
-                  <a:r>
-                    <a:rPr lang="ko-KR" altLang="en-US">
-                      <a:noFill/>
-                    </a:rPr>
-                    <a:t> </a:t>
-                  </a:r>
-                </a:p>
-              </p:txBody>
-            </p:sp>
-          </mc:Fallback>
-        </mc:AlternateContent>
-        <mc:AlternateContent xmlns:mc="http://schemas.openxmlformats.org/markup-compatibility/2006" xmlns:a14="http://schemas.microsoft.com/office/drawing/2010/main">
-          <mc:Choice Requires="a14">
-            <p:sp>
-              <p:nvSpPr>
-                <p:cNvPr id="30" name="TextBox 29">
-                  <a:extLst>
-                    <a:ext uri="{FF2B5EF4-FFF2-40B4-BE49-F238E27FC236}">
-                      <a16:creationId xmlns:a16="http://schemas.microsoft.com/office/drawing/2014/main" id="{1040B9AA-D756-49BC-A43F-2C9EC02F8000}"/>
-                    </a:ext>
-                  </a:extLst>
-                </p:cNvPr>
-                <p:cNvSpPr txBox="1"/>
-                <p:nvPr/>
-              </p:nvSpPr>
-              <p:spPr>
-                <a:xfrm>
-                  <a:off x="3564460" y="2911680"/>
-                  <a:ext cx="281038" cy="246221"/>
-                </a:xfrm>
-                <a:prstGeom prst="rect">
-                  <a:avLst/>
-                </a:prstGeom>
-                <a:noFill/>
-              </p:spPr>
-              <p:txBody>
-                <a:bodyPr wrap="none" lIns="0" tIns="0" rIns="0" bIns="0" rtlCol="0">
-                  <a:spAutoFit/>
-                </a:bodyPr>
-                <a:lstStyle/>
-                <a:p>
-                  <a:pPr/>
-                  <a14:m>
-                    <m:oMathPara xmlns:m="http://schemas.openxmlformats.org/officeDocument/2006/math">
-                      <m:oMathParaPr>
-                        <m:jc m:val="centerGroup"/>
-                      </m:oMathParaPr>
-                      <m:oMath xmlns:m="http://schemas.openxmlformats.org/officeDocument/2006/math">
-                        <m:sSub>
-                          <m:sSubPr>
-                            <m:ctrlPr>
-                              <a:rPr lang="en-US" altLang="ko-KR" sz="1600" i="1" smtClean="0">
-                                <a:latin typeface="Cambria Math" panose="02040503050406030204" pitchFamily="18" charset="0"/>
-                              </a:rPr>
-                            </m:ctrlPr>
-                          </m:sSubPr>
-                          <m:e>
-                            <m:r>
-                              <a:rPr lang="en-US" altLang="ko-KR" sz="1600" b="0" i="1" smtClean="0">
-                                <a:latin typeface="Cambria Math" panose="02040503050406030204" pitchFamily="18" charset="0"/>
-                              </a:rPr>
-                              <m:t>h</m:t>
-                            </m:r>
-                          </m:e>
-                          <m:sub>
-                            <m:r>
-                              <a:rPr lang="en-US" altLang="ko-KR" sz="1600" b="0" i="1" smtClean="0">
-                                <a:latin typeface="Cambria Math" panose="02040503050406030204" pitchFamily="18" charset="0"/>
-                              </a:rPr>
-                              <m:t>4</m:t>
-                            </m:r>
-                          </m:sub>
-                        </m:sSub>
-                      </m:oMath>
-                    </m:oMathPara>
-                  </a14:m>
-                  <a:endParaRPr lang="ko-KR" altLang="en-US" sz="1600" dirty="0"/>
-                </a:p>
-              </p:txBody>
-            </p:sp>
-          </mc:Choice>
-          <mc:Fallback xmlns="">
-            <p:sp>
-              <p:nvSpPr>
-                <p:cNvPr id="54" name="TextBox 53">
-                  <a:extLst>
-                    <a:ext uri="{FF2B5EF4-FFF2-40B4-BE49-F238E27FC236}">
-                      <a16:creationId xmlns:a16="http://schemas.microsoft.com/office/drawing/2014/main" id="{4F073A65-644D-42FC-A8B6-7CB2923444B9}"/>
-                    </a:ext>
-                  </a:extLst>
-                </p:cNvPr>
-                <p:cNvSpPr txBox="1">
-                  <a:spLocks noRot="1" noChangeAspect="1" noMove="1" noResize="1" noEditPoints="1" noAdjustHandles="1" noChangeArrowheads="1" noChangeShapeType="1" noTextEdit="1"/>
-                </p:cNvSpPr>
-                <p:nvPr/>
-              </p:nvSpPr>
-              <p:spPr>
-                <a:xfrm>
-                  <a:off x="3564460" y="2911680"/>
-                  <a:ext cx="281038" cy="246221"/>
-                </a:xfrm>
-                <a:prstGeom prst="rect">
-                  <a:avLst/>
-                </a:prstGeom>
-                <a:blipFill>
-                  <a:blip r:embed="rId20"/>
-                  <a:stretch>
-                    <a:fillRect l="-13043" b="-17073"/>
-                  </a:stretch>
-                </a:blipFill>
-              </p:spPr>
-              <p:txBody>
-                <a:bodyPr/>
-                <a:lstStyle/>
-                <a:p>
-                  <a:r>
-                    <a:rPr lang="ko-KR" altLang="en-US">
-                      <a:noFill/>
-                    </a:rPr>
-                    <a:t> </a:t>
-                  </a:r>
-                </a:p>
-              </p:txBody>
-            </p:sp>
-          </mc:Fallback>
-        </mc:AlternateContent>
-        <mc:AlternateContent xmlns:mc="http://schemas.openxmlformats.org/markup-compatibility/2006" xmlns:a14="http://schemas.microsoft.com/office/drawing/2010/main">
-          <mc:Choice Requires="a14">
-            <p:sp>
-              <p:nvSpPr>
-                <p:cNvPr id="31" name="TextBox 30">
-                  <a:extLst>
-                    <a:ext uri="{FF2B5EF4-FFF2-40B4-BE49-F238E27FC236}">
-                      <a16:creationId xmlns:a16="http://schemas.microsoft.com/office/drawing/2014/main" id="{FAC7B85A-23FE-4029-A786-0C44E215666F}"/>
-                    </a:ext>
-                  </a:extLst>
-                </p:cNvPr>
-                <p:cNvSpPr txBox="1"/>
-                <p:nvPr/>
-              </p:nvSpPr>
-              <p:spPr>
-                <a:xfrm>
-                  <a:off x="3564460" y="2316650"/>
-                  <a:ext cx="281038" cy="246221"/>
-                </a:xfrm>
-                <a:prstGeom prst="rect">
-                  <a:avLst/>
-                </a:prstGeom>
-                <a:noFill/>
-              </p:spPr>
-              <p:txBody>
-                <a:bodyPr wrap="none" lIns="0" tIns="0" rIns="0" bIns="0" rtlCol="0">
-                  <a:spAutoFit/>
-                </a:bodyPr>
-                <a:lstStyle/>
-                <a:p>
-                  <a:pPr/>
-                  <a14:m>
-                    <m:oMathPara xmlns:m="http://schemas.openxmlformats.org/officeDocument/2006/math">
-                      <m:oMathParaPr>
-                        <m:jc m:val="centerGroup"/>
-                      </m:oMathParaPr>
-                      <m:oMath xmlns:m="http://schemas.openxmlformats.org/officeDocument/2006/math">
-                        <m:sSub>
-                          <m:sSubPr>
-                            <m:ctrlPr>
-                              <a:rPr lang="en-US" altLang="ko-KR" sz="1600" i="1" smtClean="0">
-                                <a:latin typeface="Cambria Math" panose="02040503050406030204" pitchFamily="18" charset="0"/>
-                              </a:rPr>
-                            </m:ctrlPr>
-                          </m:sSubPr>
-                          <m:e>
-                            <m:r>
-                              <a:rPr lang="en-US" altLang="ko-KR" sz="1600" b="0" i="1" smtClean="0">
-                                <a:latin typeface="Cambria Math" panose="02040503050406030204" pitchFamily="18" charset="0"/>
-                              </a:rPr>
-                              <m:t>h</m:t>
-                            </m:r>
-                          </m:e>
-                          <m:sub>
-                            <m:r>
-                              <a:rPr lang="en-US" altLang="ko-KR" sz="1600" b="0" i="1" smtClean="0">
-                                <a:latin typeface="Cambria Math" panose="02040503050406030204" pitchFamily="18" charset="0"/>
-                              </a:rPr>
-                              <m:t>5</m:t>
-                            </m:r>
-                          </m:sub>
-                        </m:sSub>
-                      </m:oMath>
-                    </m:oMathPara>
-                  </a14:m>
-                  <a:endParaRPr lang="ko-KR" altLang="en-US" sz="1600" dirty="0"/>
-                </a:p>
-              </p:txBody>
-            </p:sp>
-          </mc:Choice>
-          <mc:Fallback xmlns="">
-            <p:sp>
-              <p:nvSpPr>
-                <p:cNvPr id="55" name="TextBox 54">
-                  <a:extLst>
-                    <a:ext uri="{FF2B5EF4-FFF2-40B4-BE49-F238E27FC236}">
-                      <a16:creationId xmlns:a16="http://schemas.microsoft.com/office/drawing/2014/main" id="{5EE5E239-9C5A-4F90-8409-8AF6D213684D}"/>
-                    </a:ext>
-                  </a:extLst>
-                </p:cNvPr>
-                <p:cNvSpPr txBox="1">
-                  <a:spLocks noRot="1" noChangeAspect="1" noMove="1" noResize="1" noEditPoints="1" noAdjustHandles="1" noChangeArrowheads="1" noChangeShapeType="1" noTextEdit="1"/>
-                </p:cNvSpPr>
-                <p:nvPr/>
-              </p:nvSpPr>
-              <p:spPr>
-                <a:xfrm>
-                  <a:off x="3564460" y="2316650"/>
-                  <a:ext cx="281038" cy="246221"/>
-                </a:xfrm>
-                <a:prstGeom prst="rect">
-                  <a:avLst/>
-                </a:prstGeom>
-                <a:blipFill>
-                  <a:blip r:embed="rId21"/>
-                  <a:stretch>
-                    <a:fillRect l="-13043" b="-20000"/>
-                  </a:stretch>
-                </a:blipFill>
-              </p:spPr>
-              <p:txBody>
-                <a:bodyPr/>
-                <a:lstStyle/>
-                <a:p>
-                  <a:r>
-                    <a:rPr lang="ko-KR" altLang="en-US">
-                      <a:noFill/>
-                    </a:rPr>
-                    <a:t> </a:t>
-                  </a:r>
-                </a:p>
-              </p:txBody>
-            </p:sp>
-          </mc:Fallback>
-        </mc:AlternateContent>
-        <mc:AlternateContent xmlns:mc="http://schemas.openxmlformats.org/markup-compatibility/2006" xmlns:a14="http://schemas.microsoft.com/office/drawing/2010/main">
-          <mc:Choice Requires="a14">
-            <p:sp>
-              <p:nvSpPr>
-                <p:cNvPr id="32" name="TextBox 31">
-                  <a:extLst>
-                    <a:ext uri="{FF2B5EF4-FFF2-40B4-BE49-F238E27FC236}">
-                      <a16:creationId xmlns:a16="http://schemas.microsoft.com/office/drawing/2014/main" id="{9FEFE7C1-B179-4137-AEA9-884D600FF581}"/>
-                    </a:ext>
-                  </a:extLst>
-                </p:cNvPr>
-                <p:cNvSpPr txBox="1"/>
-                <p:nvPr/>
-              </p:nvSpPr>
-              <p:spPr>
-                <a:xfrm>
-                  <a:off x="3564460" y="1924859"/>
-                  <a:ext cx="281038" cy="246221"/>
-                </a:xfrm>
-                <a:prstGeom prst="rect">
-                  <a:avLst/>
-                </a:prstGeom>
-                <a:noFill/>
-              </p:spPr>
-              <p:txBody>
-                <a:bodyPr wrap="none" lIns="0" tIns="0" rIns="0" bIns="0" rtlCol="0">
-                  <a:spAutoFit/>
-                </a:bodyPr>
-                <a:lstStyle/>
-                <a:p>
-                  <a:pPr/>
-                  <a14:m>
-                    <m:oMathPara xmlns:m="http://schemas.openxmlformats.org/officeDocument/2006/math">
-                      <m:oMathParaPr>
-                        <m:jc m:val="centerGroup"/>
-                      </m:oMathParaPr>
-                      <m:oMath xmlns:m="http://schemas.openxmlformats.org/officeDocument/2006/math">
-                        <m:sSub>
-                          <m:sSubPr>
-                            <m:ctrlPr>
-                              <a:rPr lang="en-US" altLang="ko-KR" sz="1600" i="1" smtClean="0">
-                                <a:latin typeface="Cambria Math" panose="02040503050406030204" pitchFamily="18" charset="0"/>
-                              </a:rPr>
-                            </m:ctrlPr>
-                          </m:sSubPr>
-                          <m:e>
-                            <m:r>
-                              <a:rPr lang="en-US" altLang="ko-KR" sz="1600" b="0" i="1" smtClean="0">
-                                <a:latin typeface="Cambria Math" panose="02040503050406030204" pitchFamily="18" charset="0"/>
-                              </a:rPr>
-                              <m:t>h</m:t>
-                            </m:r>
-                          </m:e>
-                          <m:sub>
-                            <m:r>
-                              <a:rPr lang="en-US" altLang="ko-KR" sz="1600" b="0" i="1" smtClean="0">
-                                <a:latin typeface="Cambria Math" panose="02040503050406030204" pitchFamily="18" charset="0"/>
-                              </a:rPr>
-                              <m:t>6</m:t>
-                            </m:r>
-                          </m:sub>
-                        </m:sSub>
-                      </m:oMath>
-                    </m:oMathPara>
-                  </a14:m>
-                  <a:endParaRPr lang="ko-KR" altLang="en-US" sz="1600" dirty="0"/>
-                </a:p>
-              </p:txBody>
-            </p:sp>
-          </mc:Choice>
-          <mc:Fallback xmlns="">
-            <p:sp>
-              <p:nvSpPr>
-                <p:cNvPr id="56" name="TextBox 55">
-                  <a:extLst>
-                    <a:ext uri="{FF2B5EF4-FFF2-40B4-BE49-F238E27FC236}">
-                      <a16:creationId xmlns:a16="http://schemas.microsoft.com/office/drawing/2014/main" id="{D5658861-4395-4CE2-98A8-4DC4BB9DDEF7}"/>
-                    </a:ext>
-                  </a:extLst>
-                </p:cNvPr>
-                <p:cNvSpPr txBox="1">
-                  <a:spLocks noRot="1" noChangeAspect="1" noMove="1" noResize="1" noEditPoints="1" noAdjustHandles="1" noChangeArrowheads="1" noChangeShapeType="1" noTextEdit="1"/>
-                </p:cNvSpPr>
-                <p:nvPr/>
-              </p:nvSpPr>
-              <p:spPr>
-                <a:xfrm>
-                  <a:off x="3564460" y="1924859"/>
-                  <a:ext cx="281038" cy="246221"/>
-                </a:xfrm>
-                <a:prstGeom prst="rect">
-                  <a:avLst/>
-                </a:prstGeom>
-                <a:blipFill>
-                  <a:blip r:embed="rId22"/>
-                  <a:stretch>
-                    <a:fillRect l="-13043" b="-17073"/>
-                  </a:stretch>
-                </a:blipFill>
-              </p:spPr>
-              <p:txBody>
-                <a:bodyPr/>
-                <a:lstStyle/>
-                <a:p>
-                  <a:r>
-                    <a:rPr lang="ko-KR" altLang="en-US">
-                      <a:noFill/>
-                    </a:rPr>
-                    <a:t> </a:t>
-                  </a:r>
-                </a:p>
-              </p:txBody>
-            </p:sp>
-          </mc:Fallback>
-        </mc:AlternateContent>
-        <mc:AlternateContent xmlns:mc="http://schemas.openxmlformats.org/markup-compatibility/2006" xmlns:a14="http://schemas.microsoft.com/office/drawing/2010/main">
-          <mc:Choice Requires="a14">
-            <p:sp>
-              <p:nvSpPr>
-                <p:cNvPr id="33" name="TextBox 32">
-                  <a:extLst>
-                    <a:ext uri="{FF2B5EF4-FFF2-40B4-BE49-F238E27FC236}">
-                      <a16:creationId xmlns:a16="http://schemas.microsoft.com/office/drawing/2014/main" id="{120B6A83-9876-4F55-9258-8021676B76FD}"/>
-                    </a:ext>
-                  </a:extLst>
-                </p:cNvPr>
-                <p:cNvSpPr txBox="1"/>
-                <p:nvPr/>
-              </p:nvSpPr>
-              <p:spPr>
-                <a:xfrm>
-                  <a:off x="3564460" y="1557829"/>
-                  <a:ext cx="281038" cy="246221"/>
-                </a:xfrm>
-                <a:prstGeom prst="rect">
-                  <a:avLst/>
-                </a:prstGeom>
-                <a:noFill/>
-              </p:spPr>
-              <p:txBody>
-                <a:bodyPr wrap="none" lIns="0" tIns="0" rIns="0" bIns="0" rtlCol="0">
-                  <a:spAutoFit/>
-                </a:bodyPr>
-                <a:lstStyle/>
-                <a:p>
-                  <a:pPr/>
-                  <a14:m>
-                    <m:oMathPara xmlns:m="http://schemas.openxmlformats.org/officeDocument/2006/math">
-                      <m:oMathParaPr>
-                        <m:jc m:val="centerGroup"/>
-                      </m:oMathParaPr>
-                      <m:oMath xmlns:m="http://schemas.openxmlformats.org/officeDocument/2006/math">
-                        <m:sSub>
-                          <m:sSubPr>
-                            <m:ctrlPr>
-                              <a:rPr lang="en-US" altLang="ko-KR" sz="1600" i="1" smtClean="0">
-                                <a:latin typeface="Cambria Math" panose="02040503050406030204" pitchFamily="18" charset="0"/>
-                              </a:rPr>
-                            </m:ctrlPr>
-                          </m:sSubPr>
-                          <m:e>
-                            <m:r>
-                              <a:rPr lang="en-US" altLang="ko-KR" sz="1600" b="0" i="1" smtClean="0">
-                                <a:latin typeface="Cambria Math" panose="02040503050406030204" pitchFamily="18" charset="0"/>
-                              </a:rPr>
-                              <m:t>h</m:t>
-                            </m:r>
-                          </m:e>
-                          <m:sub>
-                            <m:r>
-                              <a:rPr lang="en-US" altLang="ko-KR" sz="1600" b="0" i="1" smtClean="0">
-                                <a:latin typeface="Cambria Math" panose="02040503050406030204" pitchFamily="18" charset="0"/>
-                              </a:rPr>
-                              <m:t>7</m:t>
-                            </m:r>
-                          </m:sub>
-                        </m:sSub>
-                      </m:oMath>
-                    </m:oMathPara>
-                  </a14:m>
-                  <a:endParaRPr lang="ko-KR" altLang="en-US" sz="1600" dirty="0"/>
-                </a:p>
-              </p:txBody>
-            </p:sp>
-          </mc:Choice>
-          <mc:Fallback xmlns="">
-            <p:sp>
-              <p:nvSpPr>
-                <p:cNvPr id="57" name="TextBox 56">
-                  <a:extLst>
-                    <a:ext uri="{FF2B5EF4-FFF2-40B4-BE49-F238E27FC236}">
-                      <a16:creationId xmlns:a16="http://schemas.microsoft.com/office/drawing/2014/main" id="{1EA42C4A-60F9-466A-BA21-195D937A3678}"/>
-                    </a:ext>
-                  </a:extLst>
-                </p:cNvPr>
-                <p:cNvSpPr txBox="1">
-                  <a:spLocks noRot="1" noChangeAspect="1" noMove="1" noResize="1" noEditPoints="1" noAdjustHandles="1" noChangeArrowheads="1" noChangeShapeType="1" noTextEdit="1"/>
-                </p:cNvSpPr>
-                <p:nvPr/>
-              </p:nvSpPr>
-              <p:spPr>
-                <a:xfrm>
-                  <a:off x="3564460" y="1557829"/>
-                  <a:ext cx="281038" cy="246221"/>
-                </a:xfrm>
-                <a:prstGeom prst="rect">
-                  <a:avLst/>
-                </a:prstGeom>
-                <a:blipFill>
-                  <a:blip r:embed="rId23"/>
-                  <a:stretch>
-                    <a:fillRect l="-13043" b="-17073"/>
-                  </a:stretch>
-                </a:blipFill>
-              </p:spPr>
-              <p:txBody>
-                <a:bodyPr/>
-                <a:lstStyle/>
-                <a:p>
-                  <a:r>
-                    <a:rPr lang="ko-KR" altLang="en-US">
-                      <a:noFill/>
-                    </a:rPr>
-                    <a:t> </a:t>
-                  </a:r>
-                </a:p>
-              </p:txBody>
-            </p:sp>
-          </mc:Fallback>
-        </mc:AlternateContent>
-        <p:cxnSp>
-          <p:nvCxnSpPr>
-            <p:cNvPr id="34" name="직선 연결선 33">
-              <a:extLst>
-                <a:ext uri="{FF2B5EF4-FFF2-40B4-BE49-F238E27FC236}">
-                  <a16:creationId xmlns:a16="http://schemas.microsoft.com/office/drawing/2014/main" id="{8EB5AAC3-D7BC-4140-A915-EC33AEBC38BD}"/>
-                </a:ext>
-              </a:extLst>
-            </p:cNvPr>
-            <p:cNvCxnSpPr>
-              <a:cxnSpLocks/>
-            </p:cNvCxnSpPr>
-            <p:nvPr/>
-          </p:nvCxnSpPr>
-          <p:spPr>
-            <a:xfrm flipV="1">
-              <a:off x="2812302" y="4490809"/>
-              <a:ext cx="0" cy="1190199"/>
-            </a:xfrm>
-            <a:prstGeom prst="line">
-              <a:avLst/>
-            </a:prstGeom>
-            <a:ln w="38100">
-              <a:solidFill>
-                <a:srgbClr val="00B0F0"/>
-              </a:solidFill>
-              <a:prstDash val="sysDot"/>
-            </a:ln>
-          </p:spPr>
-          <p:style>
-            <a:lnRef idx="1">
-              <a:schemeClr val="accent1"/>
-            </a:lnRef>
-            <a:fillRef idx="0">
-              <a:schemeClr val="accent1"/>
-            </a:fillRef>
-            <a:effectRef idx="0">
-              <a:schemeClr val="accent1"/>
-            </a:effectRef>
-            <a:fontRef idx="minor">
-              <a:schemeClr val="tx1"/>
-            </a:fontRef>
-          </p:style>
-        </p:cxnSp>
-        <p:cxnSp>
-          <p:nvCxnSpPr>
-            <p:cNvPr id="35" name="직선 연결선 34">
-              <a:extLst>
-                <a:ext uri="{FF2B5EF4-FFF2-40B4-BE49-F238E27FC236}">
-                  <a16:creationId xmlns:a16="http://schemas.microsoft.com/office/drawing/2014/main" id="{F69174BD-5F5A-42FA-862B-234FF9BD062A}"/>
-                </a:ext>
-              </a:extLst>
-            </p:cNvPr>
-            <p:cNvCxnSpPr>
-              <a:cxnSpLocks/>
-            </p:cNvCxnSpPr>
-            <p:nvPr/>
-          </p:nvCxnSpPr>
-          <p:spPr>
-            <a:xfrm flipV="1">
-              <a:off x="2174127" y="3473037"/>
-              <a:ext cx="0" cy="977994"/>
-            </a:xfrm>
-            <a:prstGeom prst="line">
-              <a:avLst/>
-            </a:prstGeom>
-            <a:ln w="38100">
-              <a:solidFill>
-                <a:srgbClr val="00B0F0"/>
-              </a:solidFill>
-              <a:prstDash val="sysDot"/>
-            </a:ln>
-          </p:spPr>
-          <p:style>
-            <a:lnRef idx="1">
-              <a:schemeClr val="accent1"/>
-            </a:lnRef>
-            <a:fillRef idx="0">
-              <a:schemeClr val="accent1"/>
-            </a:fillRef>
-            <a:effectRef idx="0">
-              <a:schemeClr val="accent1"/>
-            </a:effectRef>
-            <a:fontRef idx="minor">
-              <a:schemeClr val="tx1"/>
-            </a:fontRef>
-          </p:style>
-        </p:cxnSp>
-        <p:cxnSp>
-          <p:nvCxnSpPr>
-            <p:cNvPr id="36" name="직선 연결선 35">
-              <a:extLst>
-                <a:ext uri="{FF2B5EF4-FFF2-40B4-BE49-F238E27FC236}">
-                  <a16:creationId xmlns:a16="http://schemas.microsoft.com/office/drawing/2014/main" id="{A34B44AD-DC1F-4CA9-948D-7B713E91E31E}"/>
-                </a:ext>
-              </a:extLst>
-            </p:cNvPr>
-            <p:cNvCxnSpPr>
-              <a:cxnSpLocks/>
-            </p:cNvCxnSpPr>
-            <p:nvPr/>
-          </p:nvCxnSpPr>
-          <p:spPr>
-            <a:xfrm flipV="1">
-              <a:off x="2802777" y="2603614"/>
-              <a:ext cx="4762" cy="1358421"/>
-            </a:xfrm>
-            <a:prstGeom prst="line">
-              <a:avLst/>
-            </a:prstGeom>
-            <a:ln w="38100">
-              <a:solidFill>
-                <a:srgbClr val="00B0F0"/>
-              </a:solidFill>
-              <a:prstDash val="sysDot"/>
-            </a:ln>
-          </p:spPr>
-          <p:style>
-            <a:lnRef idx="1">
-              <a:schemeClr val="accent1"/>
-            </a:lnRef>
-            <a:fillRef idx="0">
-              <a:schemeClr val="accent1"/>
-            </a:fillRef>
-            <a:effectRef idx="0">
-              <a:schemeClr val="accent1"/>
-            </a:effectRef>
-            <a:fontRef idx="minor">
-              <a:schemeClr val="tx1"/>
-            </a:fontRef>
-          </p:style>
-        </p:cxnSp>
-        <p:cxnSp>
-          <p:nvCxnSpPr>
-            <p:cNvPr id="37" name="직선 연결선 36">
-              <a:extLst>
-                <a:ext uri="{FF2B5EF4-FFF2-40B4-BE49-F238E27FC236}">
-                  <a16:creationId xmlns:a16="http://schemas.microsoft.com/office/drawing/2014/main" id="{12BBDFC8-1693-4071-8CF0-FA32D8AB7C74}"/>
-                </a:ext>
-              </a:extLst>
-            </p:cNvPr>
-            <p:cNvCxnSpPr>
-              <a:cxnSpLocks/>
-            </p:cNvCxnSpPr>
-            <p:nvPr/>
-          </p:nvCxnSpPr>
-          <p:spPr>
-            <a:xfrm flipV="1">
-              <a:off x="2193545" y="1764520"/>
-              <a:ext cx="0" cy="963090"/>
-            </a:xfrm>
-            <a:prstGeom prst="line">
-              <a:avLst/>
-            </a:prstGeom>
-            <a:ln w="38100">
-              <a:solidFill>
-                <a:srgbClr val="00B0F0"/>
-              </a:solidFill>
-              <a:prstDash val="sysDot"/>
-            </a:ln>
-          </p:spPr>
-          <p:style>
-            <a:lnRef idx="1">
-              <a:schemeClr val="accent1"/>
-            </a:lnRef>
-            <a:fillRef idx="0">
-              <a:schemeClr val="accent1"/>
-            </a:fillRef>
-            <a:effectRef idx="0">
-              <a:schemeClr val="accent1"/>
-            </a:effectRef>
-            <a:fontRef idx="minor">
-              <a:schemeClr val="tx1"/>
-            </a:fontRef>
-          </p:style>
-        </p:cxnSp>
-        <p:cxnSp>
-          <p:nvCxnSpPr>
-            <p:cNvPr id="38" name="직선 연결선 37">
-              <a:extLst>
-                <a:ext uri="{FF2B5EF4-FFF2-40B4-BE49-F238E27FC236}">
-                  <a16:creationId xmlns:a16="http://schemas.microsoft.com/office/drawing/2014/main" id="{95694BCE-D1C0-4473-B95D-DF2D60A017D9}"/>
-                </a:ext>
-              </a:extLst>
-            </p:cNvPr>
-            <p:cNvCxnSpPr>
-              <a:cxnSpLocks/>
-            </p:cNvCxnSpPr>
-            <p:nvPr/>
-          </p:nvCxnSpPr>
-          <p:spPr>
-            <a:xfrm flipV="1">
-              <a:off x="2450352" y="4490809"/>
-              <a:ext cx="0" cy="846982"/>
-            </a:xfrm>
-            <a:prstGeom prst="line">
-              <a:avLst/>
-            </a:prstGeom>
-            <a:ln w="38100">
-              <a:solidFill>
-                <a:srgbClr val="00B0F0"/>
-              </a:solidFill>
-              <a:prstDash val="sysDot"/>
-            </a:ln>
-          </p:spPr>
-          <p:style>
-            <a:lnRef idx="1">
-              <a:schemeClr val="accent1"/>
-            </a:lnRef>
-            <a:fillRef idx="0">
-              <a:schemeClr val="accent1"/>
-            </a:fillRef>
-            <a:effectRef idx="0">
-              <a:schemeClr val="accent1"/>
-            </a:effectRef>
-            <a:fontRef idx="minor">
-              <a:schemeClr val="tx1"/>
-            </a:fontRef>
-          </p:style>
-        </p:cxnSp>
-        <p:cxnSp>
-          <p:nvCxnSpPr>
-            <p:cNvPr id="39" name="직선 연결선 38">
-              <a:extLst>
-                <a:ext uri="{FF2B5EF4-FFF2-40B4-BE49-F238E27FC236}">
-                  <a16:creationId xmlns:a16="http://schemas.microsoft.com/office/drawing/2014/main" id="{E3858634-FCE1-4FAE-A6E4-5DE9DA912337}"/>
-                </a:ext>
-              </a:extLst>
-            </p:cNvPr>
-            <p:cNvCxnSpPr>
-              <a:cxnSpLocks/>
-            </p:cNvCxnSpPr>
-            <p:nvPr/>
-          </p:nvCxnSpPr>
-          <p:spPr>
-            <a:xfrm flipV="1">
-              <a:off x="2555118" y="3429000"/>
-              <a:ext cx="2492" cy="533035"/>
-            </a:xfrm>
-            <a:prstGeom prst="line">
-              <a:avLst/>
-            </a:prstGeom>
-            <a:ln w="38100">
-              <a:solidFill>
-                <a:srgbClr val="00B0F0"/>
-              </a:solidFill>
-              <a:prstDash val="sysDot"/>
-            </a:ln>
-          </p:spPr>
-          <p:style>
-            <a:lnRef idx="1">
-              <a:schemeClr val="accent1"/>
-            </a:lnRef>
-            <a:fillRef idx="0">
-              <a:schemeClr val="accent1"/>
-            </a:fillRef>
-            <a:effectRef idx="0">
-              <a:schemeClr val="accent1"/>
-            </a:effectRef>
-            <a:fontRef idx="minor">
-              <a:schemeClr val="tx1"/>
-            </a:fontRef>
-          </p:style>
-        </p:cxnSp>
-        <p:cxnSp>
-          <p:nvCxnSpPr>
-            <p:cNvPr id="40" name="직선 연결선 39">
-              <a:extLst>
-                <a:ext uri="{FF2B5EF4-FFF2-40B4-BE49-F238E27FC236}">
-                  <a16:creationId xmlns:a16="http://schemas.microsoft.com/office/drawing/2014/main" id="{2799DF3D-CBEE-41AE-A6AF-C66F9BF79CF0}"/>
-                </a:ext>
-              </a:extLst>
-            </p:cNvPr>
-            <p:cNvCxnSpPr>
-              <a:cxnSpLocks/>
-            </p:cNvCxnSpPr>
-            <p:nvPr/>
-          </p:nvCxnSpPr>
-          <p:spPr>
-            <a:xfrm flipV="1">
-              <a:off x="2389054" y="2242689"/>
-              <a:ext cx="0" cy="484921"/>
-            </a:xfrm>
-            <a:prstGeom prst="line">
-              <a:avLst/>
-            </a:prstGeom>
-            <a:ln w="38100">
-              <a:solidFill>
-                <a:srgbClr val="00B0F0"/>
-              </a:solidFill>
-              <a:prstDash val="sysDot"/>
-            </a:ln>
-          </p:spPr>
-          <p:style>
-            <a:lnRef idx="1">
-              <a:schemeClr val="accent1"/>
-            </a:lnRef>
-            <a:fillRef idx="0">
-              <a:schemeClr val="accent1"/>
-            </a:fillRef>
-            <a:effectRef idx="0">
-              <a:schemeClr val="accent1"/>
-            </a:effectRef>
-            <a:fontRef idx="minor">
-              <a:schemeClr val="tx1"/>
-            </a:fontRef>
-          </p:style>
-        </p:cxnSp>
-        <p:cxnSp>
-          <p:nvCxnSpPr>
-            <p:cNvPr id="41" name="직선 연결선 40">
-              <a:extLst>
-                <a:ext uri="{FF2B5EF4-FFF2-40B4-BE49-F238E27FC236}">
-                  <a16:creationId xmlns:a16="http://schemas.microsoft.com/office/drawing/2014/main" id="{06D32AC6-A984-40B6-8DF0-4B40D29B7B62}"/>
-                </a:ext>
-              </a:extLst>
-            </p:cNvPr>
-            <p:cNvCxnSpPr>
-              <a:cxnSpLocks/>
-            </p:cNvCxnSpPr>
-            <p:nvPr/>
-          </p:nvCxnSpPr>
-          <p:spPr>
-            <a:xfrm>
-              <a:off x="2450352" y="4473884"/>
-              <a:ext cx="388098" cy="16925"/>
-            </a:xfrm>
-            <a:prstGeom prst="line">
-              <a:avLst/>
-            </a:prstGeom>
-            <a:ln w="19050">
-              <a:solidFill>
-                <a:srgbClr val="00B0F0"/>
-              </a:solidFill>
-              <a:headEnd type="arrow" w="med" len="med"/>
-              <a:tailEnd type="arrow" w="med" len="med"/>
-            </a:ln>
-          </p:spPr>
-          <p:style>
-            <a:lnRef idx="1">
-              <a:schemeClr val="accent1"/>
-            </a:lnRef>
-            <a:fillRef idx="0">
-              <a:schemeClr val="accent1"/>
-            </a:fillRef>
-            <a:effectRef idx="0">
-              <a:schemeClr val="accent1"/>
-            </a:effectRef>
-            <a:fontRef idx="minor">
-              <a:schemeClr val="tx1"/>
-            </a:fontRef>
-          </p:style>
-        </p:cxnSp>
-        <p:cxnSp>
-          <p:nvCxnSpPr>
-            <p:cNvPr id="42" name="직선 연결선 41">
-              <a:extLst>
-                <a:ext uri="{FF2B5EF4-FFF2-40B4-BE49-F238E27FC236}">
-                  <a16:creationId xmlns:a16="http://schemas.microsoft.com/office/drawing/2014/main" id="{099E3E52-09DB-473E-AE76-9ED69D3F72C5}"/>
-                </a:ext>
-              </a:extLst>
-            </p:cNvPr>
-            <p:cNvCxnSpPr>
-              <a:cxnSpLocks/>
-            </p:cNvCxnSpPr>
-            <p:nvPr/>
-          </p:nvCxnSpPr>
-          <p:spPr>
-            <a:xfrm>
-              <a:off x="2174127" y="4473156"/>
-              <a:ext cx="276225" cy="12046"/>
-            </a:xfrm>
-            <a:prstGeom prst="line">
-              <a:avLst/>
-            </a:prstGeom>
-            <a:ln w="19050">
-              <a:solidFill>
-                <a:srgbClr val="00B0F0"/>
-              </a:solidFill>
-              <a:headEnd type="arrow" w="med" len="med"/>
-              <a:tailEnd type="arrow" w="med" len="med"/>
-            </a:ln>
-          </p:spPr>
-          <p:style>
-            <a:lnRef idx="1">
-              <a:schemeClr val="accent1"/>
-            </a:lnRef>
-            <a:fillRef idx="0">
-              <a:schemeClr val="accent1"/>
-            </a:fillRef>
-            <a:effectRef idx="0">
-              <a:schemeClr val="accent1"/>
-            </a:effectRef>
-            <a:fontRef idx="minor">
-              <a:schemeClr val="tx1"/>
-            </a:fontRef>
-          </p:style>
-        </p:cxnSp>
-        <p:cxnSp>
-          <p:nvCxnSpPr>
-            <p:cNvPr id="43" name="직선 연결선 42">
-              <a:extLst>
-                <a:ext uri="{FF2B5EF4-FFF2-40B4-BE49-F238E27FC236}">
-                  <a16:creationId xmlns:a16="http://schemas.microsoft.com/office/drawing/2014/main" id="{088583C4-1B35-4796-B013-190931D5690C}"/>
-                </a:ext>
-              </a:extLst>
-            </p:cNvPr>
-            <p:cNvCxnSpPr>
-              <a:cxnSpLocks/>
-            </p:cNvCxnSpPr>
-            <p:nvPr/>
-          </p:nvCxnSpPr>
-          <p:spPr>
-            <a:xfrm>
-              <a:off x="2193178" y="3941974"/>
-              <a:ext cx="355973" cy="15524"/>
-            </a:xfrm>
-            <a:prstGeom prst="line">
-              <a:avLst/>
-            </a:prstGeom>
-            <a:ln w="19050">
-              <a:solidFill>
-                <a:srgbClr val="00B0F0"/>
-              </a:solidFill>
-              <a:headEnd type="arrow" w="med" len="med"/>
-              <a:tailEnd type="arrow" w="med" len="med"/>
-            </a:ln>
-          </p:spPr>
-          <p:style>
-            <a:lnRef idx="1">
-              <a:schemeClr val="accent1"/>
-            </a:lnRef>
-            <a:fillRef idx="0">
-              <a:schemeClr val="accent1"/>
-            </a:fillRef>
-            <a:effectRef idx="0">
-              <a:schemeClr val="accent1"/>
-            </a:effectRef>
-            <a:fontRef idx="minor">
-              <a:schemeClr val="tx1"/>
-            </a:fontRef>
-          </p:style>
-        </p:cxnSp>
-        <p:cxnSp>
-          <p:nvCxnSpPr>
-            <p:cNvPr id="44" name="직선 연결선 43">
-              <a:extLst>
-                <a:ext uri="{FF2B5EF4-FFF2-40B4-BE49-F238E27FC236}">
-                  <a16:creationId xmlns:a16="http://schemas.microsoft.com/office/drawing/2014/main" id="{0D7C71A7-8C32-4304-B598-B8748DAC1DFC}"/>
-                </a:ext>
-              </a:extLst>
-            </p:cNvPr>
-            <p:cNvCxnSpPr>
-              <a:cxnSpLocks/>
-            </p:cNvCxnSpPr>
-            <p:nvPr/>
-          </p:nvCxnSpPr>
-          <p:spPr>
-            <a:xfrm>
-              <a:off x="2545711" y="3961024"/>
-              <a:ext cx="292739" cy="12766"/>
-            </a:xfrm>
-            <a:prstGeom prst="line">
-              <a:avLst/>
-            </a:prstGeom>
-            <a:ln w="19050">
-              <a:solidFill>
-                <a:srgbClr val="00B0F0"/>
-              </a:solidFill>
-              <a:headEnd type="arrow" w="med" len="med"/>
-              <a:tailEnd type="arrow" w="med" len="med"/>
-            </a:ln>
-          </p:spPr>
-          <p:style>
-            <a:lnRef idx="1">
-              <a:schemeClr val="accent1"/>
-            </a:lnRef>
-            <a:fillRef idx="0">
-              <a:schemeClr val="accent1"/>
-            </a:fillRef>
-            <a:effectRef idx="0">
-              <a:schemeClr val="accent1"/>
-            </a:effectRef>
-            <a:fontRef idx="minor">
-              <a:schemeClr val="tx1"/>
-            </a:fontRef>
-          </p:style>
-        </p:cxnSp>
-        <p:cxnSp>
-          <p:nvCxnSpPr>
-            <p:cNvPr id="45" name="직선 연결선 44">
-              <a:extLst>
-                <a:ext uri="{FF2B5EF4-FFF2-40B4-BE49-F238E27FC236}">
-                  <a16:creationId xmlns:a16="http://schemas.microsoft.com/office/drawing/2014/main" id="{816303FE-0A32-49A7-83AF-A8B6E923276F}"/>
-                </a:ext>
-              </a:extLst>
-            </p:cNvPr>
-            <p:cNvCxnSpPr>
-              <a:cxnSpLocks/>
-            </p:cNvCxnSpPr>
-            <p:nvPr/>
-          </p:nvCxnSpPr>
-          <p:spPr>
-            <a:xfrm>
-              <a:off x="2394524" y="2712433"/>
-              <a:ext cx="452337" cy="19726"/>
-            </a:xfrm>
-            <a:prstGeom prst="line">
-              <a:avLst/>
-            </a:prstGeom>
-            <a:ln w="19050">
-              <a:solidFill>
-                <a:srgbClr val="00B0F0"/>
-              </a:solidFill>
-              <a:headEnd type="arrow" w="med" len="med"/>
-              <a:tailEnd type="arrow" w="med" len="med"/>
-            </a:ln>
-          </p:spPr>
-          <p:style>
-            <a:lnRef idx="1">
-              <a:schemeClr val="accent1"/>
-            </a:lnRef>
-            <a:fillRef idx="0">
-              <a:schemeClr val="accent1"/>
-            </a:fillRef>
-            <a:effectRef idx="0">
-              <a:schemeClr val="accent1"/>
-            </a:effectRef>
-            <a:fontRef idx="minor">
-              <a:schemeClr val="tx1"/>
-            </a:fontRef>
-          </p:style>
-        </p:cxnSp>
-        <p:cxnSp>
-          <p:nvCxnSpPr>
-            <p:cNvPr id="46" name="직선 연결선 45">
-              <a:extLst>
-                <a:ext uri="{FF2B5EF4-FFF2-40B4-BE49-F238E27FC236}">
-                  <a16:creationId xmlns:a16="http://schemas.microsoft.com/office/drawing/2014/main" id="{F325E9A4-18ED-43B8-9B81-CCFCC276C81E}"/>
-                </a:ext>
-              </a:extLst>
-            </p:cNvPr>
-            <p:cNvCxnSpPr>
-              <a:cxnSpLocks/>
-            </p:cNvCxnSpPr>
-            <p:nvPr/>
-          </p:nvCxnSpPr>
-          <p:spPr>
-            <a:xfrm>
-              <a:off x="2153996" y="2691668"/>
-              <a:ext cx="265490" cy="11578"/>
-            </a:xfrm>
-            <a:prstGeom prst="line">
-              <a:avLst/>
-            </a:prstGeom>
-            <a:ln w="19050">
-              <a:solidFill>
-                <a:srgbClr val="00B0F0"/>
-              </a:solidFill>
-              <a:headEnd type="arrow" w="med" len="med"/>
-              <a:tailEnd type="arrow" w="med" len="med"/>
-            </a:ln>
-          </p:spPr>
-          <p:style>
-            <a:lnRef idx="1">
-              <a:schemeClr val="accent1"/>
-            </a:lnRef>
-            <a:fillRef idx="0">
-              <a:schemeClr val="accent1"/>
-            </a:fillRef>
-            <a:effectRef idx="0">
-              <a:schemeClr val="accent1"/>
-            </a:effectRef>
-            <a:fontRef idx="minor">
-              <a:schemeClr val="tx1"/>
-            </a:fontRef>
-          </p:style>
-        </p:cxnSp>
-        <mc:AlternateContent xmlns:mc="http://schemas.openxmlformats.org/markup-compatibility/2006" xmlns:a14="http://schemas.microsoft.com/office/drawing/2010/main">
-          <mc:Choice Requires="a14">
-            <p:sp>
-              <p:nvSpPr>
-                <p:cNvPr id="47" name="TextBox 46">
-                  <a:extLst>
-                    <a:ext uri="{FF2B5EF4-FFF2-40B4-BE49-F238E27FC236}">
-                      <a16:creationId xmlns:a16="http://schemas.microsoft.com/office/drawing/2014/main" id="{F23FB819-4975-49AD-A646-38B2A130DD10}"/>
-                    </a:ext>
-                  </a:extLst>
-                </p:cNvPr>
-                <p:cNvSpPr txBox="1"/>
-                <p:nvPr/>
-              </p:nvSpPr>
-              <p:spPr>
-                <a:xfrm>
-                  <a:off x="2498359" y="4507734"/>
-                  <a:ext cx="307968" cy="246221"/>
-                </a:xfrm>
-                <a:prstGeom prst="rect">
-                  <a:avLst/>
-                </a:prstGeom>
-                <a:noFill/>
-              </p:spPr>
-              <p:txBody>
-                <a:bodyPr wrap="none" lIns="0" tIns="0" rIns="0" bIns="0" rtlCol="0">
-                  <a:spAutoFit/>
-                </a:bodyPr>
-                <a:lstStyle/>
-                <a:p>
-                  <a:pPr/>
-                  <a14:m>
-                    <m:oMathPara xmlns:m="http://schemas.openxmlformats.org/officeDocument/2006/math">
-                      <m:oMathParaPr>
-                        <m:jc m:val="centerGroup"/>
-                      </m:oMathParaPr>
-                      <m:oMath xmlns:m="http://schemas.openxmlformats.org/officeDocument/2006/math">
-                        <m:sSub>
-                          <m:sSubPr>
-                            <m:ctrlPr>
-                              <a:rPr lang="en-US" altLang="ko-KR" sz="1600" i="1" smtClean="0">
-                                <a:latin typeface="Cambria Math" panose="02040503050406030204" pitchFamily="18" charset="0"/>
-                              </a:rPr>
-                            </m:ctrlPr>
-                          </m:sSubPr>
-                          <m:e>
-                            <m:r>
-                              <a:rPr lang="en-US" altLang="ko-KR" sz="1600" b="0" i="1" smtClean="0">
-                                <a:latin typeface="Cambria Math" panose="02040503050406030204" pitchFamily="18" charset="0"/>
-                              </a:rPr>
-                              <m:t>𝑤</m:t>
-                            </m:r>
-                          </m:e>
-                          <m:sub>
-                            <m:r>
-                              <a:rPr lang="en-US" altLang="ko-KR" sz="1600" b="0" i="1" smtClean="0">
-                                <a:latin typeface="Cambria Math" panose="02040503050406030204" pitchFamily="18" charset="0"/>
-                              </a:rPr>
-                              <m:t>1</m:t>
-                            </m:r>
-                          </m:sub>
-                        </m:sSub>
-                      </m:oMath>
-                    </m:oMathPara>
-                  </a14:m>
-                  <a:endParaRPr lang="ko-KR" altLang="en-US" sz="1600" dirty="0"/>
-                </a:p>
-              </p:txBody>
-            </p:sp>
-          </mc:Choice>
-          <mc:Fallback xmlns="">
-            <p:sp>
-              <p:nvSpPr>
-                <p:cNvPr id="98" name="TextBox 97">
-                  <a:extLst>
-                    <a:ext uri="{FF2B5EF4-FFF2-40B4-BE49-F238E27FC236}">
-                      <a16:creationId xmlns:a16="http://schemas.microsoft.com/office/drawing/2014/main" id="{E0D938DE-36D8-4E2E-BF3B-2A44ADF34897}"/>
-                    </a:ext>
-                  </a:extLst>
-                </p:cNvPr>
-                <p:cNvSpPr txBox="1">
-                  <a:spLocks noRot="1" noChangeAspect="1" noMove="1" noResize="1" noEditPoints="1" noAdjustHandles="1" noChangeArrowheads="1" noChangeShapeType="1" noTextEdit="1"/>
-                </p:cNvSpPr>
-                <p:nvPr/>
-              </p:nvSpPr>
-              <p:spPr>
-                <a:xfrm>
-                  <a:off x="2498359" y="4507734"/>
-                  <a:ext cx="307968" cy="246221"/>
-                </a:xfrm>
-                <a:prstGeom prst="rect">
-                  <a:avLst/>
-                </a:prstGeom>
-                <a:blipFill>
-                  <a:blip r:embed="rId24"/>
-                  <a:stretch>
-                    <a:fillRect l="-6000" b="-20000"/>
-                  </a:stretch>
-                </a:blipFill>
-              </p:spPr>
-              <p:txBody>
-                <a:bodyPr/>
-                <a:lstStyle/>
-                <a:p>
-                  <a:r>
-                    <a:rPr lang="ko-KR" altLang="en-US">
-                      <a:noFill/>
-                    </a:rPr>
-                    <a:t> </a:t>
-                  </a:r>
-                </a:p>
-              </p:txBody>
-            </p:sp>
-          </mc:Fallback>
-        </mc:AlternateContent>
-        <mc:AlternateContent xmlns:mc="http://schemas.openxmlformats.org/markup-compatibility/2006" xmlns:a14="http://schemas.microsoft.com/office/drawing/2010/main">
-          <mc:Choice Requires="a14">
-            <p:sp>
-              <p:nvSpPr>
-                <p:cNvPr id="48" name="TextBox 47">
-                  <a:extLst>
-                    <a:ext uri="{FF2B5EF4-FFF2-40B4-BE49-F238E27FC236}">
-                      <a16:creationId xmlns:a16="http://schemas.microsoft.com/office/drawing/2014/main" id="{8EA1DD22-EDD6-42C0-9BD3-C6B0C9B4354B}"/>
-                    </a:ext>
-                  </a:extLst>
-                </p:cNvPr>
-                <p:cNvSpPr txBox="1"/>
-                <p:nvPr/>
-              </p:nvSpPr>
-              <p:spPr>
-                <a:xfrm>
-                  <a:off x="1820580" y="4327920"/>
-                  <a:ext cx="312714" cy="246221"/>
-                </a:xfrm>
-                <a:prstGeom prst="rect">
-                  <a:avLst/>
-                </a:prstGeom>
-                <a:noFill/>
-              </p:spPr>
-              <p:txBody>
-                <a:bodyPr wrap="none" lIns="0" tIns="0" rIns="0" bIns="0" rtlCol="0">
-                  <a:spAutoFit/>
-                </a:bodyPr>
-                <a:lstStyle/>
-                <a:p>
-                  <a:pPr/>
-                  <a14:m>
-                    <m:oMathPara xmlns:m="http://schemas.openxmlformats.org/officeDocument/2006/math">
-                      <m:oMathParaPr>
-                        <m:jc m:val="centerGroup"/>
-                      </m:oMathParaPr>
-                      <m:oMath xmlns:m="http://schemas.openxmlformats.org/officeDocument/2006/math">
-                        <m:sSub>
-                          <m:sSubPr>
-                            <m:ctrlPr>
-                              <a:rPr lang="en-US" altLang="ko-KR" sz="1600" i="1" smtClean="0">
-                                <a:latin typeface="Cambria Math" panose="02040503050406030204" pitchFamily="18" charset="0"/>
-                              </a:rPr>
-                            </m:ctrlPr>
-                          </m:sSubPr>
-                          <m:e>
-                            <m:r>
-                              <a:rPr lang="en-US" altLang="ko-KR" sz="1600" b="0" i="1" smtClean="0">
-                                <a:latin typeface="Cambria Math" panose="02040503050406030204" pitchFamily="18" charset="0"/>
-                              </a:rPr>
-                              <m:t>𝑤</m:t>
-                            </m:r>
-                          </m:e>
-                          <m:sub>
-                            <m:r>
-                              <a:rPr lang="en-US" altLang="ko-KR" sz="1600" b="0" i="1" smtClean="0">
-                                <a:latin typeface="Cambria Math" panose="02040503050406030204" pitchFamily="18" charset="0"/>
-                              </a:rPr>
-                              <m:t>2</m:t>
-                            </m:r>
-                          </m:sub>
-                        </m:sSub>
-                      </m:oMath>
-                    </m:oMathPara>
-                  </a14:m>
-                  <a:endParaRPr lang="ko-KR" altLang="en-US" sz="1600" dirty="0"/>
-                </a:p>
-              </p:txBody>
-            </p:sp>
-          </mc:Choice>
-          <mc:Fallback xmlns="">
-            <p:sp>
-              <p:nvSpPr>
-                <p:cNvPr id="99" name="TextBox 98">
-                  <a:extLst>
-                    <a:ext uri="{FF2B5EF4-FFF2-40B4-BE49-F238E27FC236}">
-                      <a16:creationId xmlns:a16="http://schemas.microsoft.com/office/drawing/2014/main" id="{E6DB2DF0-5E3A-4D0D-A6E7-A0819BE4A260}"/>
-                    </a:ext>
-                  </a:extLst>
-                </p:cNvPr>
-                <p:cNvSpPr txBox="1">
-                  <a:spLocks noRot="1" noChangeAspect="1" noMove="1" noResize="1" noEditPoints="1" noAdjustHandles="1" noChangeArrowheads="1" noChangeShapeType="1" noTextEdit="1"/>
-                </p:cNvSpPr>
-                <p:nvPr/>
-              </p:nvSpPr>
-              <p:spPr>
-                <a:xfrm>
-                  <a:off x="1820580" y="4327920"/>
-                  <a:ext cx="312714" cy="246221"/>
-                </a:xfrm>
-                <a:prstGeom prst="rect">
-                  <a:avLst/>
-                </a:prstGeom>
-                <a:blipFill>
-                  <a:blip r:embed="rId25"/>
-                  <a:stretch>
-                    <a:fillRect l="-5882" b="-20000"/>
-                  </a:stretch>
-                </a:blipFill>
-              </p:spPr>
-              <p:txBody>
-                <a:bodyPr/>
-                <a:lstStyle/>
-                <a:p>
-                  <a:r>
-                    <a:rPr lang="ko-KR" altLang="en-US">
-                      <a:noFill/>
-                    </a:rPr>
-                    <a:t> </a:t>
-                  </a:r>
-                </a:p>
-              </p:txBody>
-            </p:sp>
-          </mc:Fallback>
-        </mc:AlternateContent>
-        <mc:AlternateContent xmlns:mc="http://schemas.openxmlformats.org/markup-compatibility/2006" xmlns:a14="http://schemas.microsoft.com/office/drawing/2010/main">
-          <mc:Choice Requires="a14">
-            <p:sp>
-              <p:nvSpPr>
-                <p:cNvPr id="49" name="TextBox 48">
-                  <a:extLst>
-                    <a:ext uri="{FF2B5EF4-FFF2-40B4-BE49-F238E27FC236}">
-                      <a16:creationId xmlns:a16="http://schemas.microsoft.com/office/drawing/2014/main" id="{F7505006-BF57-434B-BCA1-C1FB2B0258B1}"/>
-                    </a:ext>
-                  </a:extLst>
-                </p:cNvPr>
-                <p:cNvSpPr txBox="1"/>
-                <p:nvPr/>
-              </p:nvSpPr>
-              <p:spPr>
-                <a:xfrm>
-                  <a:off x="2279882" y="3963339"/>
-                  <a:ext cx="312714" cy="246221"/>
-                </a:xfrm>
-                <a:prstGeom prst="rect">
-                  <a:avLst/>
-                </a:prstGeom>
-                <a:noFill/>
-              </p:spPr>
-              <p:txBody>
-                <a:bodyPr wrap="none" lIns="0" tIns="0" rIns="0" bIns="0" rtlCol="0">
-                  <a:spAutoFit/>
-                </a:bodyPr>
-                <a:lstStyle/>
-                <a:p>
-                  <a:pPr/>
-                  <a14:m>
-                    <m:oMathPara xmlns:m="http://schemas.openxmlformats.org/officeDocument/2006/math">
-                      <m:oMathParaPr>
-                        <m:jc m:val="centerGroup"/>
-                      </m:oMathParaPr>
-                      <m:oMath xmlns:m="http://schemas.openxmlformats.org/officeDocument/2006/math">
-                        <m:sSub>
-                          <m:sSubPr>
-                            <m:ctrlPr>
-                              <a:rPr lang="en-US" altLang="ko-KR" sz="1600" b="0" i="1" smtClean="0">
-                                <a:latin typeface="Cambria Math" panose="02040503050406030204" pitchFamily="18" charset="0"/>
-                              </a:rPr>
-                            </m:ctrlPr>
-                          </m:sSubPr>
-                          <m:e>
-                            <m:r>
-                              <a:rPr lang="en-US" altLang="ko-KR" sz="1600" b="0" i="1" smtClean="0">
-                                <a:latin typeface="Cambria Math" panose="02040503050406030204" pitchFamily="18" charset="0"/>
-                              </a:rPr>
-                              <m:t>𝑤</m:t>
-                            </m:r>
-                          </m:e>
-                          <m:sub>
-                            <m:r>
-                              <a:rPr lang="en-US" altLang="ko-KR" sz="1600" b="0" i="1" smtClean="0">
-                                <a:latin typeface="Cambria Math" panose="02040503050406030204" pitchFamily="18" charset="0"/>
-                              </a:rPr>
-                              <m:t>3</m:t>
-                            </m:r>
-                          </m:sub>
-                        </m:sSub>
-                      </m:oMath>
-                    </m:oMathPara>
-                  </a14:m>
-                  <a:endParaRPr lang="ko-KR" altLang="en-US" sz="1600" dirty="0"/>
-                </a:p>
-              </p:txBody>
-            </p:sp>
-          </mc:Choice>
-          <mc:Fallback xmlns="">
-            <p:sp>
-              <p:nvSpPr>
-                <p:cNvPr id="100" name="TextBox 99">
-                  <a:extLst>
-                    <a:ext uri="{FF2B5EF4-FFF2-40B4-BE49-F238E27FC236}">
-                      <a16:creationId xmlns:a16="http://schemas.microsoft.com/office/drawing/2014/main" id="{83BA7ECD-8693-4917-85D2-9ABAD53796C3}"/>
-                    </a:ext>
-                  </a:extLst>
-                </p:cNvPr>
-                <p:cNvSpPr txBox="1">
-                  <a:spLocks noRot="1" noChangeAspect="1" noMove="1" noResize="1" noEditPoints="1" noAdjustHandles="1" noChangeArrowheads="1" noChangeShapeType="1" noTextEdit="1"/>
-                </p:cNvSpPr>
-                <p:nvPr/>
-              </p:nvSpPr>
-              <p:spPr>
-                <a:xfrm>
-                  <a:off x="2279882" y="3963339"/>
-                  <a:ext cx="312714" cy="246221"/>
-                </a:xfrm>
-                <a:prstGeom prst="rect">
-                  <a:avLst/>
-                </a:prstGeom>
-                <a:blipFill>
-                  <a:blip r:embed="rId26"/>
-                  <a:stretch>
-                    <a:fillRect l="-3922" b="-20000"/>
-                  </a:stretch>
-                </a:blipFill>
-              </p:spPr>
-              <p:txBody>
-                <a:bodyPr/>
-                <a:lstStyle/>
-                <a:p>
-                  <a:r>
-                    <a:rPr lang="ko-KR" altLang="en-US">
-                      <a:noFill/>
-                    </a:rPr>
-                    <a:t> </a:t>
-                  </a:r>
-                </a:p>
-              </p:txBody>
-            </p:sp>
-          </mc:Fallback>
-        </mc:AlternateContent>
-        <mc:AlternateContent xmlns:mc="http://schemas.openxmlformats.org/markup-compatibility/2006" xmlns:a14="http://schemas.microsoft.com/office/drawing/2010/main">
-          <mc:Choice Requires="a14">
-            <p:sp>
-              <p:nvSpPr>
-                <p:cNvPr id="50" name="TextBox 49">
-                  <a:extLst>
-                    <a:ext uri="{FF2B5EF4-FFF2-40B4-BE49-F238E27FC236}">
-                      <a16:creationId xmlns:a16="http://schemas.microsoft.com/office/drawing/2014/main" id="{FBC1C46C-BE03-49D8-B02D-A8D603B4A02F}"/>
-                    </a:ext>
-                  </a:extLst>
-                </p:cNvPr>
-                <p:cNvSpPr txBox="1"/>
-                <p:nvPr/>
-              </p:nvSpPr>
-              <p:spPr>
-                <a:xfrm>
-                  <a:off x="2632416" y="4004954"/>
-                  <a:ext cx="306494" cy="246221"/>
-                </a:xfrm>
-                <a:prstGeom prst="rect">
-                  <a:avLst/>
-                </a:prstGeom>
-                <a:noFill/>
-              </p:spPr>
-              <p:txBody>
-                <a:bodyPr wrap="none" lIns="0" tIns="0" rIns="0" bIns="0" rtlCol="0">
-                  <a:spAutoFit/>
-                </a:bodyPr>
-                <a:lstStyle/>
-                <a:p>
-                  <a:pPr/>
-                  <a14:m>
-                    <m:oMathPara xmlns:m="http://schemas.openxmlformats.org/officeDocument/2006/math">
-                      <m:oMathParaPr>
-                        <m:jc m:val="centerGroup"/>
-                      </m:oMathParaPr>
-                      <m:oMath xmlns:m="http://schemas.openxmlformats.org/officeDocument/2006/math">
-                        <m:sSub>
-                          <m:sSubPr>
-                            <m:ctrlPr>
-                              <a:rPr lang="en-US" altLang="ko-KR" sz="1600" i="1" smtClean="0">
-                                <a:latin typeface="Cambria Math" panose="02040503050406030204" pitchFamily="18" charset="0"/>
-                              </a:rPr>
-                            </m:ctrlPr>
-                          </m:sSubPr>
-                          <m:e>
-                            <m:r>
-                              <a:rPr lang="en-US" altLang="ko-KR" sz="1600" b="0" i="1" smtClean="0">
-                                <a:latin typeface="Cambria Math" panose="02040503050406030204" pitchFamily="18" charset="0"/>
-                              </a:rPr>
-                              <m:t>𝑤</m:t>
-                            </m:r>
-                          </m:e>
-                          <m:sub>
-                            <m:r>
-                              <a:rPr lang="en-US" altLang="ko-KR" sz="1600" b="0" i="1" smtClean="0">
-                                <a:latin typeface="Cambria Math" panose="02040503050406030204" pitchFamily="18" charset="0"/>
-                              </a:rPr>
-                              <m:t>4</m:t>
-                            </m:r>
-                          </m:sub>
-                        </m:sSub>
-                      </m:oMath>
-                    </m:oMathPara>
-                  </a14:m>
-                  <a:endParaRPr lang="ko-KR" altLang="en-US" sz="1600" dirty="0"/>
-                </a:p>
-              </p:txBody>
-            </p:sp>
-          </mc:Choice>
-          <mc:Fallback xmlns="">
-            <p:sp>
-              <p:nvSpPr>
-                <p:cNvPr id="101" name="TextBox 100">
-                  <a:extLst>
-                    <a:ext uri="{FF2B5EF4-FFF2-40B4-BE49-F238E27FC236}">
-                      <a16:creationId xmlns:a16="http://schemas.microsoft.com/office/drawing/2014/main" id="{7B774987-30E3-40FA-8EAA-4BA509E4FA66}"/>
-                    </a:ext>
-                  </a:extLst>
-                </p:cNvPr>
-                <p:cNvSpPr txBox="1">
-                  <a:spLocks noRot="1" noChangeAspect="1" noMove="1" noResize="1" noEditPoints="1" noAdjustHandles="1" noChangeArrowheads="1" noChangeShapeType="1" noTextEdit="1"/>
-                </p:cNvSpPr>
-                <p:nvPr/>
-              </p:nvSpPr>
-              <p:spPr>
-                <a:xfrm>
-                  <a:off x="2632416" y="4004954"/>
-                  <a:ext cx="306494" cy="246221"/>
-                </a:xfrm>
-                <a:prstGeom prst="rect">
-                  <a:avLst/>
-                </a:prstGeom>
-                <a:blipFill>
-                  <a:blip r:embed="rId27"/>
-                  <a:stretch>
-                    <a:fillRect l="-6000" b="-20000"/>
-                  </a:stretch>
-                </a:blipFill>
-              </p:spPr>
-              <p:txBody>
-                <a:bodyPr/>
-                <a:lstStyle/>
-                <a:p>
-                  <a:r>
-                    <a:rPr lang="ko-KR" altLang="en-US">
-                      <a:noFill/>
-                    </a:rPr>
-                    <a:t> </a:t>
-                  </a:r>
-                </a:p>
-              </p:txBody>
-            </p:sp>
-          </mc:Fallback>
-        </mc:AlternateContent>
-        <mc:AlternateContent xmlns:mc="http://schemas.openxmlformats.org/markup-compatibility/2006" xmlns:a14="http://schemas.microsoft.com/office/drawing/2010/main">
-          <mc:Choice Requires="a14">
-            <p:sp>
-              <p:nvSpPr>
-                <p:cNvPr id="51" name="TextBox 50">
-                  <a:extLst>
-                    <a:ext uri="{FF2B5EF4-FFF2-40B4-BE49-F238E27FC236}">
-                      <a16:creationId xmlns:a16="http://schemas.microsoft.com/office/drawing/2014/main" id="{D91B3F0A-E73E-4823-8D2B-EAA73BFC78A9}"/>
-                    </a:ext>
-                  </a:extLst>
-                </p:cNvPr>
-                <p:cNvSpPr txBox="1"/>
-                <p:nvPr/>
-              </p:nvSpPr>
-              <p:spPr>
-                <a:xfrm>
-                  <a:off x="2431842" y="2744341"/>
-                  <a:ext cx="312714" cy="246221"/>
-                </a:xfrm>
-                <a:prstGeom prst="rect">
-                  <a:avLst/>
-                </a:prstGeom>
-                <a:noFill/>
-              </p:spPr>
-              <p:txBody>
-                <a:bodyPr wrap="none" lIns="0" tIns="0" rIns="0" bIns="0" rtlCol="0">
-                  <a:spAutoFit/>
-                </a:bodyPr>
-                <a:lstStyle/>
-                <a:p>
-                  <a:pPr/>
-                  <a14:m>
-                    <m:oMathPara xmlns:m="http://schemas.openxmlformats.org/officeDocument/2006/math">
-                      <m:oMathParaPr>
-                        <m:jc m:val="centerGroup"/>
-                      </m:oMathParaPr>
-                      <m:oMath xmlns:m="http://schemas.openxmlformats.org/officeDocument/2006/math">
-                        <m:sSub>
-                          <m:sSubPr>
-                            <m:ctrlPr>
-                              <a:rPr lang="en-US" altLang="ko-KR" sz="1600" i="1" smtClean="0">
-                                <a:latin typeface="Cambria Math" panose="02040503050406030204" pitchFamily="18" charset="0"/>
-                              </a:rPr>
-                            </m:ctrlPr>
-                          </m:sSubPr>
-                          <m:e>
-                            <m:r>
-                              <a:rPr lang="en-US" altLang="ko-KR" sz="1600" b="0" i="1" smtClean="0">
-                                <a:latin typeface="Cambria Math" panose="02040503050406030204" pitchFamily="18" charset="0"/>
-                              </a:rPr>
-                              <m:t>𝑤</m:t>
-                            </m:r>
-                          </m:e>
-                          <m:sub>
-                            <m:r>
-                              <a:rPr lang="en-US" altLang="ko-KR" sz="1600" b="0" i="1" smtClean="0">
-                                <a:latin typeface="Cambria Math" panose="02040503050406030204" pitchFamily="18" charset="0"/>
-                              </a:rPr>
-                              <m:t>5</m:t>
-                            </m:r>
-                          </m:sub>
-                        </m:sSub>
-                      </m:oMath>
-                    </m:oMathPara>
-                  </a14:m>
-                  <a:endParaRPr lang="ko-KR" altLang="en-US" sz="1600" dirty="0"/>
-                </a:p>
-              </p:txBody>
-            </p:sp>
-          </mc:Choice>
-          <mc:Fallback xmlns="">
-            <p:sp>
-              <p:nvSpPr>
-                <p:cNvPr id="102" name="TextBox 101">
-                  <a:extLst>
-                    <a:ext uri="{FF2B5EF4-FFF2-40B4-BE49-F238E27FC236}">
-                      <a16:creationId xmlns:a16="http://schemas.microsoft.com/office/drawing/2014/main" id="{CA85C1B7-380A-4966-B419-B8226C472FCF}"/>
-                    </a:ext>
-                  </a:extLst>
-                </p:cNvPr>
-                <p:cNvSpPr txBox="1">
-                  <a:spLocks noRot="1" noChangeAspect="1" noMove="1" noResize="1" noEditPoints="1" noAdjustHandles="1" noChangeArrowheads="1" noChangeShapeType="1" noTextEdit="1"/>
-                </p:cNvSpPr>
-                <p:nvPr/>
-              </p:nvSpPr>
-              <p:spPr>
-                <a:xfrm>
-                  <a:off x="2431842" y="2744341"/>
-                  <a:ext cx="312714" cy="246221"/>
-                </a:xfrm>
-                <a:prstGeom prst="rect">
-                  <a:avLst/>
-                </a:prstGeom>
-                <a:blipFill>
-                  <a:blip r:embed="rId28"/>
-                  <a:stretch>
-                    <a:fillRect l="-3922" r="-1961" b="-20000"/>
-                  </a:stretch>
-                </a:blipFill>
-              </p:spPr>
-              <p:txBody>
-                <a:bodyPr/>
-                <a:lstStyle/>
-                <a:p>
-                  <a:r>
-                    <a:rPr lang="ko-KR" altLang="en-US">
-                      <a:noFill/>
-                    </a:rPr>
-                    <a:t> </a:t>
-                  </a:r>
-                </a:p>
-              </p:txBody>
-            </p:sp>
-          </mc:Fallback>
-        </mc:AlternateContent>
-        <mc:AlternateContent xmlns:mc="http://schemas.openxmlformats.org/markup-compatibility/2006" xmlns:a14="http://schemas.microsoft.com/office/drawing/2010/main">
-          <mc:Choice Requires="a14">
-            <p:sp>
-              <p:nvSpPr>
-                <p:cNvPr id="52" name="TextBox 51">
-                  <a:extLst>
-                    <a:ext uri="{FF2B5EF4-FFF2-40B4-BE49-F238E27FC236}">
-                      <a16:creationId xmlns:a16="http://schemas.microsoft.com/office/drawing/2014/main" id="{72F7523A-6889-435A-AB17-B62A1BC9C257}"/>
-                    </a:ext>
-                  </a:extLst>
-                </p:cNvPr>
-                <p:cNvSpPr txBox="1"/>
-                <p:nvPr/>
-              </p:nvSpPr>
-              <p:spPr>
-                <a:xfrm>
-                  <a:off x="1999057" y="2684387"/>
-                  <a:ext cx="312714" cy="246221"/>
-                </a:xfrm>
-                <a:prstGeom prst="rect">
-                  <a:avLst/>
-                </a:prstGeom>
-                <a:noFill/>
-              </p:spPr>
-              <p:txBody>
-                <a:bodyPr wrap="none" lIns="0" tIns="0" rIns="0" bIns="0" rtlCol="0">
-                  <a:spAutoFit/>
-                </a:bodyPr>
-                <a:lstStyle/>
-                <a:p>
-                  <a:pPr/>
-                  <a14:m>
-                    <m:oMathPara xmlns:m="http://schemas.openxmlformats.org/officeDocument/2006/math">
-                      <m:oMathParaPr>
-                        <m:jc m:val="centerGroup"/>
-                      </m:oMathParaPr>
-                      <m:oMath xmlns:m="http://schemas.openxmlformats.org/officeDocument/2006/math">
-                        <m:sSub>
-                          <m:sSubPr>
-                            <m:ctrlPr>
-                              <a:rPr lang="en-US" altLang="ko-KR" sz="1600" i="1" smtClean="0">
-                                <a:latin typeface="Cambria Math" panose="02040503050406030204" pitchFamily="18" charset="0"/>
-                              </a:rPr>
-                            </m:ctrlPr>
-                          </m:sSubPr>
-                          <m:e>
-                            <m:r>
-                              <a:rPr lang="en-US" altLang="ko-KR" sz="1600" b="0" i="1" smtClean="0">
-                                <a:latin typeface="Cambria Math" panose="02040503050406030204" pitchFamily="18" charset="0"/>
-                              </a:rPr>
-                              <m:t>𝑤</m:t>
-                            </m:r>
-                          </m:e>
-                          <m:sub>
-                            <m:r>
-                              <a:rPr lang="en-US" altLang="ko-KR" sz="1600" b="0" i="1" smtClean="0">
-                                <a:latin typeface="Cambria Math" panose="02040503050406030204" pitchFamily="18" charset="0"/>
-                              </a:rPr>
-                              <m:t>6</m:t>
-                            </m:r>
-                          </m:sub>
-                        </m:sSub>
-                      </m:oMath>
-                    </m:oMathPara>
-                  </a14:m>
-                  <a:endParaRPr lang="ko-KR" altLang="en-US" sz="1600" dirty="0"/>
-                </a:p>
-              </p:txBody>
-            </p:sp>
-          </mc:Choice>
-          <mc:Fallback xmlns="">
-            <p:sp>
-              <p:nvSpPr>
-                <p:cNvPr id="103" name="TextBox 102">
-                  <a:extLst>
-                    <a:ext uri="{FF2B5EF4-FFF2-40B4-BE49-F238E27FC236}">
-                      <a16:creationId xmlns:a16="http://schemas.microsoft.com/office/drawing/2014/main" id="{8BD424CE-DBF3-45AE-B106-8EC437D980D1}"/>
-                    </a:ext>
-                  </a:extLst>
-                </p:cNvPr>
-                <p:cNvSpPr txBox="1">
-                  <a:spLocks noRot="1" noChangeAspect="1" noMove="1" noResize="1" noEditPoints="1" noAdjustHandles="1" noChangeArrowheads="1" noChangeShapeType="1" noTextEdit="1"/>
-                </p:cNvSpPr>
-                <p:nvPr/>
-              </p:nvSpPr>
-              <p:spPr>
-                <a:xfrm>
-                  <a:off x="1999057" y="2684387"/>
-                  <a:ext cx="312714" cy="246221"/>
-                </a:xfrm>
-                <a:prstGeom prst="rect">
-                  <a:avLst/>
-                </a:prstGeom>
-                <a:blipFill>
-                  <a:blip r:embed="rId29"/>
-                  <a:stretch>
-                    <a:fillRect l="-3922" b="-20000"/>
-                  </a:stretch>
-                </a:blipFill>
-              </p:spPr>
-              <p:txBody>
-                <a:bodyPr/>
-                <a:lstStyle/>
-                <a:p>
-                  <a:r>
-                    <a:rPr lang="ko-KR" altLang="en-US">
-                      <a:noFill/>
-                    </a:rPr>
-                    <a:t> </a:t>
-                  </a:r>
-                </a:p>
-              </p:txBody>
-            </p:sp>
-          </mc:Fallback>
-        </mc:AlternateContent>
-      </p:grpSp>
-      <p:grpSp>
-        <p:nvGrpSpPr>
-          <p:cNvPr id="80" name="그룹 79">
-            <a:extLst>
-              <a:ext uri="{FF2B5EF4-FFF2-40B4-BE49-F238E27FC236}">
-                <a16:creationId xmlns:a16="http://schemas.microsoft.com/office/drawing/2014/main" id="{990696B8-1B70-4A7A-A5AB-746E52DE3E77}"/>
-              </a:ext>
-            </a:extLst>
-          </p:cNvPr>
-          <p:cNvGrpSpPr/>
-          <p:nvPr/>
-        </p:nvGrpSpPr>
-        <p:grpSpPr>
-          <a:xfrm>
-            <a:off x="3100863" y="828821"/>
-            <a:ext cx="2162722" cy="4373499"/>
-            <a:chOff x="3487627" y="828821"/>
-            <a:chExt cx="2162722" cy="4373499"/>
-          </a:xfrm>
-        </p:grpSpPr>
-        <p:pic>
-          <p:nvPicPr>
-            <p:cNvPr id="2" name="그림 1">
-              <a:extLst>
-                <a:ext uri="{FF2B5EF4-FFF2-40B4-BE49-F238E27FC236}">
-                  <a16:creationId xmlns:a16="http://schemas.microsoft.com/office/drawing/2014/main" id="{7F942665-1A7E-4E85-AD8D-80A47DD85F48}"/>
-                </a:ext>
-              </a:extLst>
-            </p:cNvPr>
-            <p:cNvPicPr>
-              <a:picLocks noChangeAspect="1"/>
-            </p:cNvPicPr>
-            <p:nvPr/>
-          </p:nvPicPr>
-          <p:blipFill rotWithShape="1">
-            <a:blip r:embed="rId30"/>
-            <a:srcRect l="37950" t="3335" r="37000" b="8739"/>
-            <a:stretch/>
-          </p:blipFill>
-          <p:spPr>
-            <a:xfrm>
-              <a:off x="3487627" y="1090392"/>
-              <a:ext cx="2162722" cy="4111928"/>
-            </a:xfrm>
-            <a:prstGeom prst="rect">
-              <a:avLst/>
-            </a:prstGeom>
-          </p:spPr>
-        </p:pic>
-        <p:cxnSp>
-          <p:nvCxnSpPr>
-            <p:cNvPr id="57" name="직선 화살표 연결선 56">
-              <a:extLst>
-                <a:ext uri="{FF2B5EF4-FFF2-40B4-BE49-F238E27FC236}">
-                  <a16:creationId xmlns:a16="http://schemas.microsoft.com/office/drawing/2014/main" id="{36F21FB8-0177-4D60-B7A8-BF4746A778C3}"/>
-                </a:ext>
-              </a:extLst>
-            </p:cNvPr>
-            <p:cNvCxnSpPr>
-              <a:cxnSpLocks/>
-            </p:cNvCxnSpPr>
-            <p:nvPr/>
-          </p:nvCxnSpPr>
-          <p:spPr>
-            <a:xfrm flipV="1">
-              <a:off x="4730565" y="4357838"/>
-              <a:ext cx="0" cy="585872"/>
-            </a:xfrm>
-            <a:prstGeom prst="straightConnector1">
-              <a:avLst/>
-            </a:prstGeom>
-            <a:ln w="38100">
-              <a:solidFill>
-                <a:srgbClr val="FF0000"/>
-              </a:solidFill>
-              <a:tailEnd type="triangle"/>
-            </a:ln>
-          </p:spPr>
-          <p:style>
-            <a:lnRef idx="1">
-              <a:schemeClr val="accent1"/>
-            </a:lnRef>
-            <a:fillRef idx="0">
-              <a:schemeClr val="accent1"/>
-            </a:fillRef>
-            <a:effectRef idx="0">
-              <a:schemeClr val="accent1"/>
-            </a:effectRef>
-            <a:fontRef idx="minor">
-              <a:schemeClr val="tx1"/>
-            </a:fontRef>
-          </p:style>
-        </p:cxnSp>
-        <p:cxnSp>
-          <p:nvCxnSpPr>
-            <p:cNvPr id="60" name="직선 화살표 연결선 59">
-              <a:extLst>
-                <a:ext uri="{FF2B5EF4-FFF2-40B4-BE49-F238E27FC236}">
-                  <a16:creationId xmlns:a16="http://schemas.microsoft.com/office/drawing/2014/main" id="{0820E293-BDB0-49FA-BC88-B50C905132C3}"/>
-                </a:ext>
-              </a:extLst>
-            </p:cNvPr>
-            <p:cNvCxnSpPr>
-              <a:cxnSpLocks/>
-            </p:cNvCxnSpPr>
-            <p:nvPr/>
-          </p:nvCxnSpPr>
-          <p:spPr>
-            <a:xfrm flipV="1">
-              <a:off x="4240329" y="2903393"/>
-              <a:ext cx="0" cy="585872"/>
-            </a:xfrm>
-            <a:prstGeom prst="straightConnector1">
-              <a:avLst/>
-            </a:prstGeom>
-            <a:ln w="38100">
-              <a:solidFill>
-                <a:srgbClr val="FF0000"/>
-              </a:solidFill>
-              <a:tailEnd type="triangle"/>
-            </a:ln>
-          </p:spPr>
-          <p:style>
-            <a:lnRef idx="1">
-              <a:schemeClr val="accent1"/>
-            </a:lnRef>
-            <a:fillRef idx="0">
-              <a:schemeClr val="accent1"/>
-            </a:fillRef>
-            <a:effectRef idx="0">
-              <a:schemeClr val="accent1"/>
-            </a:effectRef>
-            <a:fontRef idx="minor">
-              <a:schemeClr val="tx1"/>
-            </a:fontRef>
-          </p:style>
-        </p:cxnSp>
-        <p:cxnSp>
-          <p:nvCxnSpPr>
-            <p:cNvPr id="61" name="직선 화살표 연결선 60">
-              <a:extLst>
-                <a:ext uri="{FF2B5EF4-FFF2-40B4-BE49-F238E27FC236}">
-                  <a16:creationId xmlns:a16="http://schemas.microsoft.com/office/drawing/2014/main" id="{4BAC3C93-F292-4544-88CB-A63766111A01}"/>
-                </a:ext>
-              </a:extLst>
-            </p:cNvPr>
-            <p:cNvCxnSpPr>
-              <a:cxnSpLocks/>
-            </p:cNvCxnSpPr>
-            <p:nvPr/>
-          </p:nvCxnSpPr>
-          <p:spPr>
-            <a:xfrm flipV="1">
-              <a:off x="4785915" y="1802983"/>
-              <a:ext cx="0" cy="585872"/>
-            </a:xfrm>
-            <a:prstGeom prst="straightConnector1">
-              <a:avLst/>
-            </a:prstGeom>
-            <a:ln w="38100">
-              <a:solidFill>
-                <a:srgbClr val="FF0000"/>
-              </a:solidFill>
-              <a:tailEnd type="triangle"/>
-            </a:ln>
-          </p:spPr>
-          <p:style>
-            <a:lnRef idx="1">
-              <a:schemeClr val="accent1"/>
-            </a:lnRef>
-            <a:fillRef idx="0">
-              <a:schemeClr val="accent1"/>
-            </a:fillRef>
-            <a:effectRef idx="0">
-              <a:schemeClr val="accent1"/>
-            </a:effectRef>
-            <a:fontRef idx="minor">
-              <a:schemeClr val="tx1"/>
-            </a:fontRef>
-          </p:style>
-        </p:cxnSp>
-        <p:cxnSp>
-          <p:nvCxnSpPr>
-            <p:cNvPr id="62" name="직선 화살표 연결선 61">
-              <a:extLst>
-                <a:ext uri="{FF2B5EF4-FFF2-40B4-BE49-F238E27FC236}">
-                  <a16:creationId xmlns:a16="http://schemas.microsoft.com/office/drawing/2014/main" id="{9CF59E4C-E2FD-480E-B0BB-2ABDE7F2F2B9}"/>
-                </a:ext>
-              </a:extLst>
-            </p:cNvPr>
-            <p:cNvCxnSpPr>
-              <a:cxnSpLocks/>
-            </p:cNvCxnSpPr>
-            <p:nvPr/>
-          </p:nvCxnSpPr>
-          <p:spPr>
-            <a:xfrm flipV="1">
-              <a:off x="4184980" y="828821"/>
-              <a:ext cx="0" cy="585872"/>
-            </a:xfrm>
-            <a:prstGeom prst="straightConnector1">
-              <a:avLst/>
-            </a:prstGeom>
-            <a:ln w="38100">
-              <a:solidFill>
-                <a:srgbClr val="FF0000"/>
-              </a:solidFill>
-              <a:tailEnd type="triangle"/>
-            </a:ln>
-          </p:spPr>
-          <p:style>
-            <a:lnRef idx="1">
-              <a:schemeClr val="accent1"/>
-            </a:lnRef>
-            <a:fillRef idx="0">
-              <a:schemeClr val="accent1"/>
-            </a:fillRef>
-            <a:effectRef idx="0">
-              <a:schemeClr val="accent1"/>
-            </a:effectRef>
-            <a:fontRef idx="minor">
-              <a:schemeClr val="tx1"/>
-            </a:fontRef>
-          </p:style>
-        </p:cxnSp>
-        <p:cxnSp>
-          <p:nvCxnSpPr>
-            <p:cNvPr id="63" name="직선 화살표 연결선 62">
-              <a:extLst>
-                <a:ext uri="{FF2B5EF4-FFF2-40B4-BE49-F238E27FC236}">
-                  <a16:creationId xmlns:a16="http://schemas.microsoft.com/office/drawing/2014/main" id="{39A6CA78-A3F6-4AEE-BFF9-F21E775ABD69}"/>
-                </a:ext>
-              </a:extLst>
-            </p:cNvPr>
-            <p:cNvCxnSpPr>
-              <a:cxnSpLocks/>
-            </p:cNvCxnSpPr>
-            <p:nvPr/>
-          </p:nvCxnSpPr>
-          <p:spPr>
-            <a:xfrm flipH="1">
-              <a:off x="3917458" y="4312058"/>
-              <a:ext cx="535043" cy="5057"/>
-            </a:xfrm>
-            <a:prstGeom prst="straightConnector1">
-              <a:avLst/>
-            </a:prstGeom>
-            <a:ln w="38100">
-              <a:solidFill>
-                <a:srgbClr val="FF0000"/>
-              </a:solidFill>
-              <a:tailEnd type="triangle"/>
-            </a:ln>
-          </p:spPr>
-          <p:style>
-            <a:lnRef idx="1">
-              <a:schemeClr val="accent1"/>
-            </a:lnRef>
-            <a:fillRef idx="0">
-              <a:schemeClr val="accent1"/>
-            </a:fillRef>
-            <a:effectRef idx="0">
-              <a:schemeClr val="accent1"/>
-            </a:effectRef>
-            <a:fontRef idx="minor">
-              <a:schemeClr val="tx1"/>
-            </a:fontRef>
-          </p:style>
-        </p:cxnSp>
-        <p:cxnSp>
-          <p:nvCxnSpPr>
-            <p:cNvPr id="65" name="직선 화살표 연결선 64">
-              <a:extLst>
-                <a:ext uri="{FF2B5EF4-FFF2-40B4-BE49-F238E27FC236}">
-                  <a16:creationId xmlns:a16="http://schemas.microsoft.com/office/drawing/2014/main" id="{D8325D66-C6E6-4AC0-ABEB-B552E99D854C}"/>
-                </a:ext>
-              </a:extLst>
-            </p:cNvPr>
-            <p:cNvCxnSpPr>
-              <a:cxnSpLocks/>
-            </p:cNvCxnSpPr>
-            <p:nvPr/>
-          </p:nvCxnSpPr>
-          <p:spPr>
-            <a:xfrm flipH="1">
-              <a:off x="3917458" y="3196329"/>
-              <a:ext cx="535043" cy="5057"/>
-            </a:xfrm>
-            <a:prstGeom prst="straightConnector1">
-              <a:avLst/>
-            </a:prstGeom>
-            <a:ln w="38100">
-              <a:solidFill>
-                <a:srgbClr val="FF0000"/>
-              </a:solidFill>
-              <a:tailEnd type="triangle"/>
-            </a:ln>
-          </p:spPr>
-          <p:style>
-            <a:lnRef idx="1">
-              <a:schemeClr val="accent1"/>
-            </a:lnRef>
-            <a:fillRef idx="0">
-              <a:schemeClr val="accent1"/>
-            </a:fillRef>
-            <a:effectRef idx="0">
-              <a:schemeClr val="accent1"/>
-            </a:effectRef>
-            <a:fontRef idx="minor">
-              <a:schemeClr val="tx1"/>
-            </a:fontRef>
-          </p:style>
-        </p:cxnSp>
-        <p:cxnSp>
-          <p:nvCxnSpPr>
-            <p:cNvPr id="66" name="직선 화살표 연결선 65">
-              <a:extLst>
-                <a:ext uri="{FF2B5EF4-FFF2-40B4-BE49-F238E27FC236}">
-                  <a16:creationId xmlns:a16="http://schemas.microsoft.com/office/drawing/2014/main" id="{710D931C-7133-4854-8D48-3C5EFA8C393C}"/>
-                </a:ext>
-              </a:extLst>
-            </p:cNvPr>
-            <p:cNvCxnSpPr>
-              <a:cxnSpLocks/>
-            </p:cNvCxnSpPr>
-            <p:nvPr/>
-          </p:nvCxnSpPr>
-          <p:spPr>
-            <a:xfrm flipH="1">
-              <a:off x="3917458" y="2119816"/>
-              <a:ext cx="535043" cy="5057"/>
-            </a:xfrm>
-            <a:prstGeom prst="straightConnector1">
-              <a:avLst/>
-            </a:prstGeom>
-            <a:ln w="38100">
-              <a:solidFill>
-                <a:srgbClr val="FF0000"/>
-              </a:solidFill>
-              <a:tailEnd type="triangle"/>
-            </a:ln>
-          </p:spPr>
-          <p:style>
-            <a:lnRef idx="1">
-              <a:schemeClr val="accent1"/>
-            </a:lnRef>
-            <a:fillRef idx="0">
-              <a:schemeClr val="accent1"/>
-            </a:fillRef>
-            <a:effectRef idx="0">
-              <a:schemeClr val="accent1"/>
-            </a:effectRef>
-            <a:fontRef idx="minor">
-              <a:schemeClr val="tx1"/>
-            </a:fontRef>
-          </p:style>
-        </p:cxnSp>
-      </p:grpSp>
-    </p:spTree>
-    <p:extLst>
-      <p:ext uri="{BB962C8B-B14F-4D97-AF65-F5344CB8AC3E}">
-        <p14:creationId xmlns:p14="http://schemas.microsoft.com/office/powerpoint/2010/main" val="2042039219"/>
+        <p14:creationId xmlns:p14="http://schemas.microsoft.com/office/powerpoint/2010/main" val="1323587945"/>
       </p:ext>
     </p:extLst>
   </p:cSld>
@@ -11065,7 +5400,7 @@
                 <a:latin typeface="나눔스퀘어 ExtraBold" panose="020B0600000101010101" pitchFamily="50" charset="-127"/>
                 <a:ea typeface="나눔스퀘어 ExtraBold" panose="020B0600000101010101" pitchFamily="50" charset="-127"/>
               </a:rPr>
-              <a:t>1) Anaconda</a:t>
+              <a:t>1) Visual Studio C++ Build Tools </a:t>
             </a:r>
           </a:p>
         </p:txBody>
@@ -11111,7 +5446,21 @@
                 <a:latin typeface="나눔스퀘어" panose="020B0600000101010101" pitchFamily="50" charset="-127"/>
                 <a:ea typeface="나눔스퀘어" panose="020B0600000101010101" pitchFamily="50" charset="-127"/>
               </a:rPr>
-              <a:t>① Install anaconda from </a:t>
+              <a:t>① Install </a:t>
+            </a:r>
+            <a:r>
+              <a:rPr lang="en-US" altLang="ko-KR" sz="1400" dirty="0" err="1">
+                <a:latin typeface="나눔스퀘어" panose="020B0600000101010101" pitchFamily="50" charset="-127"/>
+                <a:ea typeface="나눔스퀘어" panose="020B0600000101010101" pitchFamily="50" charset="-127"/>
+              </a:rPr>
+              <a:t>buildtools</a:t>
+            </a:r>
+            <a:r>
+              <a:rPr lang="en-US" altLang="ko-KR" sz="1400" dirty="0">
+                <a:latin typeface="나눔스퀘어" panose="020B0600000101010101" pitchFamily="50" charset="-127"/>
+                <a:ea typeface="나눔스퀘어" panose="020B0600000101010101" pitchFamily="50" charset="-127"/>
+              </a:rPr>
+              <a:t> from </a:t>
             </a:r>
             <a:r>
               <a:rPr lang="en-US" altLang="ko-KR" sz="1400" dirty="0">
@@ -11119,21 +5468,24 @@
                 <a:ea typeface="나눔스퀘어" panose="020B0600000101010101" pitchFamily="50" charset="-127"/>
                 <a:hlinkClick r:id="rId3"/>
               </a:rPr>
-              <a:t>https://www.anaconda.com/</a:t>
-            </a:r>
-            <a:endParaRPr lang="en-US" altLang="ko-KR" sz="1400" dirty="0">
-              <a:latin typeface="나눔스퀘어" panose="020B0600000101010101" pitchFamily="50" charset="-127"/>
-              <a:ea typeface="나눔스퀘어" panose="020B0600000101010101" pitchFamily="50" charset="-127"/>
-            </a:endParaRPr>
+              <a:t>https://aka.ms/vs/17/release/vs_BuildTools.exe</a:t>
+            </a:r>
+            <a:r>
+              <a:rPr lang="en-US" altLang="ko-KR" sz="1400" dirty="0">
+                <a:latin typeface="나눔스퀘어" panose="020B0600000101010101" pitchFamily="50" charset="-127"/>
+                <a:ea typeface="나눔스퀘어" panose="020B0600000101010101" pitchFamily="50" charset="-127"/>
+              </a:rPr>
+              <a:t> </a:t>
+            </a:r>
           </a:p>
         </p:txBody>
       </p:sp>
       <p:pic>
         <p:nvPicPr>
-          <p:cNvPr id="8" name="그림 7">
-            <a:extLst>
-              <a:ext uri="{FF2B5EF4-FFF2-40B4-BE49-F238E27FC236}">
-                <a16:creationId xmlns:a16="http://schemas.microsoft.com/office/drawing/2014/main" id="{A4E3BE2B-9970-47C7-AA70-C411D8943B23}"/>
+          <p:cNvPr id="2" name="그림 1">
+            <a:extLst>
+              <a:ext uri="{FF2B5EF4-FFF2-40B4-BE49-F238E27FC236}">
+                <a16:creationId xmlns:a16="http://schemas.microsoft.com/office/drawing/2014/main" id="{F9A29280-8105-4954-97F0-36C94B16EF80}"/>
               </a:ext>
             </a:extLst>
           </p:cNvPr>
@@ -11150,8 +5502,8 @@
         </p:blipFill>
         <p:spPr>
           <a:xfrm>
-            <a:off x="2204255" y="2226577"/>
-            <a:ext cx="7131769" cy="3750189"/>
+            <a:off x="2442321" y="2305886"/>
+            <a:ext cx="7443536" cy="4186989"/>
           </a:xfrm>
           <a:prstGeom prst="rect">
             <a:avLst/>
@@ -11160,10 +5512,10 @@
       </p:pic>
       <p:sp>
         <p:nvSpPr>
-          <p:cNvPr id="9" name="직사각형 8">
-            <a:extLst>
-              <a:ext uri="{FF2B5EF4-FFF2-40B4-BE49-F238E27FC236}">
-                <a16:creationId xmlns:a16="http://schemas.microsoft.com/office/drawing/2014/main" id="{A0756DD9-9F6D-4896-B199-30FF64015D9E}"/>
+          <p:cNvPr id="11" name="직사각형 10">
+            <a:extLst>
+              <a:ext uri="{FF2B5EF4-FFF2-40B4-BE49-F238E27FC236}">
+                <a16:creationId xmlns:a16="http://schemas.microsoft.com/office/drawing/2014/main" id="{805345CD-32B2-4F62-9069-C59B32A2907B}"/>
               </a:ext>
             </a:extLst>
           </p:cNvPr>
@@ -11172,8 +5524,8 @@
         </p:nvSpPr>
         <p:spPr>
           <a:xfrm>
-            <a:off x="5961888" y="4032504"/>
-            <a:ext cx="1581912" cy="658368"/>
+            <a:off x="2665235" y="3099815"/>
+            <a:ext cx="2448186" cy="714195"/>
           </a:xfrm>
           <a:prstGeom prst="rect">
             <a:avLst/>
@@ -11213,10 +5565,10 @@
       </p:sp>
       <p:sp>
         <p:nvSpPr>
-          <p:cNvPr id="10" name="직사각형 9">
-            <a:extLst>
-              <a:ext uri="{FF2B5EF4-FFF2-40B4-BE49-F238E27FC236}">
-                <a16:creationId xmlns:a16="http://schemas.microsoft.com/office/drawing/2014/main" id="{B643BD03-681F-436D-B3D8-B5373522018E}"/>
+          <p:cNvPr id="12" name="직사각형 11">
+            <a:extLst>
+              <a:ext uri="{FF2B5EF4-FFF2-40B4-BE49-F238E27FC236}">
+                <a16:creationId xmlns:a16="http://schemas.microsoft.com/office/drawing/2014/main" id="{9B034173-C16C-471D-B887-99B70B33BD71}"/>
               </a:ext>
             </a:extLst>
           </p:cNvPr>
@@ -11225,34 +5577,42 @@
         </p:nvSpPr>
         <p:spPr>
           <a:xfrm>
-            <a:off x="7543800" y="4177022"/>
-            <a:ext cx="394660" cy="369332"/>
+            <a:off x="7786678" y="2951753"/>
+            <a:ext cx="1963001" cy="2570742"/>
           </a:xfrm>
           <a:prstGeom prst="rect">
             <a:avLst/>
           </a:prstGeom>
-        </p:spPr>
-        <p:txBody>
-          <a:bodyPr wrap="none">
-            <a:spAutoFit/>
-          </a:bodyPr>
-          <a:lstStyle/>
-          <a:p>
-            <a:r>
-              <a:rPr lang="en-US" altLang="ko-KR" dirty="0">
-                <a:solidFill>
-                  <a:srgbClr val="FF0000"/>
-                </a:solidFill>
-                <a:latin typeface="나눔스퀘어 Bold" panose="020B0600000101010101" pitchFamily="50" charset="-127"/>
-                <a:ea typeface="나눔스퀘어 Bold" panose="020B0600000101010101" pitchFamily="50" charset="-127"/>
-              </a:rPr>
-              <a:t>①</a:t>
-            </a:r>
-            <a:endParaRPr lang="ko-KR" altLang="en-US" dirty="0">
-              <a:solidFill>
-                <a:srgbClr val="FF0000"/>
-              </a:solidFill>
-            </a:endParaRPr>
+          <a:noFill/>
+          <a:ln w="38100">
+            <a:solidFill>
+              <a:srgbClr val="FF0000"/>
+            </a:solidFill>
+            <a:prstDash val="sysDash"/>
+          </a:ln>
+        </p:spPr>
+        <p:style>
+          <a:lnRef idx="2">
+            <a:schemeClr val="accent1">
+              <a:shade val="50000"/>
+            </a:schemeClr>
+          </a:lnRef>
+          <a:fillRef idx="1">
+            <a:schemeClr val="accent1"/>
+          </a:fillRef>
+          <a:effectRef idx="0">
+            <a:schemeClr val="accent1"/>
+          </a:effectRef>
+          <a:fontRef idx="minor">
+            <a:schemeClr val="lt1"/>
+          </a:fontRef>
+        </p:style>
+        <p:txBody>
+          <a:bodyPr rtlCol="0" anchor="ctr"/>
+          <a:lstStyle/>
+          <a:p>
+            <a:pPr algn="ctr"/>
+            <a:endParaRPr lang="ko-KR" altLang="en-US"/>
           </a:p>
         </p:txBody>
       </p:sp>
@@ -11419,7 +5779,7 @@
                 <a:latin typeface="나눔스퀘어 ExtraBold" panose="020B0600000101010101" pitchFamily="50" charset="-127"/>
                 <a:ea typeface="나눔스퀘어 ExtraBold" panose="020B0600000101010101" pitchFamily="50" charset="-127"/>
               </a:rPr>
-              <a:t>1) Anaconda</a:t>
+              <a:t>2) Anaconda</a:t>
             </a:r>
           </a:p>
         </p:txBody>
@@ -11465,17 +5825,29 @@
                 <a:latin typeface="나눔스퀘어" panose="020B0600000101010101" pitchFamily="50" charset="-127"/>
                 <a:ea typeface="나눔스퀘어" panose="020B0600000101010101" pitchFamily="50" charset="-127"/>
               </a:rPr>
-              <a:t>② Open anaconda prompt, and create new environment</a:t>
-            </a:r>
+              <a:t>① Install anaconda from </a:t>
+            </a:r>
+            <a:r>
+              <a:rPr lang="en-US" altLang="ko-KR" sz="1400" dirty="0">
+                <a:latin typeface="나눔스퀘어" panose="020B0600000101010101" pitchFamily="50" charset="-127"/>
+                <a:ea typeface="나눔스퀘어" panose="020B0600000101010101" pitchFamily="50" charset="-127"/>
+                <a:hlinkClick r:id="rId3"/>
+              </a:rPr>
+              <a:t>https://www.anaconda.com/</a:t>
+            </a:r>
+            <a:endParaRPr lang="en-US" altLang="ko-KR" sz="1400" dirty="0">
+              <a:latin typeface="나눔스퀘어" panose="020B0600000101010101" pitchFamily="50" charset="-127"/>
+              <a:ea typeface="나눔스퀘어" panose="020B0600000101010101" pitchFamily="50" charset="-127"/>
+            </a:endParaRPr>
           </a:p>
         </p:txBody>
       </p:sp>
       <p:pic>
         <p:nvPicPr>
-          <p:cNvPr id="3" name="그림 2">
-            <a:extLst>
-              <a:ext uri="{FF2B5EF4-FFF2-40B4-BE49-F238E27FC236}">
-                <a16:creationId xmlns:a16="http://schemas.microsoft.com/office/drawing/2014/main" id="{FD10C5AD-9271-4A87-B06D-595D64615EA7}"/>
+          <p:cNvPr id="8" name="그림 7">
+            <a:extLst>
+              <a:ext uri="{FF2B5EF4-FFF2-40B4-BE49-F238E27FC236}">
+                <a16:creationId xmlns:a16="http://schemas.microsoft.com/office/drawing/2014/main" id="{A4E3BE2B-9970-47C7-AA70-C411D8943B23}"/>
               </a:ext>
             </a:extLst>
           </p:cNvPr>
@@ -11485,15 +5857,15 @@
           <p:nvPr/>
         </p:nvPicPr>
         <p:blipFill>
-          <a:blip r:embed="rId3"/>
+          <a:blip r:embed="rId4"/>
           <a:stretch>
             <a:fillRect/>
           </a:stretch>
         </p:blipFill>
         <p:spPr>
           <a:xfrm>
-            <a:off x="726719" y="2584495"/>
-            <a:ext cx="3277057" cy="2857899"/>
+            <a:off x="2204255" y="2226577"/>
+            <a:ext cx="7131769" cy="3750189"/>
           </a:xfrm>
           <a:prstGeom prst="rect">
             <a:avLst/>
@@ -11514,8 +5886,8 @@
         </p:nvSpPr>
         <p:spPr>
           <a:xfrm>
-            <a:off x="726719" y="2565292"/>
-            <a:ext cx="3277056" cy="658368"/>
+            <a:off x="5961888" y="4032504"/>
+            <a:ext cx="1581912" cy="658368"/>
           </a:xfrm>
           <a:prstGeom prst="rect">
             <a:avLst/>
@@ -11567,7 +5939,7 @@
         </p:nvSpPr>
         <p:spPr>
           <a:xfrm>
-            <a:off x="4003775" y="2709810"/>
+            <a:off x="7543800" y="4177022"/>
             <a:ext cx="394660" cy="369332"/>
           </a:xfrm>
           <a:prstGeom prst="rect">
@@ -11598,229 +5970,10 @@
           </a:p>
         </p:txBody>
       </p:sp>
-      <p:pic>
-        <p:nvPicPr>
-          <p:cNvPr id="11" name="그림 10">
-            <a:extLst>
-              <a:ext uri="{FF2B5EF4-FFF2-40B4-BE49-F238E27FC236}">
-                <a16:creationId xmlns:a16="http://schemas.microsoft.com/office/drawing/2014/main" id="{7F7224BD-26E9-41C3-A805-57D44549EFED}"/>
-              </a:ext>
-            </a:extLst>
-          </p:cNvPr>
-          <p:cNvPicPr>
-            <a:picLocks noChangeAspect="1"/>
-          </p:cNvPicPr>
-          <p:nvPr/>
-        </p:nvPicPr>
-        <p:blipFill>
-          <a:blip r:embed="rId4"/>
-          <a:stretch>
-            <a:fillRect/>
-          </a:stretch>
-        </p:blipFill>
-        <p:spPr>
-          <a:xfrm>
-            <a:off x="5497967" y="2471778"/>
-            <a:ext cx="5380518" cy="2351362"/>
-          </a:xfrm>
-          <a:prstGeom prst="rect">
-            <a:avLst/>
-          </a:prstGeom>
-        </p:spPr>
-      </p:pic>
-      <p:sp>
-        <p:nvSpPr>
-          <p:cNvPr id="12" name="직사각형 11">
-            <a:extLst>
-              <a:ext uri="{FF2B5EF4-FFF2-40B4-BE49-F238E27FC236}">
-                <a16:creationId xmlns:a16="http://schemas.microsoft.com/office/drawing/2014/main" id="{B46FAD82-BE57-4CD3-94D8-BFCE8C77967E}"/>
-              </a:ext>
-            </a:extLst>
-          </p:cNvPr>
-          <p:cNvSpPr/>
-          <p:nvPr/>
-        </p:nvSpPr>
-        <p:spPr>
-          <a:xfrm>
-            <a:off x="5497966" y="2759600"/>
-            <a:ext cx="4414130" cy="349858"/>
-          </a:xfrm>
-          <a:prstGeom prst="rect">
-            <a:avLst/>
-          </a:prstGeom>
-          <a:noFill/>
-          <a:ln w="38100">
-            <a:solidFill>
-              <a:srgbClr val="FF0000"/>
-            </a:solidFill>
-            <a:prstDash val="sysDash"/>
-          </a:ln>
-        </p:spPr>
-        <p:style>
-          <a:lnRef idx="2">
-            <a:schemeClr val="accent1">
-              <a:shade val="50000"/>
-            </a:schemeClr>
-          </a:lnRef>
-          <a:fillRef idx="1">
-            <a:schemeClr val="accent1"/>
-          </a:fillRef>
-          <a:effectRef idx="0">
-            <a:schemeClr val="accent1"/>
-          </a:effectRef>
-          <a:fontRef idx="minor">
-            <a:schemeClr val="lt1"/>
-          </a:fontRef>
-        </p:style>
-        <p:txBody>
-          <a:bodyPr rtlCol="0" anchor="ctr"/>
-          <a:lstStyle/>
-          <a:p>
-            <a:pPr algn="ctr"/>
-            <a:endParaRPr lang="ko-KR" altLang="en-US"/>
-          </a:p>
-        </p:txBody>
-      </p:sp>
-      <p:sp>
-        <p:nvSpPr>
-          <p:cNvPr id="13" name="직사각형 12">
-            <a:extLst>
-              <a:ext uri="{FF2B5EF4-FFF2-40B4-BE49-F238E27FC236}">
-                <a16:creationId xmlns:a16="http://schemas.microsoft.com/office/drawing/2014/main" id="{01194067-297C-4BF3-9F21-359FDAA5FC21}"/>
-              </a:ext>
-            </a:extLst>
-          </p:cNvPr>
-          <p:cNvSpPr/>
-          <p:nvPr/>
-        </p:nvSpPr>
-        <p:spPr>
-          <a:xfrm>
-            <a:off x="9912096" y="2744770"/>
-            <a:ext cx="394660" cy="369332"/>
-          </a:xfrm>
-          <a:prstGeom prst="rect">
-            <a:avLst/>
-          </a:prstGeom>
-        </p:spPr>
-        <p:txBody>
-          <a:bodyPr wrap="none">
-            <a:spAutoFit/>
-          </a:bodyPr>
-          <a:lstStyle/>
-          <a:p>
-            <a:r>
-              <a:rPr lang="en-US" altLang="ko-KR" dirty="0">
-                <a:solidFill>
-                  <a:srgbClr val="FF0000"/>
-                </a:solidFill>
-                <a:latin typeface="나눔스퀘어 Bold" panose="020B0600000101010101" pitchFamily="50" charset="-127"/>
-                <a:ea typeface="나눔스퀘어 Bold" panose="020B0600000101010101" pitchFamily="50" charset="-127"/>
-              </a:rPr>
-              <a:t>②</a:t>
-            </a:r>
-            <a:endParaRPr lang="ko-KR" altLang="en-US" dirty="0">
-              <a:solidFill>
-                <a:srgbClr val="FF0000"/>
-              </a:solidFill>
-            </a:endParaRPr>
-          </a:p>
-        </p:txBody>
-      </p:sp>
-      <p:sp>
-        <p:nvSpPr>
-          <p:cNvPr id="15" name="사각형: 둥근 모서리 14">
-            <a:extLst>
-              <a:ext uri="{FF2B5EF4-FFF2-40B4-BE49-F238E27FC236}">
-                <a16:creationId xmlns:a16="http://schemas.microsoft.com/office/drawing/2014/main" id="{3AB03E41-0BBE-4E16-A34E-669132FF0BB6}"/>
-              </a:ext>
-            </a:extLst>
-          </p:cNvPr>
-          <p:cNvSpPr/>
-          <p:nvPr/>
-        </p:nvSpPr>
-        <p:spPr>
-          <a:xfrm>
-            <a:off x="5497966" y="5286639"/>
-            <a:ext cx="5380518" cy="794335"/>
-          </a:xfrm>
-          <a:prstGeom prst="roundRect">
-            <a:avLst/>
-          </a:prstGeom>
-          <a:solidFill>
-            <a:schemeClr val="bg1">
-              <a:lumMod val="95000"/>
-            </a:schemeClr>
-          </a:solidFill>
-          <a:ln w="28575">
-            <a:solidFill>
-              <a:schemeClr val="tx1"/>
-            </a:solidFill>
-          </a:ln>
-        </p:spPr>
-        <p:style>
-          <a:lnRef idx="2">
-            <a:schemeClr val="accent1">
-              <a:shade val="50000"/>
-            </a:schemeClr>
-          </a:lnRef>
-          <a:fillRef idx="1">
-            <a:schemeClr val="accent1"/>
-          </a:fillRef>
-          <a:effectRef idx="0">
-            <a:schemeClr val="accent1"/>
-          </a:effectRef>
-          <a:fontRef idx="minor">
-            <a:schemeClr val="lt1"/>
-          </a:fontRef>
-        </p:style>
-        <p:txBody>
-          <a:bodyPr rtlCol="0" anchor="ctr"/>
-          <a:lstStyle/>
-          <a:p>
-            <a:r>
-              <a:rPr lang="en-US" altLang="ko-KR" sz="1400" dirty="0">
-                <a:solidFill>
-                  <a:schemeClr val="tx1"/>
-                </a:solidFill>
-                <a:latin typeface="나눔스퀘어" panose="020B0600000101010101" pitchFamily="50" charset="-127"/>
-                <a:ea typeface="나눔스퀘어" panose="020B0600000101010101" pitchFamily="50" charset="-127"/>
-              </a:rPr>
-              <a:t>&gt;</a:t>
-            </a:r>
-            <a:r>
-              <a:rPr lang="en-US" altLang="ko-KR" sz="1400" dirty="0" err="1">
-                <a:solidFill>
-                  <a:schemeClr val="tx1"/>
-                </a:solidFill>
-                <a:latin typeface="나눔스퀘어" panose="020B0600000101010101" pitchFamily="50" charset="-127"/>
-                <a:ea typeface="나눔스퀘어" panose="020B0600000101010101" pitchFamily="50" charset="-127"/>
-              </a:rPr>
-              <a:t>conda</a:t>
-            </a:r>
-            <a:r>
-              <a:rPr lang="en-US" altLang="ko-KR" sz="1400" dirty="0">
-                <a:solidFill>
-                  <a:schemeClr val="tx1"/>
-                </a:solidFill>
-                <a:latin typeface="나눔스퀘어" panose="020B0600000101010101" pitchFamily="50" charset="-127"/>
-                <a:ea typeface="나눔스퀘어" panose="020B0600000101010101" pitchFamily="50" charset="-127"/>
-              </a:rPr>
-              <a:t> create -n [env name] python=[python version]</a:t>
-            </a:r>
-            <a:endParaRPr lang="ko-KR" altLang="en-US" sz="1400" dirty="0">
-              <a:solidFill>
-                <a:schemeClr val="tx1"/>
-              </a:solidFill>
-              <a:latin typeface="나눔스퀘어" panose="020B0600000101010101" pitchFamily="50" charset="-127"/>
-              <a:ea typeface="나눔스퀘어" panose="020B0600000101010101" pitchFamily="50" charset="-127"/>
-            </a:endParaRPr>
-          </a:p>
-        </p:txBody>
-      </p:sp>
     </p:spTree>
     <p:extLst>
       <p:ext uri="{BB962C8B-B14F-4D97-AF65-F5344CB8AC3E}">
-        <p14:creationId xmlns:p14="http://schemas.microsoft.com/office/powerpoint/2010/main" val="1611100715"/>
+        <p14:creationId xmlns:p14="http://schemas.microsoft.com/office/powerpoint/2010/main" val="4008276464"/>
       </p:ext>
     </p:extLst>
   </p:cSld>
@@ -11852,7 +6005,7 @@
           <p:cNvPr id="2" name="그림 1">
             <a:extLst>
               <a:ext uri="{FF2B5EF4-FFF2-40B4-BE49-F238E27FC236}">
-                <a16:creationId xmlns:a16="http://schemas.microsoft.com/office/drawing/2014/main" id="{2416C0AD-0A0E-489A-859D-6B63F2047034}"/>
+                <a16:creationId xmlns:a16="http://schemas.microsoft.com/office/drawing/2014/main" id="{9DE32FEC-6B1D-46CA-B1D2-52991EAC9C7F}"/>
               </a:ext>
             </a:extLst>
           </p:cNvPr>
@@ -11861,44 +6014,16 @@
           </p:cNvPicPr>
           <p:nvPr/>
         </p:nvPicPr>
-        <p:blipFill rotWithShape="1">
+        <p:blipFill>
           <a:blip r:embed="rId3"/>
-          <a:srcRect r="32065"/>
-          <a:stretch/>
+          <a:stretch>
+            <a:fillRect/>
+          </a:stretch>
         </p:blipFill>
         <p:spPr>
           <a:xfrm>
-            <a:off x="6363928" y="2272136"/>
-            <a:ext cx="4160740" cy="2676525"/>
-          </a:xfrm>
-          <a:prstGeom prst="rect">
-            <a:avLst/>
-          </a:prstGeom>
-        </p:spPr>
-      </p:pic>
-      <p:pic>
-        <p:nvPicPr>
-          <p:cNvPr id="14" name="그림 13">
-            <a:extLst>
-              <a:ext uri="{FF2B5EF4-FFF2-40B4-BE49-F238E27FC236}">
-                <a16:creationId xmlns:a16="http://schemas.microsoft.com/office/drawing/2014/main" id="{9D0269FA-5344-45E0-9568-59CA30533F3B}"/>
-              </a:ext>
-            </a:extLst>
-          </p:cNvPr>
-          <p:cNvPicPr>
-            <a:picLocks noChangeAspect="1"/>
-          </p:cNvPicPr>
-          <p:nvPr/>
-        </p:nvPicPr>
-        <p:blipFill rotWithShape="1">
-          <a:blip r:embed="rId4"/>
-          <a:srcRect r="32065"/>
-          <a:stretch/>
-        </p:blipFill>
-        <p:spPr>
-          <a:xfrm>
-            <a:off x="383829" y="2272137"/>
-            <a:ext cx="4160740" cy="2676525"/>
+            <a:off x="5497966" y="2472018"/>
+            <a:ext cx="5668049" cy="2386991"/>
           </a:xfrm>
           <a:prstGeom prst="rect">
             <a:avLst/>
@@ -12038,7 +6163,7 @@
                 <a:latin typeface="나눔스퀘어 ExtraBold" panose="020B0600000101010101" pitchFamily="50" charset="-127"/>
                 <a:ea typeface="나눔스퀘어 ExtraBold" panose="020B0600000101010101" pitchFamily="50" charset="-127"/>
               </a:rPr>
-              <a:t>1) Anaconda</a:t>
+              <a:t>2) Anaconda</a:t>
             </a:r>
           </a:p>
         </p:txBody>
@@ -12084,11 +6209,41 @@
                 <a:latin typeface="나눔스퀘어" panose="020B0600000101010101" pitchFamily="50" charset="-127"/>
                 <a:ea typeface="나눔스퀘어" panose="020B0600000101010101" pitchFamily="50" charset="-127"/>
               </a:rPr>
-              <a:t>② Activate new environment, and install libraries</a:t>
-            </a:r>
-          </a:p>
-        </p:txBody>
-      </p:sp>
+              <a:t>② Open anaconda prompt, and create new environment</a:t>
+            </a:r>
+          </a:p>
+        </p:txBody>
+      </p:sp>
+      <p:pic>
+        <p:nvPicPr>
+          <p:cNvPr id="3" name="그림 2">
+            <a:extLst>
+              <a:ext uri="{FF2B5EF4-FFF2-40B4-BE49-F238E27FC236}">
+                <a16:creationId xmlns:a16="http://schemas.microsoft.com/office/drawing/2014/main" id="{FD10C5AD-9271-4A87-B06D-595D64615EA7}"/>
+              </a:ext>
+            </a:extLst>
+          </p:cNvPr>
+          <p:cNvPicPr>
+            <a:picLocks noChangeAspect="1"/>
+          </p:cNvPicPr>
+          <p:nvPr/>
+        </p:nvPicPr>
+        <p:blipFill>
+          <a:blip r:embed="rId4"/>
+          <a:stretch>
+            <a:fillRect/>
+          </a:stretch>
+        </p:blipFill>
+        <p:spPr>
+          <a:xfrm>
+            <a:off x="726719" y="2584495"/>
+            <a:ext cx="3277057" cy="2857899"/>
+          </a:xfrm>
+          <a:prstGeom prst="rect">
+            <a:avLst/>
+          </a:prstGeom>
+        </p:spPr>
+      </p:pic>
       <p:sp>
         <p:nvSpPr>
           <p:cNvPr id="9" name="직사각형 8">
@@ -12103,8 +6258,8 @@
         </p:nvSpPr>
         <p:spPr>
           <a:xfrm>
-            <a:off x="383828" y="3409527"/>
-            <a:ext cx="4160740" cy="369332"/>
+            <a:off x="726719" y="2565292"/>
+            <a:ext cx="3277056" cy="658368"/>
           </a:xfrm>
           <a:prstGeom prst="rect">
             <a:avLst/>
@@ -12156,7 +6311,7 @@
         </p:nvSpPr>
         <p:spPr>
           <a:xfrm>
-            <a:off x="4149908" y="3020613"/>
+            <a:off x="4003775" y="2709810"/>
             <a:ext cx="394660" cy="369332"/>
           </a:xfrm>
           <a:prstGeom prst="rect">
@@ -12201,8 +6356,8 @@
         </p:nvSpPr>
         <p:spPr>
           <a:xfrm>
-            <a:off x="6363928" y="3673188"/>
-            <a:ext cx="3942828" cy="349858"/>
+            <a:off x="5497966" y="2759600"/>
+            <a:ext cx="4414130" cy="349858"/>
           </a:xfrm>
           <a:prstGeom prst="rect">
             <a:avLst/>
@@ -12254,7 +6409,7 @@
         </p:nvSpPr>
         <p:spPr>
           <a:xfrm>
-            <a:off x="10109426" y="4052195"/>
+            <a:off x="9912096" y="2744770"/>
             <a:ext cx="394660" cy="369332"/>
           </a:xfrm>
           <a:prstGeom prst="rect">
@@ -12299,8 +6454,8 @@
         </p:nvSpPr>
         <p:spPr>
           <a:xfrm>
-            <a:off x="383828" y="5286639"/>
-            <a:ext cx="4160740" cy="794335"/>
+            <a:off x="5497966" y="5286639"/>
+            <a:ext cx="5380518" cy="794335"/>
           </a:xfrm>
           <a:prstGeom prst="roundRect">
             <a:avLst/>
@@ -12364,7 +6519,7 @@
                 <a:latin typeface="나눔스퀘어" panose="020B0600000101010101" pitchFamily="50" charset="-127"/>
                 <a:ea typeface="나눔스퀘어" panose="020B0600000101010101" pitchFamily="50" charset="-127"/>
               </a:rPr>
-              <a:t> create activate [env name]</a:t>
+              <a:t> create -n [env name] python=3.8</a:t>
             </a:r>
             <a:endParaRPr lang="ko-KR" altLang="en-US" sz="1400" dirty="0">
               <a:solidFill>
@@ -12376,131 +6531,10 @@
           </a:p>
         </p:txBody>
       </p:sp>
-      <p:sp>
-        <p:nvSpPr>
-          <p:cNvPr id="18" name="사각형: 둥근 모서리 17">
-            <a:extLst>
-              <a:ext uri="{FF2B5EF4-FFF2-40B4-BE49-F238E27FC236}">
-                <a16:creationId xmlns:a16="http://schemas.microsoft.com/office/drawing/2014/main" id="{11614E1B-A724-44B6-84BE-8278D5676614}"/>
-              </a:ext>
-            </a:extLst>
-          </p:cNvPr>
-          <p:cNvSpPr/>
-          <p:nvPr/>
-        </p:nvSpPr>
-        <p:spPr>
-          <a:xfrm>
-            <a:off x="6363928" y="5286639"/>
-            <a:ext cx="4160740" cy="794335"/>
-          </a:xfrm>
-          <a:prstGeom prst="roundRect">
-            <a:avLst/>
-          </a:prstGeom>
-          <a:solidFill>
-            <a:schemeClr val="bg1">
-              <a:lumMod val="95000"/>
-            </a:schemeClr>
-          </a:solidFill>
-          <a:ln w="28575">
-            <a:solidFill>
-              <a:schemeClr val="tx1"/>
-            </a:solidFill>
-          </a:ln>
-        </p:spPr>
-        <p:style>
-          <a:lnRef idx="2">
-            <a:schemeClr val="accent1">
-              <a:shade val="50000"/>
-            </a:schemeClr>
-          </a:lnRef>
-          <a:fillRef idx="1">
-            <a:schemeClr val="accent1"/>
-          </a:fillRef>
-          <a:effectRef idx="0">
-            <a:schemeClr val="accent1"/>
-          </a:effectRef>
-          <a:fontRef idx="minor">
-            <a:schemeClr val="lt1"/>
-          </a:fontRef>
-        </p:style>
-        <p:txBody>
-          <a:bodyPr rtlCol="0" anchor="ctr"/>
-          <a:lstStyle/>
-          <a:p>
-            <a:r>
-              <a:rPr lang="en-US" altLang="ko-KR" sz="1400" dirty="0">
-                <a:solidFill>
-                  <a:schemeClr val="tx1"/>
-                </a:solidFill>
-                <a:latin typeface="나눔스퀘어" panose="020B0600000101010101" pitchFamily="50" charset="-127"/>
-                <a:ea typeface="나눔스퀘어" panose="020B0600000101010101" pitchFamily="50" charset="-127"/>
-              </a:rPr>
-              <a:t>&gt;pip install </a:t>
-            </a:r>
-            <a:r>
-              <a:rPr lang="en-US" altLang="ko-KR" sz="1400" dirty="0" err="1">
-                <a:solidFill>
-                  <a:schemeClr val="tx1"/>
-                </a:solidFill>
-                <a:latin typeface="나눔스퀘어" panose="020B0600000101010101" pitchFamily="50" charset="-127"/>
-                <a:ea typeface="나눔스퀘어" panose="020B0600000101010101" pitchFamily="50" charset="-127"/>
-              </a:rPr>
-              <a:t>numpy</a:t>
-            </a:r>
-            <a:r>
-              <a:rPr lang="en-US" altLang="ko-KR" sz="1400" dirty="0">
-                <a:solidFill>
-                  <a:schemeClr val="tx1"/>
-                </a:solidFill>
-                <a:latin typeface="나눔스퀘어" panose="020B0600000101010101" pitchFamily="50" charset="-127"/>
-                <a:ea typeface="나눔스퀘어" panose="020B0600000101010101" pitchFamily="50" charset="-127"/>
-              </a:rPr>
-              <a:t> matplotlib </a:t>
-            </a:r>
-            <a:r>
-              <a:rPr lang="en-US" altLang="ko-KR" sz="1400" dirty="0" err="1">
-                <a:solidFill>
-                  <a:schemeClr val="tx1"/>
-                </a:solidFill>
-                <a:latin typeface="나눔스퀘어" panose="020B0600000101010101" pitchFamily="50" charset="-127"/>
-                <a:ea typeface="나눔스퀘어" panose="020B0600000101010101" pitchFamily="50" charset="-127"/>
-              </a:rPr>
-              <a:t>jupyter</a:t>
-            </a:r>
-            <a:r>
-              <a:rPr lang="en-US" altLang="ko-KR" sz="1400" dirty="0">
-                <a:solidFill>
-                  <a:schemeClr val="tx1"/>
-                </a:solidFill>
-                <a:latin typeface="나눔스퀘어" panose="020B0600000101010101" pitchFamily="50" charset="-127"/>
-                <a:ea typeface="나눔스퀘어" panose="020B0600000101010101" pitchFamily="50" charset="-127"/>
-              </a:rPr>
-              <a:t> </a:t>
-            </a:r>
-            <a:r>
-              <a:rPr lang="en-US" altLang="ko-KR" sz="1400" dirty="0" err="1">
-                <a:solidFill>
-                  <a:schemeClr val="tx1"/>
-                </a:solidFill>
-                <a:latin typeface="나눔스퀘어" panose="020B0600000101010101" pitchFamily="50" charset="-127"/>
-                <a:ea typeface="나눔스퀘어" panose="020B0600000101010101" pitchFamily="50" charset="-127"/>
-              </a:rPr>
-              <a:t>pybullet</a:t>
-            </a:r>
-            <a:endParaRPr lang="en-US" altLang="ko-KR" sz="1400" dirty="0">
-              <a:solidFill>
-                <a:schemeClr val="tx1"/>
-              </a:solidFill>
-              <a:latin typeface="나눔스퀘어" panose="020B0600000101010101" pitchFamily="50" charset="-127"/>
-              <a:ea typeface="나눔스퀘어" panose="020B0600000101010101" pitchFamily="50" charset="-127"/>
-            </a:endParaRPr>
-          </a:p>
-        </p:txBody>
-      </p:sp>
     </p:spTree>
     <p:extLst>
       <p:ext uri="{BB962C8B-B14F-4D97-AF65-F5344CB8AC3E}">
-        <p14:creationId xmlns:p14="http://schemas.microsoft.com/office/powerpoint/2010/main" val="1725430397"/>
+        <p14:creationId xmlns:p14="http://schemas.microsoft.com/office/powerpoint/2010/main" val="1611100715"/>
       </p:ext>
     </p:extLst>
   </p:cSld>
@@ -12532,7 +6566,7 @@
           <p:cNvPr id="3" name="그림 2">
             <a:extLst>
               <a:ext uri="{FF2B5EF4-FFF2-40B4-BE49-F238E27FC236}">
-                <a16:creationId xmlns:a16="http://schemas.microsoft.com/office/drawing/2014/main" id="{60B1D8A2-B2DE-472E-8C42-491DD8316269}"/>
+                <a16:creationId xmlns:a16="http://schemas.microsoft.com/office/drawing/2014/main" id="{91A11044-FC0A-48DB-B624-CD14AAB820C1}"/>
               </a:ext>
             </a:extLst>
           </p:cNvPr>
@@ -12541,16 +6575,15 @@
           </p:cNvPicPr>
           <p:nvPr/>
         </p:nvPicPr>
-        <p:blipFill>
+        <p:blipFill rotWithShape="1">
           <a:blip r:embed="rId3"/>
-          <a:stretch>
-            <a:fillRect/>
-          </a:stretch>
+          <a:srcRect r="31937"/>
+          <a:stretch/>
         </p:blipFill>
         <p:spPr>
           <a:xfrm>
-            <a:off x="2219764" y="2392502"/>
-            <a:ext cx="7110314" cy="3899205"/>
+            <a:off x="3917693" y="2299671"/>
+            <a:ext cx="4356614" cy="2695575"/>
           </a:xfrm>
           <a:prstGeom prst="rect">
             <a:avLst/>
@@ -12690,27 +6723,7 @@
                 <a:latin typeface="나눔스퀘어 ExtraBold" panose="020B0600000101010101" pitchFamily="50" charset="-127"/>
                 <a:ea typeface="나눔스퀘어 ExtraBold" panose="020B0600000101010101" pitchFamily="50" charset="-127"/>
               </a:rPr>
-              <a:t>2) </a:t>
-            </a:r>
-            <a:r>
-              <a:rPr lang="en-US" altLang="ko-KR" dirty="0" err="1">
-                <a:solidFill>
-                  <a:prstClr val="black"/>
-                </a:solidFill>
-                <a:latin typeface="나눔스퀘어 ExtraBold" panose="020B0600000101010101" pitchFamily="50" charset="-127"/>
-                <a:ea typeface="나눔스퀘어 ExtraBold" panose="020B0600000101010101" pitchFamily="50" charset="-127"/>
-              </a:rPr>
-              <a:t>Pycharm</a:t>
-            </a:r>
-            <a:r>
-              <a:rPr lang="en-US" altLang="ko-KR" dirty="0">
-                <a:solidFill>
-                  <a:prstClr val="black"/>
-                </a:solidFill>
-                <a:latin typeface="나눔스퀘어 ExtraBold" panose="020B0600000101010101" pitchFamily="50" charset="-127"/>
-                <a:ea typeface="나눔스퀘어 ExtraBold" panose="020B0600000101010101" pitchFamily="50" charset="-127"/>
-              </a:rPr>
-              <a:t> (or any python IDE)</a:t>
+              <a:t>2) Anaconda</a:t>
             </a:r>
           </a:p>
         </p:txBody>
@@ -12756,36 +6769,7 @@
                 <a:latin typeface="나눔스퀘어" panose="020B0600000101010101" pitchFamily="50" charset="-127"/>
                 <a:ea typeface="나눔스퀘어" panose="020B0600000101010101" pitchFamily="50" charset="-127"/>
               </a:rPr>
-              <a:t>① Install </a:t>
-            </a:r>
-            <a:r>
-              <a:rPr lang="en-US" altLang="ko-KR" sz="1400" dirty="0" err="1">
-                <a:latin typeface="나눔스퀘어" panose="020B0600000101010101" pitchFamily="50" charset="-127"/>
-                <a:ea typeface="나눔스퀘어" panose="020B0600000101010101" pitchFamily="50" charset="-127"/>
-              </a:rPr>
-              <a:t>pycharm</a:t>
-            </a:r>
-            <a:r>
-              <a:rPr lang="en-US" altLang="ko-KR" sz="1400" dirty="0">
-                <a:latin typeface="나눔스퀘어" panose="020B0600000101010101" pitchFamily="50" charset="-127"/>
-                <a:ea typeface="나눔스퀘어" panose="020B0600000101010101" pitchFamily="50" charset="-127"/>
-              </a:rPr>
-              <a:t> from </a:t>
-            </a:r>
-            <a:r>
-              <a:rPr lang="en-US" altLang="ko-KR" sz="1400" dirty="0">
-                <a:latin typeface="나눔스퀘어" panose="020B0600000101010101" pitchFamily="50" charset="-127"/>
-                <a:ea typeface="나눔스퀘어" panose="020B0600000101010101" pitchFamily="50" charset="-127"/>
-                <a:hlinkClick r:id="rId4"/>
-              </a:rPr>
-              <a:t>https://www.jetbrains.com/ko-kr/pycharm/</a:t>
-            </a:r>
-            <a:r>
-              <a:rPr lang="en-US" altLang="ko-KR" sz="1400" dirty="0">
-                <a:latin typeface="나눔스퀘어" panose="020B0600000101010101" pitchFamily="50" charset="-127"/>
-                <a:ea typeface="나눔스퀘어" panose="020B0600000101010101" pitchFamily="50" charset="-127"/>
-              </a:rPr>
-              <a:t> </a:t>
+              <a:t>② Activate new environment</a:t>
             </a:r>
           </a:p>
         </p:txBody>
@@ -12804,8 +6788,8 @@
         </p:nvSpPr>
         <p:spPr>
           <a:xfrm>
-            <a:off x="5047268" y="4892222"/>
-            <a:ext cx="1134076" cy="575890"/>
+            <a:off x="3917693" y="4316284"/>
+            <a:ext cx="4160740" cy="369332"/>
           </a:xfrm>
           <a:prstGeom prst="rect">
             <a:avLst/>
@@ -12857,7 +6841,7 @@
         </p:nvSpPr>
         <p:spPr>
           <a:xfrm>
-            <a:off x="4652608" y="4847411"/>
+            <a:off x="7791273" y="3870998"/>
             <a:ext cx="394660" cy="369332"/>
           </a:xfrm>
           <a:prstGeom prst="rect">
@@ -12888,10 +6872,101 @@
           </a:p>
         </p:txBody>
       </p:sp>
+      <p:sp>
+        <p:nvSpPr>
+          <p:cNvPr id="15" name="사각형: 둥근 모서리 14">
+            <a:extLst>
+              <a:ext uri="{FF2B5EF4-FFF2-40B4-BE49-F238E27FC236}">
+                <a16:creationId xmlns:a16="http://schemas.microsoft.com/office/drawing/2014/main" id="{3AB03E41-0BBE-4E16-A34E-669132FF0BB6}"/>
+              </a:ext>
+            </a:extLst>
+          </p:cNvPr>
+          <p:cNvSpPr/>
+          <p:nvPr/>
+        </p:nvSpPr>
+        <p:spPr>
+          <a:xfrm>
+            <a:off x="3917693" y="5286639"/>
+            <a:ext cx="4160740" cy="794335"/>
+          </a:xfrm>
+          <a:prstGeom prst="roundRect">
+            <a:avLst/>
+          </a:prstGeom>
+          <a:solidFill>
+            <a:schemeClr val="bg1">
+              <a:lumMod val="95000"/>
+            </a:schemeClr>
+          </a:solidFill>
+          <a:ln w="28575">
+            <a:solidFill>
+              <a:schemeClr val="tx1"/>
+            </a:solidFill>
+          </a:ln>
+        </p:spPr>
+        <p:style>
+          <a:lnRef idx="2">
+            <a:schemeClr val="accent1">
+              <a:shade val="50000"/>
+            </a:schemeClr>
+          </a:lnRef>
+          <a:fillRef idx="1">
+            <a:schemeClr val="accent1"/>
+          </a:fillRef>
+          <a:effectRef idx="0">
+            <a:schemeClr val="accent1"/>
+          </a:effectRef>
+          <a:fontRef idx="minor">
+            <a:schemeClr val="lt1"/>
+          </a:fontRef>
+        </p:style>
+        <p:txBody>
+          <a:bodyPr rtlCol="0" anchor="ctr"/>
+          <a:lstStyle/>
+          <a:p>
+            <a:r>
+              <a:rPr lang="en-US" altLang="ko-KR" sz="1400" dirty="0">
+                <a:solidFill>
+                  <a:schemeClr val="tx1"/>
+                </a:solidFill>
+                <a:latin typeface="나눔스퀘어" panose="020B0600000101010101" pitchFamily="50" charset="-127"/>
+                <a:ea typeface="나눔스퀘어" panose="020B0600000101010101" pitchFamily="50" charset="-127"/>
+              </a:rPr>
+              <a:t>&gt;</a:t>
+            </a:r>
+            <a:r>
+              <a:rPr lang="en-US" altLang="ko-KR" sz="1400" dirty="0" err="1">
+                <a:solidFill>
+                  <a:schemeClr val="tx1"/>
+                </a:solidFill>
+                <a:latin typeface="나눔스퀘어" panose="020B0600000101010101" pitchFamily="50" charset="-127"/>
+                <a:ea typeface="나눔스퀘어" panose="020B0600000101010101" pitchFamily="50" charset="-127"/>
+              </a:rPr>
+              <a:t>conda</a:t>
+            </a:r>
+            <a:r>
+              <a:rPr lang="en-US" altLang="ko-KR" sz="1400" dirty="0">
+                <a:solidFill>
+                  <a:schemeClr val="tx1"/>
+                </a:solidFill>
+                <a:latin typeface="나눔스퀘어" panose="020B0600000101010101" pitchFamily="50" charset="-127"/>
+                <a:ea typeface="나눔스퀘어" panose="020B0600000101010101" pitchFamily="50" charset="-127"/>
+              </a:rPr>
+              <a:t> create activate [env name]</a:t>
+            </a:r>
+            <a:endParaRPr lang="ko-KR" altLang="en-US" sz="1400" dirty="0">
+              <a:solidFill>
+                <a:schemeClr val="tx1"/>
+              </a:solidFill>
+              <a:latin typeface="나눔스퀘어" panose="020B0600000101010101" pitchFamily="50" charset="-127"/>
+              <a:ea typeface="나눔스퀘어" panose="020B0600000101010101" pitchFamily="50" charset="-127"/>
+            </a:endParaRPr>
+          </a:p>
+        </p:txBody>
+      </p:sp>
     </p:spTree>
     <p:extLst>
       <p:ext uri="{BB962C8B-B14F-4D97-AF65-F5344CB8AC3E}">
-        <p14:creationId xmlns:p14="http://schemas.microsoft.com/office/powerpoint/2010/main" val="2252856900"/>
+        <p14:creationId xmlns:p14="http://schemas.microsoft.com/office/powerpoint/2010/main" val="1725430397"/>
       </p:ext>
     </p:extLst>
   </p:cSld>
@@ -12918,6 +6993,36 @@
           <a:chExt cx="0" cy="0"/>
         </a:xfrm>
       </p:grpSpPr>
+      <p:pic>
+        <p:nvPicPr>
+          <p:cNvPr id="3" name="그림 2">
+            <a:extLst>
+              <a:ext uri="{FF2B5EF4-FFF2-40B4-BE49-F238E27FC236}">
+                <a16:creationId xmlns:a16="http://schemas.microsoft.com/office/drawing/2014/main" id="{C3B71EB5-1502-4CFF-99C7-8F1BE447B1AE}"/>
+              </a:ext>
+            </a:extLst>
+          </p:cNvPr>
+          <p:cNvPicPr>
+            <a:picLocks noChangeAspect="1"/>
+          </p:cNvPicPr>
+          <p:nvPr/>
+        </p:nvPicPr>
+        <p:blipFill>
+          <a:blip r:embed="rId3"/>
+          <a:stretch>
+            <a:fillRect/>
+          </a:stretch>
+        </p:blipFill>
+        <p:spPr>
+          <a:xfrm>
+            <a:off x="2551425" y="2484351"/>
+            <a:ext cx="7225328" cy="4108520"/>
+          </a:xfrm>
+          <a:prstGeom prst="rect">
+            <a:avLst/>
+          </a:prstGeom>
+        </p:spPr>
+      </p:pic>
       <p:sp>
         <p:nvSpPr>
           <p:cNvPr id="4" name="슬라이드 번호 개체 틀 1">
@@ -13051,25 +7156,8 @@
                 <a:latin typeface="나눔스퀘어 ExtraBold" panose="020B0600000101010101" pitchFamily="50" charset="-127"/>
                 <a:ea typeface="나눔스퀘어 ExtraBold" panose="020B0600000101010101" pitchFamily="50" charset="-127"/>
               </a:rPr>
-              <a:t>2) </a:t>
-            </a:r>
-            <a:r>
-              <a:rPr lang="en-US" altLang="ko-KR" dirty="0" err="1">
-                <a:solidFill>
-                  <a:prstClr val="black"/>
-                </a:solidFill>
-                <a:latin typeface="나눔스퀘어 ExtraBold" panose="020B0600000101010101" pitchFamily="50" charset="-127"/>
-                <a:ea typeface="나눔스퀘어 ExtraBold" panose="020B0600000101010101" pitchFamily="50" charset="-127"/>
-              </a:rPr>
-              <a:t>Pycharm</a:t>
-            </a:r>
-            <a:endParaRPr lang="en-US" altLang="ko-KR" dirty="0">
-              <a:solidFill>
-                <a:prstClr val="black"/>
-              </a:solidFill>
-              <a:latin typeface="나눔스퀘어 ExtraBold" panose="020B0600000101010101" pitchFamily="50" charset="-127"/>
-              <a:ea typeface="나눔스퀘어 ExtraBold" panose="020B0600000101010101" pitchFamily="50" charset="-127"/>
-            </a:endParaRPr>
+              <a:t>3) Source Code</a:t>
+            </a:r>
           </a:p>
         </p:txBody>
       </p:sp>
@@ -13114,62 +7202,32 @@
                 <a:latin typeface="나눔스퀘어" panose="020B0600000101010101" pitchFamily="50" charset="-127"/>
                 <a:ea typeface="나눔스퀘어" panose="020B0600000101010101" pitchFamily="50" charset="-127"/>
               </a:rPr>
-              <a:t>② Download source code from </a:t>
+              <a:t>① Download source code from </a:t>
             </a:r>
             <a:r>
               <a:rPr lang="en-US" altLang="ko-KR" sz="1400" dirty="0">
                 <a:latin typeface="나눔스퀘어" panose="020B0600000101010101" pitchFamily="50" charset="-127"/>
                 <a:ea typeface="나눔스퀘어" panose="020B0600000101010101" pitchFamily="50" charset="-127"/>
-                <a:hlinkClick r:id="rId3"/>
+                <a:hlinkClick r:id="rId4"/>
               </a:rPr>
-              <a:t>https://github.com/0LYS0/mech639_pybullet</a:t>
+              <a:t>https://github.com/0LYS0/mech439_pybullet_framework</a:t>
             </a:r>
             <a:r>
               <a:rPr lang="en-US" altLang="ko-KR" sz="1400" dirty="0">
                 <a:latin typeface="나눔스퀘어" panose="020B0600000101010101" pitchFamily="50" charset="-127"/>
                 <a:ea typeface="나눔스퀘어" panose="020B0600000101010101" pitchFamily="50" charset="-127"/>
               </a:rPr>
-              <a:t>  </a:t>
-            </a:r>
-          </a:p>
-        </p:txBody>
-      </p:sp>
-      <p:pic>
-        <p:nvPicPr>
-          <p:cNvPr id="8" name="그림 7">
-            <a:extLst>
-              <a:ext uri="{FF2B5EF4-FFF2-40B4-BE49-F238E27FC236}">
-                <a16:creationId xmlns:a16="http://schemas.microsoft.com/office/drawing/2014/main" id="{46F5476C-276E-4E69-9092-692769B47E02}"/>
-              </a:ext>
-            </a:extLst>
-          </p:cNvPr>
-          <p:cNvPicPr>
-            <a:picLocks noChangeAspect="1"/>
-          </p:cNvPicPr>
-          <p:nvPr/>
-        </p:nvPicPr>
-        <p:blipFill>
-          <a:blip r:embed="rId4"/>
-          <a:stretch>
-            <a:fillRect/>
-          </a:stretch>
-        </p:blipFill>
-        <p:spPr>
-          <a:xfrm>
-            <a:off x="1442637" y="2526753"/>
-            <a:ext cx="8664568" cy="3751596"/>
-          </a:xfrm>
-          <a:prstGeom prst="rect">
-            <a:avLst/>
-          </a:prstGeom>
-        </p:spPr>
-      </p:pic>
-      <p:sp>
-        <p:nvSpPr>
-          <p:cNvPr id="11" name="직사각형 10">
-            <a:extLst>
-              <a:ext uri="{FF2B5EF4-FFF2-40B4-BE49-F238E27FC236}">
-                <a16:creationId xmlns:a16="http://schemas.microsoft.com/office/drawing/2014/main" id="{16B1CCCB-E137-4034-9B45-394FB693AAA4}"/>
+              <a:t> </a:t>
+            </a:r>
+          </a:p>
+        </p:txBody>
+      </p:sp>
+      <p:sp>
+        <p:nvSpPr>
+          <p:cNvPr id="9" name="직사각형 8">
+            <a:extLst>
+              <a:ext uri="{FF2B5EF4-FFF2-40B4-BE49-F238E27FC236}">
+                <a16:creationId xmlns:a16="http://schemas.microsoft.com/office/drawing/2014/main" id="{8578B213-C817-483F-94A4-A38746AA4CE5}"/>
               </a:ext>
             </a:extLst>
           </p:cNvPr>
@@ -13178,8 +7236,8 @@
         </p:nvSpPr>
         <p:spPr>
           <a:xfrm>
-            <a:off x="1442636" y="2526753"/>
-            <a:ext cx="2315547" cy="298743"/>
+            <a:off x="2834534" y="2484351"/>
+            <a:ext cx="2254824" cy="369332"/>
           </a:xfrm>
           <a:prstGeom prst="rect">
             <a:avLst/>
@@ -13214,6 +7272,210 @@
           <a:p>
             <a:pPr algn="ctr"/>
             <a:endParaRPr lang="ko-KR" altLang="en-US"/>
+          </a:p>
+        </p:txBody>
+      </p:sp>
+      <p:sp>
+        <p:nvSpPr>
+          <p:cNvPr id="10" name="직사각형 9">
+            <a:extLst>
+              <a:ext uri="{FF2B5EF4-FFF2-40B4-BE49-F238E27FC236}">
+                <a16:creationId xmlns:a16="http://schemas.microsoft.com/office/drawing/2014/main" id="{F81C49BA-A178-41C6-BC2B-D3E7E7A955AB}"/>
+              </a:ext>
+            </a:extLst>
+          </p:cNvPr>
+          <p:cNvSpPr/>
+          <p:nvPr/>
+        </p:nvSpPr>
+        <p:spPr>
+          <a:xfrm>
+            <a:off x="6536249" y="4433908"/>
+            <a:ext cx="3104326" cy="369332"/>
+          </a:xfrm>
+          <a:prstGeom prst="rect">
+            <a:avLst/>
+          </a:prstGeom>
+          <a:noFill/>
+          <a:ln w="38100">
+            <a:solidFill>
+              <a:srgbClr val="FF0000"/>
+            </a:solidFill>
+            <a:prstDash val="sysDash"/>
+          </a:ln>
+        </p:spPr>
+        <p:style>
+          <a:lnRef idx="2">
+            <a:schemeClr val="accent1">
+              <a:shade val="50000"/>
+            </a:schemeClr>
+          </a:lnRef>
+          <a:fillRef idx="1">
+            <a:schemeClr val="accent1"/>
+          </a:fillRef>
+          <a:effectRef idx="0">
+            <a:schemeClr val="accent1"/>
+          </a:effectRef>
+          <a:fontRef idx="minor">
+            <a:schemeClr val="lt1"/>
+          </a:fontRef>
+        </p:style>
+        <p:txBody>
+          <a:bodyPr rtlCol="0" anchor="ctr"/>
+          <a:lstStyle/>
+          <a:p>
+            <a:pPr algn="ctr"/>
+            <a:endParaRPr lang="ko-KR" altLang="en-US"/>
+          </a:p>
+        </p:txBody>
+      </p:sp>
+      <p:sp>
+        <p:nvSpPr>
+          <p:cNvPr id="12" name="직사각형 11">
+            <a:extLst>
+              <a:ext uri="{FF2B5EF4-FFF2-40B4-BE49-F238E27FC236}">
+                <a16:creationId xmlns:a16="http://schemas.microsoft.com/office/drawing/2014/main" id="{C2D6F2C5-D8C9-4B53-8659-0D3706EFB13D}"/>
+              </a:ext>
+            </a:extLst>
+          </p:cNvPr>
+          <p:cNvSpPr/>
+          <p:nvPr/>
+        </p:nvSpPr>
+        <p:spPr>
+          <a:xfrm>
+            <a:off x="6536249" y="5549708"/>
+            <a:ext cx="3104326" cy="369332"/>
+          </a:xfrm>
+          <a:prstGeom prst="rect">
+            <a:avLst/>
+          </a:prstGeom>
+          <a:noFill/>
+          <a:ln w="38100">
+            <a:solidFill>
+              <a:srgbClr val="FF0000"/>
+            </a:solidFill>
+            <a:prstDash val="sysDash"/>
+          </a:ln>
+        </p:spPr>
+        <p:style>
+          <a:lnRef idx="2">
+            <a:schemeClr val="accent1">
+              <a:shade val="50000"/>
+            </a:schemeClr>
+          </a:lnRef>
+          <a:fillRef idx="1">
+            <a:schemeClr val="accent1"/>
+          </a:fillRef>
+          <a:effectRef idx="0">
+            <a:schemeClr val="accent1"/>
+          </a:effectRef>
+          <a:fontRef idx="minor">
+            <a:schemeClr val="lt1"/>
+          </a:fontRef>
+        </p:style>
+        <p:txBody>
+          <a:bodyPr rtlCol="0" anchor="ctr"/>
+          <a:lstStyle/>
+          <a:p>
+            <a:pPr algn="ctr"/>
+            <a:endParaRPr lang="ko-KR" altLang="en-US"/>
+          </a:p>
+        </p:txBody>
+      </p:sp>
+      <p:sp>
+        <p:nvSpPr>
+          <p:cNvPr id="13" name="직사각형 12">
+            <a:extLst>
+              <a:ext uri="{FF2B5EF4-FFF2-40B4-BE49-F238E27FC236}">
+                <a16:creationId xmlns:a16="http://schemas.microsoft.com/office/drawing/2014/main" id="{95C8B08F-0296-492A-BCAA-BF595A3050ED}"/>
+              </a:ext>
+            </a:extLst>
+          </p:cNvPr>
+          <p:cNvSpPr/>
+          <p:nvPr/>
+        </p:nvSpPr>
+        <p:spPr>
+          <a:xfrm>
+            <a:off x="7868653" y="4947955"/>
+            <a:ext cx="3860019" cy="384401"/>
+          </a:xfrm>
+          <a:prstGeom prst="rect">
+            <a:avLst/>
+          </a:prstGeom>
+          <a:ln w="38100">
+            <a:noFill/>
+            <a:prstDash val="sysDash"/>
+          </a:ln>
+        </p:spPr>
+        <p:txBody>
+          <a:bodyPr wrap="square">
+            <a:spAutoFit/>
+          </a:bodyPr>
+          <a:lstStyle/>
+          <a:p>
+            <a:pPr algn="ctr">
+              <a:lnSpc>
+                <a:spcPct val="150000"/>
+              </a:lnSpc>
+            </a:pPr>
+            <a:r>
+              <a:rPr lang="en-US" altLang="ko-KR" sz="1400" dirty="0">
+                <a:solidFill>
+                  <a:srgbClr val="FF0000"/>
+                </a:solidFill>
+                <a:latin typeface="나눔스퀘어 ExtraBold" panose="020B0600000101010101" pitchFamily="50" charset="-127"/>
+                <a:ea typeface="나눔스퀘어 ExtraBold" panose="020B0600000101010101" pitchFamily="50" charset="-127"/>
+              </a:rPr>
+              <a:t>* download ZIP or clone repository</a:t>
+            </a:r>
+          </a:p>
+        </p:txBody>
+      </p:sp>
+      <p:sp>
+        <p:nvSpPr>
+          <p:cNvPr id="15" name="직사각형 14">
+            <a:extLst>
+              <a:ext uri="{FF2B5EF4-FFF2-40B4-BE49-F238E27FC236}">
+                <a16:creationId xmlns:a16="http://schemas.microsoft.com/office/drawing/2014/main" id="{05EBE7E3-D016-4900-A92D-A9BEEBB3CEB6}"/>
+              </a:ext>
+            </a:extLst>
+          </p:cNvPr>
+          <p:cNvSpPr/>
+          <p:nvPr/>
+        </p:nvSpPr>
+        <p:spPr>
+          <a:xfrm>
+            <a:off x="780869" y="1934989"/>
+            <a:ext cx="7087784" cy="384401"/>
+          </a:xfrm>
+          <a:prstGeom prst="rect">
+            <a:avLst/>
+          </a:prstGeom>
+          <a:ln w="38100">
+            <a:noFill/>
+            <a:prstDash val="sysDash"/>
+          </a:ln>
+        </p:spPr>
+        <p:txBody>
+          <a:bodyPr wrap="square">
+            <a:spAutoFit/>
+          </a:bodyPr>
+          <a:lstStyle/>
+          <a:p>
+            <a:pPr>
+              <a:lnSpc>
+                <a:spcPct val="150000"/>
+              </a:lnSpc>
+            </a:pPr>
+            <a:r>
+              <a:rPr lang="en-US" altLang="ko-KR" sz="1400" dirty="0">
+                <a:solidFill>
+                  <a:srgbClr val="FF0000"/>
+                </a:solidFill>
+                <a:latin typeface="나눔스퀘어 ExtraBold" panose="020B0600000101010101" pitchFamily="50" charset="-127"/>
+                <a:ea typeface="나눔스퀘어 ExtraBold" panose="020B0600000101010101" pitchFamily="50" charset="-127"/>
+              </a:rPr>
+              <a:t>* Place the folder in a path without special characters (ex. Korean).</a:t>
+            </a:r>
           </a:p>
         </p:txBody>
       </p:sp>
@@ -13247,35 +7509,6 @@
           <a:chExt cx="0" cy="0"/>
         </a:xfrm>
       </p:grpSpPr>
-      <p:pic>
-        <p:nvPicPr>
-          <p:cNvPr id="2" name="그림 1">
-            <a:extLst>
-              <a:ext uri="{FF2B5EF4-FFF2-40B4-BE49-F238E27FC236}">
-                <a16:creationId xmlns:a16="http://schemas.microsoft.com/office/drawing/2014/main" id="{E9FDFF18-909F-49EF-9976-2344753DF7E8}"/>
-              </a:ext>
-            </a:extLst>
-          </p:cNvPr>
-          <p:cNvPicPr>
-            <a:picLocks noChangeAspect="1"/>
-          </p:cNvPicPr>
-          <p:nvPr/>
-        </p:nvPicPr>
-        <p:blipFill rotWithShape="1">
-          <a:blip r:embed="rId3"/>
-          <a:srcRect r="70361"/>
-          <a:stretch/>
-        </p:blipFill>
-        <p:spPr>
-          <a:xfrm>
-            <a:off x="491843" y="2529699"/>
-            <a:ext cx="1739294" cy="1771897"/>
-          </a:xfrm>
-          <a:prstGeom prst="rect">
-            <a:avLst/>
-          </a:prstGeom>
-        </p:spPr>
-      </p:pic>
       <p:sp>
         <p:nvSpPr>
           <p:cNvPr id="4" name="슬라이드 번호 개체 틀 1">
@@ -13409,34 +7642,17 @@
                 <a:latin typeface="나눔스퀘어 ExtraBold" panose="020B0600000101010101" pitchFamily="50" charset="-127"/>
                 <a:ea typeface="나눔스퀘어 ExtraBold" panose="020B0600000101010101" pitchFamily="50" charset="-127"/>
               </a:rPr>
-              <a:t>2) </a:t>
-            </a:r>
-            <a:r>
-              <a:rPr lang="en-US" altLang="ko-KR" dirty="0" err="1">
-                <a:solidFill>
-                  <a:prstClr val="black"/>
-                </a:solidFill>
-                <a:latin typeface="나눔스퀘어 ExtraBold" panose="020B0600000101010101" pitchFamily="50" charset="-127"/>
-                <a:ea typeface="나눔스퀘어 ExtraBold" panose="020B0600000101010101" pitchFamily="50" charset="-127"/>
-              </a:rPr>
-              <a:t>Pycharm</a:t>
-            </a:r>
-            <a:endParaRPr lang="en-US" altLang="ko-KR" dirty="0">
-              <a:solidFill>
-                <a:prstClr val="black"/>
-              </a:solidFill>
-              <a:latin typeface="나눔스퀘어 ExtraBold" panose="020B0600000101010101" pitchFamily="50" charset="-127"/>
-              <a:ea typeface="나눔스퀘어 ExtraBold" panose="020B0600000101010101" pitchFamily="50" charset="-127"/>
-            </a:endParaRPr>
-          </a:p>
-        </p:txBody>
-      </p:sp>
-      <p:sp>
-        <p:nvSpPr>
-          <p:cNvPr id="7" name="직사각형 6">
-            <a:extLst>
-              <a:ext uri="{FF2B5EF4-FFF2-40B4-BE49-F238E27FC236}">
-                <a16:creationId xmlns:a16="http://schemas.microsoft.com/office/drawing/2014/main" id="{B6C04EDA-1DB0-4D5E-B028-1DED9423823D}"/>
+              <a:t>4) Install python packages (dependencies)</a:t>
+            </a:r>
+          </a:p>
+        </p:txBody>
+      </p:sp>
+      <p:sp>
+        <p:nvSpPr>
+          <p:cNvPr id="14" name="사각형: 둥근 모서리 13">
+            <a:extLst>
+              <a:ext uri="{FF2B5EF4-FFF2-40B4-BE49-F238E27FC236}">
+                <a16:creationId xmlns:a16="http://schemas.microsoft.com/office/drawing/2014/main" id="{2F195E29-1599-4A50-A753-5ECE3B95B235}"/>
               </a:ext>
             </a:extLst>
           </p:cNvPr>
@@ -13445,78 +7661,21 @@
         </p:nvSpPr>
         <p:spPr>
           <a:xfrm>
-            <a:off x="383828" y="1596446"/>
-            <a:ext cx="10782187" cy="384401"/>
-          </a:xfrm>
-          <a:prstGeom prst="rect">
+            <a:off x="794763" y="5541767"/>
+            <a:ext cx="6315900" cy="794335"/>
+          </a:xfrm>
+          <a:prstGeom prst="roundRect">
             <a:avLst/>
           </a:prstGeom>
-          <a:ln w="38100">
-            <a:noFill/>
-            <a:prstDash val="sysDash"/>
-          </a:ln>
-        </p:spPr>
-        <p:txBody>
-          <a:bodyPr wrap="square">
-            <a:spAutoFit/>
-          </a:bodyPr>
-          <a:lstStyle/>
-          <a:p>
-            <a:pPr>
-              <a:lnSpc>
-                <a:spcPct val="150000"/>
-              </a:lnSpc>
-            </a:pPr>
-            <a:r>
-              <a:rPr lang="en-US" altLang="ko-KR" sz="1400" dirty="0">
-                <a:latin typeface="나눔스퀘어" panose="020B0600000101010101" pitchFamily="50" charset="-127"/>
-                <a:ea typeface="나눔스퀘어" panose="020B0600000101010101" pitchFamily="50" charset="-127"/>
-              </a:rPr>
-              <a:t>③ Open PybulletCore.py with </a:t>
-            </a:r>
-            <a:r>
-              <a:rPr lang="en-US" altLang="ko-KR" sz="1400" dirty="0" err="1">
-                <a:latin typeface="나눔스퀘어" panose="020B0600000101010101" pitchFamily="50" charset="-127"/>
-                <a:ea typeface="나눔스퀘어" panose="020B0600000101010101" pitchFamily="50" charset="-127"/>
-              </a:rPr>
-              <a:t>Pycharm</a:t>
-            </a:r>
-            <a:r>
-              <a:rPr lang="en-US" altLang="ko-KR" sz="1400" dirty="0">
-                <a:latin typeface="나눔스퀘어" panose="020B0600000101010101" pitchFamily="50" charset="-127"/>
-                <a:ea typeface="나눔스퀘어" panose="020B0600000101010101" pitchFamily="50" charset="-127"/>
-              </a:rPr>
-              <a:t> and set Python Interpreter </a:t>
-            </a:r>
-          </a:p>
-        </p:txBody>
-      </p:sp>
-      <p:sp>
-        <p:nvSpPr>
-          <p:cNvPr id="11" name="직사각형 10">
-            <a:extLst>
-              <a:ext uri="{FF2B5EF4-FFF2-40B4-BE49-F238E27FC236}">
-                <a16:creationId xmlns:a16="http://schemas.microsoft.com/office/drawing/2014/main" id="{16B1CCCB-E137-4034-9B45-394FB693AAA4}"/>
-              </a:ext>
-            </a:extLst>
-          </p:cNvPr>
-          <p:cNvSpPr/>
-          <p:nvPr/>
-        </p:nvSpPr>
-        <p:spPr>
-          <a:xfrm>
-            <a:off x="528419" y="3776471"/>
-            <a:ext cx="1026061" cy="237745"/>
-          </a:xfrm>
-          <a:prstGeom prst="rect">
-            <a:avLst/>
-          </a:prstGeom>
-          <a:noFill/>
-          <a:ln w="38100">
+          <a:solidFill>
+            <a:schemeClr val="bg1">
+              <a:lumMod val="95000"/>
+            </a:schemeClr>
+          </a:solidFill>
+          <a:ln w="28575">
             <a:solidFill>
-              <a:srgbClr val="FF0000"/>
+              <a:schemeClr val="tx1"/>
             </a:solidFill>
-            <a:prstDash val="sysDash"/>
           </a:ln>
         </p:spPr>
         <p:style>
@@ -13539,17 +7698,96 @@
           <a:bodyPr rtlCol="0" anchor="ctr"/>
           <a:lstStyle/>
           <a:p>
-            <a:pPr algn="ctr"/>
-            <a:endParaRPr lang="ko-KR" altLang="en-US"/>
+            <a:r>
+              <a:rPr lang="en-US" altLang="ko-KR" sz="1400" dirty="0">
+                <a:solidFill>
+                  <a:schemeClr val="tx1"/>
+                </a:solidFill>
+                <a:latin typeface="나눔스퀘어" panose="020B0600000101010101" pitchFamily="50" charset="-127"/>
+                <a:ea typeface="나눔스퀘어" panose="020B0600000101010101" pitchFamily="50" charset="-127"/>
+              </a:rPr>
+              <a:t>&gt; cd [YOUR PATH]</a:t>
+            </a:r>
+          </a:p>
+          <a:p>
+            <a:r>
+              <a:rPr lang="en-US" altLang="ko-KR" sz="1400" dirty="0">
+                <a:solidFill>
+                  <a:schemeClr val="tx1"/>
+                </a:solidFill>
+                <a:latin typeface="나눔스퀘어" panose="020B0600000101010101" pitchFamily="50" charset="-127"/>
+                <a:ea typeface="나눔스퀘어" panose="020B0600000101010101" pitchFamily="50" charset="-127"/>
+              </a:rPr>
+              <a:t>&gt; pip install –r requirements.txt</a:t>
+            </a:r>
+          </a:p>
+          <a:p>
+            <a:r>
+              <a:rPr lang="en-US" altLang="ko-KR" sz="1400" dirty="0">
+                <a:solidFill>
+                  <a:schemeClr val="tx1"/>
+                </a:solidFill>
+                <a:latin typeface="나눔스퀘어" panose="020B0600000101010101" pitchFamily="50" charset="-127"/>
+                <a:ea typeface="나눔스퀘어" panose="020B0600000101010101" pitchFamily="50" charset="-127"/>
+              </a:rPr>
+              <a:t>&gt; </a:t>
+            </a:r>
+            <a:r>
+              <a:rPr lang="en-US" altLang="ko-KR" sz="1400" dirty="0" err="1">
+                <a:solidFill>
+                  <a:schemeClr val="tx1"/>
+                </a:solidFill>
+                <a:latin typeface="나눔스퀘어" panose="020B0600000101010101" pitchFamily="50" charset="-127"/>
+                <a:ea typeface="나눔스퀘어" panose="020B0600000101010101" pitchFamily="50" charset="-127"/>
+              </a:rPr>
+              <a:t>conda</a:t>
+            </a:r>
+            <a:r>
+              <a:rPr lang="en-US" altLang="ko-KR" sz="1400" dirty="0">
+                <a:solidFill>
+                  <a:schemeClr val="tx1"/>
+                </a:solidFill>
+                <a:latin typeface="나눔스퀘어" panose="020B0600000101010101" pitchFamily="50" charset="-127"/>
+                <a:ea typeface="나눔스퀘어" panose="020B0600000101010101" pitchFamily="50" charset="-127"/>
+              </a:rPr>
+              <a:t> install Pinocchio –c </a:t>
+            </a:r>
+            <a:r>
+              <a:rPr lang="en-US" altLang="ko-KR" sz="1400" dirty="0" err="1">
+                <a:solidFill>
+                  <a:schemeClr val="tx1"/>
+                </a:solidFill>
+                <a:latin typeface="나눔스퀘어" panose="020B0600000101010101" pitchFamily="50" charset="-127"/>
+                <a:ea typeface="나눔스퀘어" panose="020B0600000101010101" pitchFamily="50" charset="-127"/>
+              </a:rPr>
+              <a:t>conda</a:t>
+            </a:r>
+            <a:r>
+              <a:rPr lang="en-US" altLang="ko-KR" sz="1400" dirty="0">
+                <a:solidFill>
+                  <a:schemeClr val="tx1"/>
+                </a:solidFill>
+                <a:latin typeface="나눔스퀘어" panose="020B0600000101010101" pitchFamily="50" charset="-127"/>
+                <a:ea typeface="나눔스퀘어" panose="020B0600000101010101" pitchFamily="50" charset="-127"/>
+              </a:rPr>
+              <a:t>-forge</a:t>
+            </a:r>
+            <a:endParaRPr lang="ko-KR" altLang="en-US" sz="1400" dirty="0">
+              <a:solidFill>
+                <a:schemeClr val="tx1"/>
+              </a:solidFill>
+              <a:latin typeface="나눔스퀘어" panose="020B0600000101010101" pitchFamily="50" charset="-127"/>
+              <a:ea typeface="나눔스퀘어" panose="020B0600000101010101" pitchFamily="50" charset="-127"/>
+            </a:endParaRPr>
           </a:p>
         </p:txBody>
       </p:sp>
       <p:pic>
         <p:nvPicPr>
-          <p:cNvPr id="3" name="그림 2">
-            <a:extLst>
-              <a:ext uri="{FF2B5EF4-FFF2-40B4-BE49-F238E27FC236}">
-                <a16:creationId xmlns:a16="http://schemas.microsoft.com/office/drawing/2014/main" id="{E451756C-6477-4001-92C5-23EDAAFA0B4F}"/>
+          <p:cNvPr id="2" name="그림 1">
+            <a:extLst>
+              <a:ext uri="{FF2B5EF4-FFF2-40B4-BE49-F238E27FC236}">
+                <a16:creationId xmlns:a16="http://schemas.microsoft.com/office/drawing/2014/main" id="{4E0FC06E-9357-4E33-9DDD-4FA5B266FC91}"/>
               </a:ext>
             </a:extLst>
           </p:cNvPr>
@@ -13559,15 +7797,15 @@
           <p:nvPr/>
         </p:nvPicPr>
         <p:blipFill>
-          <a:blip r:embed="rId4"/>
+          <a:blip r:embed="rId3"/>
           <a:stretch>
             <a:fillRect/>
           </a:stretch>
         </p:blipFill>
         <p:spPr>
           <a:xfrm>
-            <a:off x="2477262" y="2579173"/>
-            <a:ext cx="4421860" cy="3143250"/>
+            <a:off x="794763" y="2189721"/>
+            <a:ext cx="7146079" cy="2478557"/>
           </a:xfrm>
           <a:prstGeom prst="rect">
             <a:avLst/>
@@ -13576,10 +7814,10 @@
       </p:pic>
       <p:sp>
         <p:nvSpPr>
-          <p:cNvPr id="10" name="직사각형 9">
-            <a:extLst>
-              <a:ext uri="{FF2B5EF4-FFF2-40B4-BE49-F238E27FC236}">
-                <a16:creationId xmlns:a16="http://schemas.microsoft.com/office/drawing/2014/main" id="{2FA07AF9-2FD7-4DCD-9A55-92AEB7CA5B31}"/>
+          <p:cNvPr id="16" name="직사각형 15">
+            <a:extLst>
+              <a:ext uri="{FF2B5EF4-FFF2-40B4-BE49-F238E27FC236}">
+                <a16:creationId xmlns:a16="http://schemas.microsoft.com/office/drawing/2014/main" id="{71E0AE60-161C-4A4A-B746-5831C6EA4E10}"/>
               </a:ext>
             </a:extLst>
           </p:cNvPr>
@@ -13588,8 +7826,8 @@
         </p:nvSpPr>
         <p:spPr>
           <a:xfrm>
-            <a:off x="6623050" y="2698369"/>
-            <a:ext cx="168275" cy="168275"/>
+            <a:off x="794762" y="3080569"/>
+            <a:ext cx="4399537" cy="268641"/>
           </a:xfrm>
           <a:prstGeom prst="rect">
             <a:avLst/>
@@ -13629,10 +7867,10 @@
       </p:sp>
       <p:sp>
         <p:nvSpPr>
-          <p:cNvPr id="12" name="직사각형 11">
-            <a:extLst>
-              <a:ext uri="{FF2B5EF4-FFF2-40B4-BE49-F238E27FC236}">
-                <a16:creationId xmlns:a16="http://schemas.microsoft.com/office/drawing/2014/main" id="{5964BFEE-BAF8-4476-87E8-0CE7E4AB49C1}"/>
+          <p:cNvPr id="8" name="직사각형 7">
+            <a:extLst>
+              <a:ext uri="{FF2B5EF4-FFF2-40B4-BE49-F238E27FC236}">
+                <a16:creationId xmlns:a16="http://schemas.microsoft.com/office/drawing/2014/main" id="{D9C67818-48A8-4F76-B766-B537DFB857E2}"/>
               </a:ext>
             </a:extLst>
           </p:cNvPr>
@@ -13641,267 +7879,56 @@
         </p:nvSpPr>
         <p:spPr>
           <a:xfrm>
-            <a:off x="6312527" y="2813960"/>
-            <a:ext cx="394660" cy="369332"/>
+            <a:off x="383828" y="1596446"/>
+            <a:ext cx="10782187" cy="384401"/>
           </a:xfrm>
           <a:prstGeom prst="rect">
             <a:avLst/>
           </a:prstGeom>
-        </p:spPr>
-        <p:txBody>
-          <a:bodyPr wrap="none">
+          <a:ln w="38100">
+            <a:noFill/>
+            <a:prstDash val="sysDash"/>
+          </a:ln>
+        </p:spPr>
+        <p:txBody>
+          <a:bodyPr wrap="square">
             <a:spAutoFit/>
           </a:bodyPr>
           <a:lstStyle/>
           <a:p>
-            <a:r>
-              <a:rPr lang="en-US" altLang="ko-KR" dirty="0">
-                <a:solidFill>
-                  <a:srgbClr val="FF0000"/>
-                </a:solidFill>
-                <a:latin typeface="나눔스퀘어 Bold" panose="020B0600000101010101" pitchFamily="50" charset="-127"/>
-                <a:ea typeface="나눔스퀘어 Bold" panose="020B0600000101010101" pitchFamily="50" charset="-127"/>
+            <a:pPr>
+              <a:lnSpc>
+                <a:spcPct val="150000"/>
+              </a:lnSpc>
+            </a:pPr>
+            <a:r>
+              <a:rPr lang="en-US" altLang="ko-KR" sz="1400" dirty="0">
+                <a:latin typeface="나눔스퀘어" panose="020B0600000101010101" pitchFamily="50" charset="-127"/>
+                <a:ea typeface="나눔스퀘어" panose="020B0600000101010101" pitchFamily="50" charset="-127"/>
               </a:rPr>
-              <a:t>①</a:t>
-            </a:r>
-            <a:endParaRPr lang="ko-KR" altLang="en-US" dirty="0">
-              <a:solidFill>
-                <a:srgbClr val="FF0000"/>
-              </a:solidFill>
-            </a:endParaRPr>
-          </a:p>
-        </p:txBody>
-      </p:sp>
-      <p:pic>
-        <p:nvPicPr>
-          <p:cNvPr id="9" name="그림 8">
-            <a:extLst>
-              <a:ext uri="{FF2B5EF4-FFF2-40B4-BE49-F238E27FC236}">
-                <a16:creationId xmlns:a16="http://schemas.microsoft.com/office/drawing/2014/main" id="{8C5C5AA6-AB79-4633-A3E9-6CFB85C0C4F4}"/>
-              </a:ext>
-            </a:extLst>
-          </p:cNvPr>
-          <p:cNvPicPr>
-            <a:picLocks noChangeAspect="1"/>
-          </p:cNvPicPr>
-          <p:nvPr/>
-        </p:nvPicPr>
-        <p:blipFill>
-          <a:blip r:embed="rId5"/>
-          <a:stretch>
-            <a:fillRect/>
-          </a:stretch>
-        </p:blipFill>
-        <p:spPr>
-          <a:xfrm>
-            <a:off x="7209644" y="2579173"/>
-            <a:ext cx="4334607" cy="3143250"/>
-          </a:xfrm>
-          <a:prstGeom prst="rect">
-            <a:avLst/>
-          </a:prstGeom>
-        </p:spPr>
-      </p:pic>
-      <p:sp>
-        <p:nvSpPr>
-          <p:cNvPr id="13" name="직사각형 12">
-            <a:extLst>
-              <a:ext uri="{FF2B5EF4-FFF2-40B4-BE49-F238E27FC236}">
-                <a16:creationId xmlns:a16="http://schemas.microsoft.com/office/drawing/2014/main" id="{DE523BC8-219B-4C21-85A3-D3311183E426}"/>
-              </a:ext>
-            </a:extLst>
-          </p:cNvPr>
-          <p:cNvSpPr/>
-          <p:nvPr/>
-        </p:nvSpPr>
-        <p:spPr>
-          <a:xfrm>
-            <a:off x="11296932" y="2914488"/>
-            <a:ext cx="190218" cy="168275"/>
-          </a:xfrm>
-          <a:prstGeom prst="rect">
-            <a:avLst/>
-          </a:prstGeom>
-          <a:noFill/>
-          <a:ln w="38100">
-            <a:solidFill>
-              <a:srgbClr val="FF0000"/>
-            </a:solidFill>
-            <a:prstDash val="sysDash"/>
-          </a:ln>
-        </p:spPr>
-        <p:style>
-          <a:lnRef idx="2">
-            <a:schemeClr val="accent1">
-              <a:shade val="50000"/>
-            </a:schemeClr>
-          </a:lnRef>
-          <a:fillRef idx="1">
-            <a:schemeClr val="accent1"/>
-          </a:fillRef>
-          <a:effectRef idx="0">
-            <a:schemeClr val="accent1"/>
-          </a:effectRef>
-          <a:fontRef idx="minor">
-            <a:schemeClr val="lt1"/>
-          </a:fontRef>
-        </p:style>
-        <p:txBody>
-          <a:bodyPr rtlCol="0" anchor="ctr"/>
-          <a:lstStyle/>
-          <a:p>
-            <a:pPr algn="ctr"/>
-            <a:endParaRPr lang="ko-KR" altLang="en-US"/>
-          </a:p>
-        </p:txBody>
-      </p:sp>
-      <p:sp>
-        <p:nvSpPr>
-          <p:cNvPr id="14" name="직사각형 13">
-            <a:extLst>
-              <a:ext uri="{FF2B5EF4-FFF2-40B4-BE49-F238E27FC236}">
-                <a16:creationId xmlns:a16="http://schemas.microsoft.com/office/drawing/2014/main" id="{BC0E6030-40ED-498D-878A-815E41D43EAC}"/>
-              </a:ext>
-            </a:extLst>
-          </p:cNvPr>
-          <p:cNvSpPr/>
-          <p:nvPr/>
-        </p:nvSpPr>
-        <p:spPr>
-          <a:xfrm>
-            <a:off x="7334250" y="3546468"/>
-            <a:ext cx="609600" cy="168275"/>
-          </a:xfrm>
-          <a:prstGeom prst="rect">
-            <a:avLst/>
-          </a:prstGeom>
-          <a:noFill/>
-          <a:ln w="38100">
-            <a:solidFill>
-              <a:srgbClr val="FF0000"/>
-            </a:solidFill>
-            <a:prstDash val="sysDash"/>
-          </a:ln>
-        </p:spPr>
-        <p:style>
-          <a:lnRef idx="2">
-            <a:schemeClr val="accent1">
-              <a:shade val="50000"/>
-            </a:schemeClr>
-          </a:lnRef>
-          <a:fillRef idx="1">
-            <a:schemeClr val="accent1"/>
-          </a:fillRef>
-          <a:effectRef idx="0">
-            <a:schemeClr val="accent1"/>
-          </a:effectRef>
-          <a:fontRef idx="minor">
-            <a:schemeClr val="lt1"/>
-          </a:fontRef>
-        </p:style>
-        <p:txBody>
-          <a:bodyPr rtlCol="0" anchor="ctr"/>
-          <a:lstStyle/>
-          <a:p>
-            <a:pPr algn="ctr"/>
-            <a:endParaRPr lang="ko-KR" altLang="en-US"/>
-          </a:p>
-        </p:txBody>
-      </p:sp>
-      <p:sp>
-        <p:nvSpPr>
-          <p:cNvPr id="17" name="직사각형 16">
-            <a:extLst>
-              <a:ext uri="{FF2B5EF4-FFF2-40B4-BE49-F238E27FC236}">
-                <a16:creationId xmlns:a16="http://schemas.microsoft.com/office/drawing/2014/main" id="{E2FB660A-EDE6-472C-B8AC-845B0D3CFBA9}"/>
-              </a:ext>
-            </a:extLst>
-          </p:cNvPr>
-          <p:cNvSpPr/>
-          <p:nvPr/>
-        </p:nvSpPr>
-        <p:spPr>
-          <a:xfrm>
-            <a:off x="7943850" y="3423909"/>
-            <a:ext cx="394660" cy="369332"/>
-          </a:xfrm>
-          <a:prstGeom prst="rect">
-            <a:avLst/>
-          </a:prstGeom>
-        </p:spPr>
-        <p:txBody>
-          <a:bodyPr wrap="none">
-            <a:spAutoFit/>
-          </a:bodyPr>
-          <a:lstStyle/>
-          <a:p>
-            <a:r>
-              <a:rPr lang="en-US" altLang="ko-KR" dirty="0">
-                <a:solidFill>
-                  <a:srgbClr val="FF0000"/>
-                </a:solidFill>
-                <a:latin typeface="나눔스퀘어 Bold" panose="020B0600000101010101" pitchFamily="50" charset="-127"/>
-                <a:ea typeface="나눔스퀘어 Bold" panose="020B0600000101010101" pitchFamily="50" charset="-127"/>
+              <a:t>① Install the required dependencies via “pip install” and “</a:t>
+            </a:r>
+            <a:r>
+              <a:rPr lang="en-US" altLang="ko-KR" sz="1400" dirty="0" err="1">
+                <a:latin typeface="나눔스퀘어" panose="020B0600000101010101" pitchFamily="50" charset="-127"/>
+                <a:ea typeface="나눔스퀘어" panose="020B0600000101010101" pitchFamily="50" charset="-127"/>
               </a:rPr>
-              <a:t>②</a:t>
-            </a:r>
-            <a:endParaRPr lang="ko-KR" altLang="en-US" dirty="0">
-              <a:solidFill>
-                <a:srgbClr val="FF0000"/>
-              </a:solidFill>
-            </a:endParaRPr>
-          </a:p>
-        </p:txBody>
-      </p:sp>
-      <p:sp>
-        <p:nvSpPr>
-          <p:cNvPr id="18" name="직사각형 17">
-            <a:extLst>
-              <a:ext uri="{FF2B5EF4-FFF2-40B4-BE49-F238E27FC236}">
-                <a16:creationId xmlns:a16="http://schemas.microsoft.com/office/drawing/2014/main" id="{607EBFB0-12F8-49AA-ACAD-A3CEC1FCB5E7}"/>
-              </a:ext>
-            </a:extLst>
-          </p:cNvPr>
-          <p:cNvSpPr/>
-          <p:nvPr/>
-        </p:nvSpPr>
-        <p:spPr>
-          <a:xfrm>
-            <a:off x="11149591" y="3101310"/>
-            <a:ext cx="394660" cy="369332"/>
-          </a:xfrm>
-          <a:prstGeom prst="rect">
-            <a:avLst/>
-          </a:prstGeom>
-        </p:spPr>
-        <p:txBody>
-          <a:bodyPr wrap="none">
-            <a:spAutoFit/>
-          </a:bodyPr>
-          <a:lstStyle/>
-          <a:p>
-            <a:r>
-              <a:rPr lang="en-US" altLang="ko-KR" dirty="0">
-                <a:solidFill>
-                  <a:srgbClr val="FF0000"/>
-                </a:solidFill>
-                <a:latin typeface="나눔스퀘어 Bold" panose="020B0600000101010101" pitchFamily="50" charset="-127"/>
-                <a:ea typeface="나눔스퀘어 Bold" panose="020B0600000101010101" pitchFamily="50" charset="-127"/>
+              <a:t>conda</a:t>
+            </a:r>
+            <a:r>
+              <a:rPr lang="en-US" altLang="ko-KR" sz="1400" dirty="0">
+                <a:latin typeface="나눔스퀘어" panose="020B0600000101010101" pitchFamily="50" charset="-127"/>
+                <a:ea typeface="나눔스퀘어" panose="020B0600000101010101" pitchFamily="50" charset="-127"/>
               </a:rPr>
-              <a:t>③</a:t>
-            </a:r>
-            <a:endParaRPr lang="ko-KR" altLang="en-US" dirty="0">
-              <a:solidFill>
-                <a:srgbClr val="FF0000"/>
-              </a:solidFill>
-            </a:endParaRPr>
+              <a:t> install”. </a:t>
+            </a:r>
           </a:p>
         </p:txBody>
       </p:sp>
     </p:spTree>
     <p:extLst>
       <p:ext uri="{BB962C8B-B14F-4D97-AF65-F5344CB8AC3E}">
-        <p14:creationId xmlns:p14="http://schemas.microsoft.com/office/powerpoint/2010/main" val="3495808210"/>
+        <p14:creationId xmlns:p14="http://schemas.microsoft.com/office/powerpoint/2010/main" val="2335530207"/>
       </p:ext>
     </p:extLst>
   </p:cSld>
@@ -14020,17 +8047,17 @@
                 <a:latin typeface="나눔스퀘어 ExtraBold" panose="020B0600000101010101" pitchFamily="50" charset="-127"/>
                 <a:ea typeface="나눔스퀘어 ExtraBold" panose="020B0600000101010101" pitchFamily="50" charset="-127"/>
               </a:rPr>
-              <a:t>1. Installation</a:t>
-            </a:r>
-          </a:p>
-        </p:txBody>
-      </p:sp>
-      <p:sp>
-        <p:nvSpPr>
-          <p:cNvPr id="6" name="TextBox 5">
-            <a:extLst>
-              <a:ext uri="{FF2B5EF4-FFF2-40B4-BE49-F238E27FC236}">
-                <a16:creationId xmlns:a16="http://schemas.microsoft.com/office/drawing/2014/main" id="{4E09E407-957A-4A1B-9D85-66A67B24E77E}"/>
+              <a:t>2. Run example code</a:t>
+            </a:r>
+          </a:p>
+        </p:txBody>
+      </p:sp>
+      <p:sp>
+        <p:nvSpPr>
+          <p:cNvPr id="7" name="TextBox 6">
+            <a:extLst>
+              <a:ext uri="{FF2B5EF4-FFF2-40B4-BE49-F238E27FC236}">
+                <a16:creationId xmlns:a16="http://schemas.microsoft.com/office/drawing/2014/main" id="{98965B6C-4EAD-4AC7-A3C1-FA39152BDFDC}"/>
               </a:ext>
             </a:extLst>
           </p:cNvPr>
@@ -14053,6 +8080,16 @@
           </a:bodyPr>
           <a:lstStyle/>
           <a:p>
+            <a:r>
+              <a:rPr lang="en-US" altLang="ko-KR">
+                <a:solidFill>
+                  <a:prstClr val="black"/>
+                </a:solidFill>
+                <a:latin typeface="나눔스퀘어 ExtraBold" panose="020B0600000101010101" pitchFamily="50" charset="-127"/>
+                <a:ea typeface="나눔스퀘어 ExtraBold" panose="020B0600000101010101" pitchFamily="50" charset="-127"/>
+              </a:rPr>
+              <a:t>Jupyter</a:t>
+            </a:r>
             <a:r>
               <a:rPr lang="en-US" altLang="ko-KR" dirty="0">
                 <a:solidFill>
@@ -14061,34 +8098,17 @@
                 <a:latin typeface="나눔스퀘어 ExtraBold" panose="020B0600000101010101" pitchFamily="50" charset="-127"/>
                 <a:ea typeface="나눔스퀘어 ExtraBold" panose="020B0600000101010101" pitchFamily="50" charset="-127"/>
               </a:rPr>
-              <a:t>2) </a:t>
-            </a:r>
-            <a:r>
-              <a:rPr lang="en-US" altLang="ko-KR" dirty="0" err="1">
-                <a:solidFill>
-                  <a:prstClr val="black"/>
-                </a:solidFill>
-                <a:latin typeface="나눔스퀘어 ExtraBold" panose="020B0600000101010101" pitchFamily="50" charset="-127"/>
-                <a:ea typeface="나눔스퀘어 ExtraBold" panose="020B0600000101010101" pitchFamily="50" charset="-127"/>
-              </a:rPr>
-              <a:t>Pycharm</a:t>
-            </a:r>
-            <a:endParaRPr lang="en-US" altLang="ko-KR" dirty="0">
-              <a:solidFill>
-                <a:prstClr val="black"/>
-              </a:solidFill>
-              <a:latin typeface="나눔스퀘어 ExtraBold" panose="020B0600000101010101" pitchFamily="50" charset="-127"/>
-              <a:ea typeface="나눔스퀘어 ExtraBold" panose="020B0600000101010101" pitchFamily="50" charset="-127"/>
-            </a:endParaRPr>
-          </a:p>
-        </p:txBody>
-      </p:sp>
-      <p:sp>
-        <p:nvSpPr>
-          <p:cNvPr id="7" name="직사각형 6">
-            <a:extLst>
-              <a:ext uri="{FF2B5EF4-FFF2-40B4-BE49-F238E27FC236}">
-                <a16:creationId xmlns:a16="http://schemas.microsoft.com/office/drawing/2014/main" id="{B6C04EDA-1DB0-4D5E-B028-1DED9423823D}"/>
+              <a:t> notebook</a:t>
+            </a:r>
+          </a:p>
+        </p:txBody>
+      </p:sp>
+      <p:sp>
+        <p:nvSpPr>
+          <p:cNvPr id="9" name="직사각형 8">
+            <a:extLst>
+              <a:ext uri="{FF2B5EF4-FFF2-40B4-BE49-F238E27FC236}">
+                <a16:creationId xmlns:a16="http://schemas.microsoft.com/office/drawing/2014/main" id="{4E05F183-D635-412A-B602-EAC388CBD16C}"/>
               </a:ext>
             </a:extLst>
           </p:cNvPr>
@@ -14124,31 +8144,42 @@
                 <a:latin typeface="나눔스퀘어" panose="020B0600000101010101" pitchFamily="50" charset="-127"/>
                 <a:ea typeface="나눔스퀘어" panose="020B0600000101010101" pitchFamily="50" charset="-127"/>
               </a:rPr>
-              <a:t>③ Open PybulletCore.py with </a:t>
+              <a:t>① Open </a:t>
             </a:r>
             <a:r>
               <a:rPr lang="en-US" altLang="ko-KR" sz="1400" dirty="0" err="1">
                 <a:latin typeface="나눔스퀘어" panose="020B0600000101010101" pitchFamily="50" charset="-127"/>
                 <a:ea typeface="나눔스퀘어" panose="020B0600000101010101" pitchFamily="50" charset="-127"/>
               </a:rPr>
-              <a:t>Pycharm</a:t>
+              <a:t>jupyter</a:t>
             </a:r>
             <a:r>
               <a:rPr lang="en-US" altLang="ko-KR" sz="1400" dirty="0">
                 <a:latin typeface="나눔스퀘어" panose="020B0600000101010101" pitchFamily="50" charset="-127"/>
                 <a:ea typeface="나눔스퀘어" panose="020B0600000101010101" pitchFamily="50" charset="-127"/>
               </a:rPr>
-              <a:t>, and set Python Interpreter </a:t>
-            </a:r>
+              <a:t> notebook in project directory, and open </a:t>
+            </a:r>
+            <a:r>
+              <a:rPr lang="en-US" altLang="ko-KR" sz="1400" i="1" dirty="0" err="1">
+                <a:latin typeface="나눔스퀘어" panose="020B0600000101010101" pitchFamily="50" charset="-127"/>
+                <a:ea typeface="나눔스퀘어" panose="020B0600000101010101" pitchFamily="50" charset="-127"/>
+              </a:rPr>
+              <a:t>ExampleCode.ipynb</a:t>
+            </a:r>
+            <a:endParaRPr lang="en-US" altLang="ko-KR" sz="1400" i="1" dirty="0">
+              <a:latin typeface="나눔스퀘어" panose="020B0600000101010101" pitchFamily="50" charset="-127"/>
+              <a:ea typeface="나눔스퀘어" panose="020B0600000101010101" pitchFamily="50" charset="-127"/>
+            </a:endParaRPr>
           </a:p>
         </p:txBody>
       </p:sp>
       <p:pic>
         <p:nvPicPr>
-          <p:cNvPr id="8" name="그림 7">
-            <a:extLst>
-              <a:ext uri="{FF2B5EF4-FFF2-40B4-BE49-F238E27FC236}">
-                <a16:creationId xmlns:a16="http://schemas.microsoft.com/office/drawing/2014/main" id="{51719504-02FB-4911-AC96-17770A210199}"/>
+          <p:cNvPr id="10" name="그림 9">
+            <a:extLst>
+              <a:ext uri="{FF2B5EF4-FFF2-40B4-BE49-F238E27FC236}">
+                <a16:creationId xmlns:a16="http://schemas.microsoft.com/office/drawing/2014/main" id="{E1B74B7C-3338-4DDD-A2AF-C7A0BDA23F99}"/>
               </a:ext>
             </a:extLst>
           </p:cNvPr>
@@ -14165,8 +8196,8 @@
         </p:blipFill>
         <p:spPr>
           <a:xfrm>
-            <a:off x="2281690" y="2252614"/>
-            <a:ext cx="6986462" cy="4023358"/>
+            <a:off x="383828" y="2449365"/>
+            <a:ext cx="7991475" cy="2771775"/>
           </a:xfrm>
           <a:prstGeom prst="rect">
             <a:avLst/>
@@ -14175,10 +8206,10 @@
       </p:pic>
       <p:sp>
         <p:nvSpPr>
-          <p:cNvPr id="19" name="직사각형 18">
-            <a:extLst>
-              <a:ext uri="{FF2B5EF4-FFF2-40B4-BE49-F238E27FC236}">
-                <a16:creationId xmlns:a16="http://schemas.microsoft.com/office/drawing/2014/main" id="{9DE98CCD-A878-4DF5-AE36-99E1B3B4B8F5}"/>
+          <p:cNvPr id="13" name="직사각형 12">
+            <a:extLst>
+              <a:ext uri="{FF2B5EF4-FFF2-40B4-BE49-F238E27FC236}">
+                <a16:creationId xmlns:a16="http://schemas.microsoft.com/office/drawing/2014/main" id="{5C4ADD81-8B69-4252-ABAB-2B5F60B63F97}"/>
               </a:ext>
             </a:extLst>
           </p:cNvPr>
@@ -14187,8 +8218,8 @@
         </p:nvSpPr>
         <p:spPr>
           <a:xfrm>
-            <a:off x="2353662" y="2671272"/>
-            <a:ext cx="1026061" cy="237745"/>
+            <a:off x="383828" y="3456355"/>
+            <a:ext cx="6230197" cy="268641"/>
           </a:xfrm>
           <a:prstGeom prst="rect">
             <a:avLst/>
@@ -14226,50 +8257,42 @@
           </a:p>
         </p:txBody>
       </p:sp>
-      <p:sp>
-        <p:nvSpPr>
-          <p:cNvPr id="20" name="직사각형 19">
-            <a:extLst>
-              <a:ext uri="{FF2B5EF4-FFF2-40B4-BE49-F238E27FC236}">
-                <a16:creationId xmlns:a16="http://schemas.microsoft.com/office/drawing/2014/main" id="{9BB9420A-294A-4720-AF15-B3538B317308}"/>
-              </a:ext>
-            </a:extLst>
-          </p:cNvPr>
-          <p:cNvSpPr/>
+      <p:pic>
+        <p:nvPicPr>
+          <p:cNvPr id="14" name="그림 13">
+            <a:extLst>
+              <a:ext uri="{FF2B5EF4-FFF2-40B4-BE49-F238E27FC236}">
+                <a16:creationId xmlns:a16="http://schemas.microsoft.com/office/drawing/2014/main" id="{32A41A80-3780-4B14-8C5F-17E9366F47BC}"/>
+              </a:ext>
+            </a:extLst>
+          </p:cNvPr>
+          <p:cNvPicPr>
+            <a:picLocks noChangeAspect="1"/>
+          </p:cNvPicPr>
           <p:nvPr/>
-        </p:nvSpPr>
-        <p:spPr>
-          <a:xfrm>
-            <a:off x="3379723" y="2605478"/>
-            <a:ext cx="415498" cy="369332"/>
+        </p:nvPicPr>
+        <p:blipFill>
+          <a:blip r:embed="rId4"/>
+          <a:stretch>
+            <a:fillRect/>
+          </a:stretch>
+        </p:blipFill>
+        <p:spPr>
+          <a:xfrm>
+            <a:off x="8920391" y="2764062"/>
+            <a:ext cx="2172003" cy="2343477"/>
           </a:xfrm>
           <a:prstGeom prst="rect">
             <a:avLst/>
           </a:prstGeom>
         </p:spPr>
-        <p:txBody>
-          <a:bodyPr wrap="none">
-            <a:spAutoFit/>
-          </a:bodyPr>
-          <a:lstStyle/>
-          <a:p>
-            <a:r>
-              <a:rPr lang="ko-KR" altLang="en-US" dirty="0">
-                <a:solidFill>
-                  <a:srgbClr val="FF0000"/>
-                </a:solidFill>
-              </a:rPr>
-              <a:t>④</a:t>
-            </a:r>
-          </a:p>
-        </p:txBody>
-      </p:sp>
-      <p:sp>
-        <p:nvSpPr>
-          <p:cNvPr id="21" name="직사각형 20">
-            <a:extLst>
-              <a:ext uri="{FF2B5EF4-FFF2-40B4-BE49-F238E27FC236}">
-                <a16:creationId xmlns:a16="http://schemas.microsoft.com/office/drawing/2014/main" id="{7F756190-2101-492B-BC1B-D5B40465E229}"/>
+      </p:pic>
+      <p:sp>
+        <p:nvSpPr>
+          <p:cNvPr id="11" name="직사각형 10">
+            <a:extLst>
+              <a:ext uri="{FF2B5EF4-FFF2-40B4-BE49-F238E27FC236}">
+                <a16:creationId xmlns:a16="http://schemas.microsoft.com/office/drawing/2014/main" id="{0F4D22D7-020E-4D6B-89A6-0CA3DA3B2608}"/>
               </a:ext>
             </a:extLst>
           </p:cNvPr>
@@ -14278,8 +8301,8 @@
         </p:nvSpPr>
         <p:spPr>
           <a:xfrm>
-            <a:off x="3587472" y="3645446"/>
-            <a:ext cx="1026061" cy="237745"/>
+            <a:off x="9306791" y="4063425"/>
+            <a:ext cx="1557726" cy="298743"/>
           </a:xfrm>
           <a:prstGeom prst="rect">
             <a:avLst/>
@@ -14317,139 +8340,10 @@
           </a:p>
         </p:txBody>
       </p:sp>
-      <p:sp>
-        <p:nvSpPr>
-          <p:cNvPr id="22" name="직사각형 21">
-            <a:extLst>
-              <a:ext uri="{FF2B5EF4-FFF2-40B4-BE49-F238E27FC236}">
-                <a16:creationId xmlns:a16="http://schemas.microsoft.com/office/drawing/2014/main" id="{DB5D48F7-27F7-4633-9E6D-0AFB54863964}"/>
-              </a:ext>
-            </a:extLst>
-          </p:cNvPr>
-          <p:cNvSpPr/>
-          <p:nvPr/>
-        </p:nvSpPr>
-        <p:spPr>
-          <a:xfrm>
-            <a:off x="4613533" y="3579652"/>
-            <a:ext cx="415498" cy="369332"/>
-          </a:xfrm>
-          <a:prstGeom prst="rect">
-            <a:avLst/>
-          </a:prstGeom>
-        </p:spPr>
-        <p:txBody>
-          <a:bodyPr wrap="none">
-            <a:spAutoFit/>
-          </a:bodyPr>
-          <a:lstStyle/>
-          <a:p>
-            <a:r>
-              <a:rPr lang="ko-KR" altLang="en-US" dirty="0">
-                <a:solidFill>
-                  <a:srgbClr val="FF0000"/>
-                </a:solidFill>
-              </a:rPr>
-              <a:t>⑤</a:t>
-            </a:r>
-          </a:p>
-        </p:txBody>
-      </p:sp>
-      <p:sp>
-        <p:nvSpPr>
-          <p:cNvPr id="23" name="직사각형 22">
-            <a:extLst>
-              <a:ext uri="{FF2B5EF4-FFF2-40B4-BE49-F238E27FC236}">
-                <a16:creationId xmlns:a16="http://schemas.microsoft.com/office/drawing/2014/main" id="{E01316A4-31D8-4544-A2F9-7EFFC7F1F92B}"/>
-              </a:ext>
-            </a:extLst>
-          </p:cNvPr>
-          <p:cNvSpPr/>
-          <p:nvPr/>
-        </p:nvSpPr>
-        <p:spPr>
-          <a:xfrm>
-            <a:off x="4516000" y="4101878"/>
-            <a:ext cx="2768720" cy="237745"/>
-          </a:xfrm>
-          <a:prstGeom prst="rect">
-            <a:avLst/>
-          </a:prstGeom>
-          <a:noFill/>
-          <a:ln w="38100">
-            <a:solidFill>
-              <a:srgbClr val="FF0000"/>
-            </a:solidFill>
-            <a:prstDash val="sysDash"/>
-          </a:ln>
-        </p:spPr>
-        <p:style>
-          <a:lnRef idx="2">
-            <a:schemeClr val="accent1">
-              <a:shade val="50000"/>
-            </a:schemeClr>
-          </a:lnRef>
-          <a:fillRef idx="1">
-            <a:schemeClr val="accent1"/>
-          </a:fillRef>
-          <a:effectRef idx="0">
-            <a:schemeClr val="accent1"/>
-          </a:effectRef>
-          <a:fontRef idx="minor">
-            <a:schemeClr val="lt1"/>
-          </a:fontRef>
-        </p:style>
-        <p:txBody>
-          <a:bodyPr rtlCol="0" anchor="ctr"/>
-          <a:lstStyle/>
-          <a:p>
-            <a:pPr algn="ctr"/>
-            <a:endParaRPr lang="ko-KR" altLang="en-US"/>
-          </a:p>
-        </p:txBody>
-      </p:sp>
-      <p:sp>
-        <p:nvSpPr>
-          <p:cNvPr id="24" name="직사각형 23">
-            <a:extLst>
-              <a:ext uri="{FF2B5EF4-FFF2-40B4-BE49-F238E27FC236}">
-                <a16:creationId xmlns:a16="http://schemas.microsoft.com/office/drawing/2014/main" id="{0CD46C03-6C00-48CB-8EF7-68C95A63E506}"/>
-              </a:ext>
-            </a:extLst>
-          </p:cNvPr>
-          <p:cNvSpPr/>
-          <p:nvPr/>
-        </p:nvSpPr>
-        <p:spPr>
-          <a:xfrm>
-            <a:off x="7284720" y="4036084"/>
-            <a:ext cx="415498" cy="369332"/>
-          </a:xfrm>
-          <a:prstGeom prst="rect">
-            <a:avLst/>
-          </a:prstGeom>
-        </p:spPr>
-        <p:txBody>
-          <a:bodyPr wrap="none">
-            <a:spAutoFit/>
-          </a:bodyPr>
-          <a:lstStyle/>
-          <a:p>
-            <a:r>
-              <a:rPr lang="ko-KR" altLang="en-US" dirty="0">
-                <a:solidFill>
-                  <a:srgbClr val="FF0000"/>
-                </a:solidFill>
-              </a:rPr>
-              <a:t>⑥</a:t>
-            </a:r>
-          </a:p>
-        </p:txBody>
-      </p:sp>
     </p:spTree>
     <p:extLst>
       <p:ext uri="{BB962C8B-B14F-4D97-AF65-F5344CB8AC3E}">
-        <p14:creationId xmlns:p14="http://schemas.microsoft.com/office/powerpoint/2010/main" val="1820465466"/>
+        <p14:creationId xmlns:p14="http://schemas.microsoft.com/office/powerpoint/2010/main" val="1005171520"/>
       </p:ext>
     </p:extLst>
   </p:cSld>
@@ -14476,6 +8370,36 @@
           <a:chExt cx="0" cy="0"/>
         </a:xfrm>
       </p:grpSpPr>
+      <p:pic>
+        <p:nvPicPr>
+          <p:cNvPr id="2" name="그림 1">
+            <a:extLst>
+              <a:ext uri="{FF2B5EF4-FFF2-40B4-BE49-F238E27FC236}">
+                <a16:creationId xmlns:a16="http://schemas.microsoft.com/office/drawing/2014/main" id="{386B3ABA-2B06-4806-ADC2-717C0CBDB686}"/>
+              </a:ext>
+            </a:extLst>
+          </p:cNvPr>
+          <p:cNvPicPr>
+            <a:picLocks noChangeAspect="1"/>
+          </p:cNvPicPr>
+          <p:nvPr/>
+        </p:nvPicPr>
+        <p:blipFill>
+          <a:blip r:embed="rId3"/>
+          <a:stretch>
+            <a:fillRect/>
+          </a:stretch>
+        </p:blipFill>
+        <p:spPr>
+          <a:xfrm>
+            <a:off x="671671" y="2105379"/>
+            <a:ext cx="7991475" cy="2771775"/>
+          </a:xfrm>
+          <a:prstGeom prst="rect">
+            <a:avLst/>
+          </a:prstGeom>
+        </p:spPr>
+      </p:pic>
       <p:sp>
         <p:nvSpPr>
           <p:cNvPr id="4" name="슬라이드 번호 개체 틀 1">
@@ -14568,7 +8492,7 @@
                 <a:latin typeface="나눔스퀘어 ExtraBold" panose="020B0600000101010101" pitchFamily="50" charset="-127"/>
                 <a:ea typeface="나눔스퀘어 ExtraBold" panose="020B0600000101010101" pitchFamily="50" charset="-127"/>
               </a:rPr>
-              <a:t>2. Code Implementation</a:t>
+              <a:t>3. Source Code Manual</a:t>
             </a:r>
           </a:p>
         </p:txBody>
@@ -14609,60 +8533,11 @@
                 <a:latin typeface="나눔스퀘어 ExtraBold" panose="020B0600000101010101" pitchFamily="50" charset="-127"/>
                 <a:ea typeface="나눔스퀘어 ExtraBold" panose="020B0600000101010101" pitchFamily="50" charset="-127"/>
               </a:rPr>
-              <a:t>1) </a:t>
-            </a:r>
-            <a:r>
-              <a:rPr lang="en-US" altLang="ko-KR" dirty="0" err="1">
-                <a:solidFill>
-                  <a:prstClr val="black"/>
-                </a:solidFill>
-                <a:latin typeface="나눔스퀘어 ExtraBold" panose="020B0600000101010101" pitchFamily="50" charset="-127"/>
-                <a:ea typeface="나눔스퀘어 ExtraBold" panose="020B0600000101010101" pitchFamily="50" charset="-127"/>
-              </a:rPr>
-              <a:t>Jupyter</a:t>
-            </a:r>
-            <a:r>
-              <a:rPr lang="en-US" altLang="ko-KR" dirty="0">
-                <a:solidFill>
-                  <a:prstClr val="black"/>
-                </a:solidFill>
-                <a:latin typeface="나눔스퀘어 ExtraBold" panose="020B0600000101010101" pitchFamily="50" charset="-127"/>
-                <a:ea typeface="나눔스퀘어 ExtraBold" panose="020B0600000101010101" pitchFamily="50" charset="-127"/>
-              </a:rPr>
-              <a:t> notebook</a:t>
-            </a:r>
-          </a:p>
-        </p:txBody>
-      </p:sp>
-      <p:pic>
-        <p:nvPicPr>
-          <p:cNvPr id="8" name="그림 7">
-            <a:extLst>
-              <a:ext uri="{FF2B5EF4-FFF2-40B4-BE49-F238E27FC236}">
-                <a16:creationId xmlns:a16="http://schemas.microsoft.com/office/drawing/2014/main" id="{2EA256C2-5DEC-44BA-8BCF-1B576D27A299}"/>
-              </a:ext>
-            </a:extLst>
-          </p:cNvPr>
-          <p:cNvPicPr>
-            <a:picLocks noChangeAspect="1"/>
-          </p:cNvPicPr>
-          <p:nvPr/>
-        </p:nvPicPr>
-        <p:blipFill rotWithShape="1">
-          <a:blip r:embed="rId3"/>
-          <a:srcRect r="9255" b="31632"/>
-          <a:stretch/>
-        </p:blipFill>
-        <p:spPr>
-          <a:xfrm>
-            <a:off x="687501" y="2767444"/>
-            <a:ext cx="7424738" cy="2494110"/>
-          </a:xfrm>
-          <a:prstGeom prst="rect">
-            <a:avLst/>
-          </a:prstGeom>
-        </p:spPr>
-      </p:pic>
+              <a:t>Build docs (.html) file via sphinx</a:t>
+            </a:r>
+          </a:p>
+        </p:txBody>
+      </p:sp>
       <p:sp>
         <p:nvSpPr>
           <p:cNvPr id="9" name="직사각형 8">
@@ -14734,36 +8609,6 @@
           </a:p>
         </p:txBody>
       </p:sp>
-      <p:pic>
-        <p:nvPicPr>
-          <p:cNvPr id="10" name="그림 9">
-            <a:extLst>
-              <a:ext uri="{FF2B5EF4-FFF2-40B4-BE49-F238E27FC236}">
-                <a16:creationId xmlns:a16="http://schemas.microsoft.com/office/drawing/2014/main" id="{6F379B5E-480E-49CD-8F6F-8E56287B8022}"/>
-              </a:ext>
-            </a:extLst>
-          </p:cNvPr>
-          <p:cNvPicPr>
-            <a:picLocks noChangeAspect="1"/>
-          </p:cNvPicPr>
-          <p:nvPr/>
-        </p:nvPicPr>
-        <p:blipFill>
-          <a:blip r:embed="rId4"/>
-          <a:stretch>
-            <a:fillRect/>
-          </a:stretch>
-        </p:blipFill>
-        <p:spPr>
-          <a:xfrm>
-            <a:off x="8996602" y="2985655"/>
-            <a:ext cx="2400635" cy="2057687"/>
-          </a:xfrm>
-          <a:prstGeom prst="rect">
-            <a:avLst/>
-          </a:prstGeom>
-        </p:spPr>
-      </p:pic>
       <p:sp>
         <p:nvSpPr>
           <p:cNvPr id="11" name="직사각형 10">
@@ -14778,8 +8623,8 @@
         </p:nvSpPr>
         <p:spPr>
           <a:xfrm>
-            <a:off x="9448800" y="3685881"/>
-            <a:ext cx="1628775" cy="298743"/>
+            <a:off x="671671" y="2346717"/>
+            <a:ext cx="6124783" cy="616291"/>
           </a:xfrm>
           <a:prstGeom prst="rect">
             <a:avLst/>
@@ -14817,10 +8662,93 @@
           </a:p>
         </p:txBody>
       </p:sp>
+      <p:sp>
+        <p:nvSpPr>
+          <p:cNvPr id="10" name="사각형: 둥근 모서리 9">
+            <a:extLst>
+              <a:ext uri="{FF2B5EF4-FFF2-40B4-BE49-F238E27FC236}">
+                <a16:creationId xmlns:a16="http://schemas.microsoft.com/office/drawing/2014/main" id="{B4BC6427-BA39-4D95-8209-D757C3735FC6}"/>
+              </a:ext>
+            </a:extLst>
+          </p:cNvPr>
+          <p:cNvSpPr/>
+          <p:nvPr/>
+        </p:nvSpPr>
+        <p:spPr>
+          <a:xfrm>
+            <a:off x="794763" y="5541767"/>
+            <a:ext cx="6315900" cy="794335"/>
+          </a:xfrm>
+          <a:prstGeom prst="roundRect">
+            <a:avLst/>
+          </a:prstGeom>
+          <a:solidFill>
+            <a:schemeClr val="bg1">
+              <a:lumMod val="95000"/>
+            </a:schemeClr>
+          </a:solidFill>
+          <a:ln w="28575">
+            <a:solidFill>
+              <a:schemeClr val="tx1"/>
+            </a:solidFill>
+          </a:ln>
+        </p:spPr>
+        <p:style>
+          <a:lnRef idx="2">
+            <a:schemeClr val="accent1">
+              <a:shade val="50000"/>
+            </a:schemeClr>
+          </a:lnRef>
+          <a:fillRef idx="1">
+            <a:schemeClr val="accent1"/>
+          </a:fillRef>
+          <a:effectRef idx="0">
+            <a:schemeClr val="accent1"/>
+          </a:effectRef>
+          <a:fontRef idx="minor">
+            <a:schemeClr val="lt1"/>
+          </a:fontRef>
+        </p:style>
+        <p:txBody>
+          <a:bodyPr rtlCol="0" anchor="ctr"/>
+          <a:lstStyle/>
+          <a:p>
+            <a:r>
+              <a:rPr lang="en-US" altLang="ko-KR" sz="1400" dirty="0">
+                <a:solidFill>
+                  <a:schemeClr val="tx1"/>
+                </a:solidFill>
+                <a:latin typeface="나눔스퀘어" panose="020B0600000101010101" pitchFamily="50" charset="-127"/>
+                <a:ea typeface="나눔스퀘어" panose="020B0600000101010101" pitchFamily="50" charset="-127"/>
+              </a:rPr>
+              <a:t>&gt; cd docs</a:t>
+            </a:r>
+          </a:p>
+          <a:p>
+            <a:r>
+              <a:rPr lang="en-US" altLang="ko-KR" sz="1400" dirty="0">
+                <a:solidFill>
+                  <a:schemeClr val="tx1"/>
+                </a:solidFill>
+                <a:latin typeface="나눔스퀘어" panose="020B0600000101010101" pitchFamily="50" charset="-127"/>
+                <a:ea typeface="나눔스퀘어" panose="020B0600000101010101" pitchFamily="50" charset="-127"/>
+              </a:rPr>
+              <a:t>&gt; make html</a:t>
+            </a:r>
+            <a:endParaRPr lang="ko-KR" altLang="en-US" sz="1400" dirty="0">
+              <a:solidFill>
+                <a:schemeClr val="tx1"/>
+              </a:solidFill>
+              <a:latin typeface="나눔스퀘어" panose="020B0600000101010101" pitchFamily="50" charset="-127"/>
+              <a:ea typeface="나눔스퀘어" panose="020B0600000101010101" pitchFamily="50" charset="-127"/>
+            </a:endParaRPr>
+          </a:p>
+        </p:txBody>
+      </p:sp>
     </p:spTree>
     <p:extLst>
       <p:ext uri="{BB962C8B-B14F-4D97-AF65-F5344CB8AC3E}">
-        <p14:creationId xmlns:p14="http://schemas.microsoft.com/office/powerpoint/2010/main" val="1005171520"/>
+        <p14:creationId xmlns:p14="http://schemas.microsoft.com/office/powerpoint/2010/main" val="1169346787"/>
       </p:ext>
     </p:extLst>
   </p:cSld>
